--- a/02_Linear_regression/Lab01_Linear_regression.pptx
+++ b/02_Linear_regression/Lab01_Linear_regression.pptx
@@ -5,21 +5,30 @@
     <p:sldMasterId id="2147483660" r:id="rId1"/>
   </p:sldMasterIdLst>
   <p:notesMasterIdLst>
-    <p:notesMasterId r:id="rId11"/>
+    <p:notesMasterId r:id="rId20"/>
   </p:notesMasterIdLst>
   <p:handoutMasterIdLst>
-    <p:handoutMasterId r:id="rId12"/>
+    <p:handoutMasterId r:id="rId21"/>
   </p:handoutMasterIdLst>
   <p:sldIdLst>
     <p:sldId id="384" r:id="rId2"/>
-    <p:sldId id="402" r:id="rId3"/>
-    <p:sldId id="406" r:id="rId4"/>
-    <p:sldId id="407" r:id="rId5"/>
-    <p:sldId id="408" r:id="rId6"/>
-    <p:sldId id="409" r:id="rId7"/>
-    <p:sldId id="410" r:id="rId8"/>
-    <p:sldId id="411" r:id="rId9"/>
-    <p:sldId id="412" r:id="rId10"/>
+    <p:sldId id="413" r:id="rId3"/>
+    <p:sldId id="402" r:id="rId4"/>
+    <p:sldId id="406" r:id="rId5"/>
+    <p:sldId id="407" r:id="rId6"/>
+    <p:sldId id="408" r:id="rId7"/>
+    <p:sldId id="409" r:id="rId8"/>
+    <p:sldId id="414" r:id="rId9"/>
+    <p:sldId id="410" r:id="rId10"/>
+    <p:sldId id="411" r:id="rId11"/>
+    <p:sldId id="412" r:id="rId12"/>
+    <p:sldId id="416" r:id="rId13"/>
+    <p:sldId id="417" r:id="rId14"/>
+    <p:sldId id="418" r:id="rId15"/>
+    <p:sldId id="419" r:id="rId16"/>
+    <p:sldId id="421" r:id="rId17"/>
+    <p:sldId id="422" r:id="rId18"/>
+    <p:sldId id="420" r:id="rId19"/>
   </p:sldIdLst>
   <p:sldSz cx="9144000" cy="6858000" type="screen4x3"/>
   <p:notesSz cx="6797675" cy="9928225"/>
@@ -215,7 +224,7 @@
           <a:p>
             <a:fld id="{5133A210-11CB-4406-AD69-106C78B08EF4}" type="datetimeFigureOut">
               <a:rPr lang="ko-KR" altLang="en-US" smtClean="0"/>
-              <a:t>2017-06-24</a:t>
+              <a:t>2017. 7. 8.</a:t>
             </a:fld>
             <a:endParaRPr lang="ko-KR" altLang="en-US"/>
           </a:p>
@@ -380,7 +389,7 @@
           <a:p>
             <a:fld id="{990FF436-EE12-497A-A228-2A8D3D8D5F8A}" type="datetimeFigureOut">
               <a:rPr lang="ko-KR" altLang="en-US" smtClean="0"/>
-              <a:t>2017-06-24</a:t>
+              <a:t>2017. 7. 8.</a:t>
             </a:fld>
             <a:endParaRPr lang="ko-KR" altLang="en-US"/>
           </a:p>
@@ -3993,6 +4002,5660 @@
 </p:sld>
 </file>
 
+<file path=ppt/slides/slide10.xml><?xml version="1.0" encoding="utf-8"?>
+<p:sld xmlns:a="http://schemas.openxmlformats.org/drawingml/2006/main" xmlns:r="http://schemas.openxmlformats.org/officeDocument/2006/relationships" xmlns:p="http://schemas.openxmlformats.org/presentationml/2006/main">
+  <p:cSld>
+    <p:spTree>
+      <p:nvGrpSpPr>
+        <p:cNvPr id="1" name=""/>
+        <p:cNvGrpSpPr/>
+        <p:nvPr/>
+      </p:nvGrpSpPr>
+      <p:grpSpPr>
+        <a:xfrm>
+          <a:off x="0" y="0"/>
+          <a:ext cx="0" cy="0"/>
+          <a:chOff x="0" y="0"/>
+          <a:chExt cx="0" cy="0"/>
+        </a:xfrm>
+      </p:grpSpPr>
+      <p:sp>
+        <p:nvSpPr>
+          <p:cNvPr id="2" name="제목 1">
+            <a:extLst>
+              <a:ext uri="{FF2B5EF4-FFF2-40B4-BE49-F238E27FC236}">
+                <a16:creationId xmlns="" xmlns:a16="http://schemas.microsoft.com/office/drawing/2014/main" id="{14550622-A21E-464A-BD56-1995B41B38ED}"/>
+              </a:ext>
+            </a:extLst>
+          </p:cNvPr>
+          <p:cNvSpPr>
+            <a:spLocks noGrp="1"/>
+          </p:cNvSpPr>
+          <p:nvPr>
+            <p:ph type="title"/>
+          </p:nvPr>
+        </p:nvSpPr>
+        <p:spPr/>
+        <p:txBody>
+          <a:bodyPr/>
+          <a:lstStyle/>
+          <a:p>
+            <a:r>
+              <a:rPr lang="en-US" altLang="ko-KR" dirty="0"/>
+              <a:t>Control parameters of the estimator</a:t>
+            </a:r>
+            <a:endParaRPr lang="ko-KR" altLang="en-US" dirty="0"/>
+          </a:p>
+        </p:txBody>
+      </p:sp>
+      <p:sp>
+        <p:nvSpPr>
+          <p:cNvPr id="3" name="내용 개체 틀 2">
+            <a:extLst>
+              <a:ext uri="{FF2B5EF4-FFF2-40B4-BE49-F238E27FC236}">
+                <a16:creationId xmlns="" xmlns:a16="http://schemas.microsoft.com/office/drawing/2014/main" id="{083E2283-62FA-4CD4-BD67-91E6B398AF6B}"/>
+              </a:ext>
+            </a:extLst>
+          </p:cNvPr>
+          <p:cNvSpPr>
+            <a:spLocks noGrp="1"/>
+          </p:cNvSpPr>
+          <p:nvPr>
+            <p:ph idx="1"/>
+          </p:nvPr>
+        </p:nvSpPr>
+        <p:spPr/>
+        <p:txBody>
+          <a:bodyPr/>
+          <a:lstStyle/>
+          <a:p>
+            <a:r>
+              <a:rPr lang="en-US" altLang="ko-KR" dirty="0"/>
+              <a:t>Example: </a:t>
+            </a:r>
+            <a:r>
+              <a:rPr lang="en-US" altLang="ko-KR" dirty="0" smtClean="0"/>
+              <a:t>Ridge</a:t>
+            </a:r>
+            <a:endParaRPr lang="ko-KR" altLang="en-US" dirty="0"/>
+          </a:p>
+        </p:txBody>
+      </p:sp>
+      <p:sp>
+        <p:nvSpPr>
+          <p:cNvPr id="4" name="슬라이드 번호 개체 틀 3">
+            <a:extLst>
+              <a:ext uri="{FF2B5EF4-FFF2-40B4-BE49-F238E27FC236}">
+                <a16:creationId xmlns="" xmlns:a16="http://schemas.microsoft.com/office/drawing/2014/main" id="{64CF7AB5-C47B-4F02-9B02-F754B436946D}"/>
+              </a:ext>
+            </a:extLst>
+          </p:cNvPr>
+          <p:cNvSpPr>
+            <a:spLocks noGrp="1"/>
+          </p:cNvSpPr>
+          <p:nvPr>
+            <p:ph type="sldNum" sz="quarter" idx="12"/>
+          </p:nvPr>
+        </p:nvSpPr>
+        <p:spPr/>
+        <p:txBody>
+          <a:bodyPr/>
+          <a:lstStyle/>
+          <a:p>
+            <a:fld id="{918A4F77-6F25-441A-99FF-4E0EAB37E818}" type="slidenum">
+              <a:rPr lang="ko-KR" altLang="en-US" smtClean="0"/>
+              <a:t>10</a:t>
+            </a:fld>
+            <a:endParaRPr lang="ko-KR" altLang="en-US"/>
+          </a:p>
+        </p:txBody>
+      </p:sp>
+      <p:sp>
+        <p:nvSpPr>
+          <p:cNvPr id="5" name="직사각형 4">
+            <a:extLst>
+              <a:ext uri="{FF2B5EF4-FFF2-40B4-BE49-F238E27FC236}">
+                <a16:creationId xmlns="" xmlns:a16="http://schemas.microsoft.com/office/drawing/2014/main" id="{15449AC0-91B0-411B-9329-C40FE732F96D}"/>
+              </a:ext>
+            </a:extLst>
+          </p:cNvPr>
+          <p:cNvSpPr/>
+          <p:nvPr/>
+        </p:nvSpPr>
+        <p:spPr>
+          <a:xfrm>
+            <a:off x="0" y="6520491"/>
+            <a:ext cx="6497053" cy="307777"/>
+          </a:xfrm>
+          <a:prstGeom prst="rect">
+            <a:avLst/>
+          </a:prstGeom>
+        </p:spPr>
+        <p:txBody>
+          <a:bodyPr wrap="square">
+            <a:spAutoFit/>
+          </a:bodyPr>
+          <a:lstStyle/>
+          <a:p>
+            <a:r>
+              <a:rPr lang="ko-KR" altLang="en-US" sz="1400" dirty="0">
+                <a:hlinkClick r:id="rId2"/>
+              </a:rPr>
+              <a:t>http://</a:t>
+            </a:r>
+            <a:r>
+              <a:rPr lang="ko-KR" altLang="en-US" sz="1400" dirty="0" smtClean="0">
+                <a:hlinkClick r:id="rId2"/>
+              </a:rPr>
+              <a:t>scikit-learn.org/stable/modules/generated/sklearn.linear_model.Ridge.html</a:t>
+            </a:r>
+            <a:endParaRPr lang="en-US" altLang="ko-KR" sz="1400" dirty="0" smtClean="0"/>
+          </a:p>
+        </p:txBody>
+      </p:sp>
+      <p:pic>
+        <p:nvPicPr>
+          <p:cNvPr id="6" name="그림 5">
+            <a:extLst>
+              <a:ext uri="{FF2B5EF4-FFF2-40B4-BE49-F238E27FC236}">
+                <a16:creationId xmlns="" xmlns:a16="http://schemas.microsoft.com/office/drawing/2014/main" id="{83743D9A-2FE5-4A2C-8D0E-6D5B496ADCF0}"/>
+              </a:ext>
+            </a:extLst>
+          </p:cNvPr>
+          <p:cNvPicPr>
+            <a:picLocks noChangeAspect="1"/>
+          </p:cNvPicPr>
+          <p:nvPr/>
+        </p:nvPicPr>
+        <p:blipFill>
+          <a:blip r:embed="rId3"/>
+          <a:stretch>
+            <a:fillRect/>
+          </a:stretch>
+        </p:blipFill>
+        <p:spPr>
+          <a:xfrm>
+            <a:off x="0" y="1956216"/>
+            <a:ext cx="9144000" cy="2945567"/>
+          </a:xfrm>
+          <a:prstGeom prst="rect">
+            <a:avLst/>
+          </a:prstGeom>
+        </p:spPr>
+      </p:pic>
+      <p:sp>
+        <p:nvSpPr>
+          <p:cNvPr id="7" name="직사각형 6">
+            <a:extLst>
+              <a:ext uri="{FF2B5EF4-FFF2-40B4-BE49-F238E27FC236}">
+                <a16:creationId xmlns="" xmlns:a16="http://schemas.microsoft.com/office/drawing/2014/main" id="{FD6F8624-6A63-4289-8B32-59425761E84B}"/>
+              </a:ext>
+            </a:extLst>
+          </p:cNvPr>
+          <p:cNvSpPr/>
+          <p:nvPr/>
+        </p:nvSpPr>
+        <p:spPr>
+          <a:xfrm>
+            <a:off x="36096" y="2719137"/>
+            <a:ext cx="9059779" cy="894679"/>
+          </a:xfrm>
+          <a:prstGeom prst="rect">
+            <a:avLst/>
+          </a:prstGeom>
+          <a:noFill/>
+          <a:ln>
+            <a:solidFill>
+              <a:srgbClr val="FF0000"/>
+            </a:solidFill>
+          </a:ln>
+        </p:spPr>
+        <p:style>
+          <a:lnRef idx="2">
+            <a:schemeClr val="accent1">
+              <a:shade val="50000"/>
+            </a:schemeClr>
+          </a:lnRef>
+          <a:fillRef idx="1">
+            <a:schemeClr val="accent1"/>
+          </a:fillRef>
+          <a:effectRef idx="0">
+            <a:schemeClr val="accent1"/>
+          </a:effectRef>
+          <a:fontRef idx="minor">
+            <a:schemeClr val="lt1"/>
+          </a:fontRef>
+        </p:style>
+        <p:txBody>
+          <a:bodyPr rtlCol="0" anchor="ctr"/>
+          <a:lstStyle/>
+          <a:p>
+            <a:pPr algn="ctr"/>
+            <a:endParaRPr lang="ko-KR" altLang="en-US"/>
+          </a:p>
+        </p:txBody>
+      </p:sp>
+      <p:sp>
+        <p:nvSpPr>
+          <p:cNvPr id="8" name="TextBox 7">
+            <a:extLst>
+              <a:ext uri="{FF2B5EF4-FFF2-40B4-BE49-F238E27FC236}">
+                <a16:creationId xmlns="" xmlns:a16="http://schemas.microsoft.com/office/drawing/2014/main" id="{25235C07-81A2-448B-A413-82172608CD55}"/>
+              </a:ext>
+            </a:extLst>
+          </p:cNvPr>
+          <p:cNvSpPr txBox="1"/>
+          <p:nvPr/>
+        </p:nvSpPr>
+        <p:spPr>
+          <a:xfrm>
+            <a:off x="7176622" y="3652311"/>
+            <a:ext cx="1836144" cy="369332"/>
+          </a:xfrm>
+          <a:prstGeom prst="rect">
+            <a:avLst/>
+          </a:prstGeom>
+          <a:noFill/>
+        </p:spPr>
+        <p:txBody>
+          <a:bodyPr wrap="none" rtlCol="0">
+            <a:spAutoFit/>
+          </a:bodyPr>
+          <a:lstStyle/>
+          <a:p>
+            <a:r>
+              <a:rPr lang="en-US" altLang="ko-KR" i="1" dirty="0">
+                <a:solidFill>
+                  <a:srgbClr val="FF0000"/>
+                </a:solidFill>
+              </a:rPr>
+              <a:t>Initial parameters</a:t>
+            </a:r>
+            <a:endParaRPr lang="ko-KR" altLang="en-US" i="1" dirty="0">
+              <a:solidFill>
+                <a:srgbClr val="FF0000"/>
+              </a:solidFill>
+            </a:endParaRPr>
+          </a:p>
+        </p:txBody>
+      </p:sp>
+    </p:spTree>
+    <p:extLst>
+      <p:ext uri="{BB962C8B-B14F-4D97-AF65-F5344CB8AC3E}">
+        <p14:creationId xmlns:p14="http://schemas.microsoft.com/office/powerpoint/2010/main" val="384255184"/>
+      </p:ext>
+    </p:extLst>
+  </p:cSld>
+  <p:clrMapOvr>
+    <a:masterClrMapping/>
+  </p:clrMapOvr>
+</p:sld>
+</file>
+
+<file path=ppt/slides/slide11.xml><?xml version="1.0" encoding="utf-8"?>
+<p:sld xmlns:a="http://schemas.openxmlformats.org/drawingml/2006/main" xmlns:r="http://schemas.openxmlformats.org/officeDocument/2006/relationships" xmlns:p="http://schemas.openxmlformats.org/presentationml/2006/main">
+  <p:cSld>
+    <p:spTree>
+      <p:nvGrpSpPr>
+        <p:cNvPr id="1" name=""/>
+        <p:cNvGrpSpPr/>
+        <p:nvPr/>
+      </p:nvGrpSpPr>
+      <p:grpSpPr>
+        <a:xfrm>
+          <a:off x="0" y="0"/>
+          <a:ext cx="0" cy="0"/>
+          <a:chOff x="0" y="0"/>
+          <a:chExt cx="0" cy="0"/>
+        </a:xfrm>
+      </p:grpSpPr>
+      <p:sp>
+        <p:nvSpPr>
+          <p:cNvPr id="2" name="제목 1">
+            <a:extLst>
+              <a:ext uri="{FF2B5EF4-FFF2-40B4-BE49-F238E27FC236}">
+                <a16:creationId xmlns="" xmlns:a16="http://schemas.microsoft.com/office/drawing/2014/main" id="{14550622-A21E-464A-BD56-1995B41B38ED}"/>
+              </a:ext>
+            </a:extLst>
+          </p:cNvPr>
+          <p:cNvSpPr>
+            <a:spLocks noGrp="1"/>
+          </p:cNvSpPr>
+          <p:nvPr>
+            <p:ph type="title"/>
+          </p:nvPr>
+        </p:nvSpPr>
+        <p:spPr/>
+        <p:txBody>
+          <a:bodyPr/>
+          <a:lstStyle/>
+          <a:p>
+            <a:r>
+              <a:rPr lang="en-US" altLang="ko-KR" dirty="0"/>
+              <a:t>Control parameters of the estimator</a:t>
+            </a:r>
+            <a:endParaRPr lang="ko-KR" altLang="en-US" dirty="0"/>
+          </a:p>
+        </p:txBody>
+      </p:sp>
+      <p:sp>
+        <p:nvSpPr>
+          <p:cNvPr id="3" name="내용 개체 틀 2">
+            <a:extLst>
+              <a:ext uri="{FF2B5EF4-FFF2-40B4-BE49-F238E27FC236}">
+                <a16:creationId xmlns="" xmlns:a16="http://schemas.microsoft.com/office/drawing/2014/main" id="{083E2283-62FA-4CD4-BD67-91E6B398AF6B}"/>
+              </a:ext>
+            </a:extLst>
+          </p:cNvPr>
+          <p:cNvSpPr>
+            <a:spLocks noGrp="1"/>
+          </p:cNvSpPr>
+          <p:nvPr>
+            <p:ph idx="1"/>
+          </p:nvPr>
+        </p:nvSpPr>
+        <p:spPr/>
+        <p:txBody>
+          <a:bodyPr/>
+          <a:lstStyle/>
+          <a:p>
+            <a:r>
+              <a:rPr lang="en-US" altLang="ko-KR" dirty="0"/>
+              <a:t>Example: Ridge</a:t>
+            </a:r>
+          </a:p>
+          <a:p>
+            <a:pPr lvl="1"/>
+            <a:r>
+              <a:rPr lang="en-US" altLang="ko-KR" dirty="0"/>
+              <a:t>You can see parameters and responding values</a:t>
+            </a:r>
+            <a:endParaRPr lang="ko-KR" altLang="en-US" dirty="0"/>
+          </a:p>
+        </p:txBody>
+      </p:sp>
+      <p:sp>
+        <p:nvSpPr>
+          <p:cNvPr id="4" name="슬라이드 번호 개체 틀 3">
+            <a:extLst>
+              <a:ext uri="{FF2B5EF4-FFF2-40B4-BE49-F238E27FC236}">
+                <a16:creationId xmlns="" xmlns:a16="http://schemas.microsoft.com/office/drawing/2014/main" id="{64CF7AB5-C47B-4F02-9B02-F754B436946D}"/>
+              </a:ext>
+            </a:extLst>
+          </p:cNvPr>
+          <p:cNvSpPr>
+            <a:spLocks noGrp="1"/>
+          </p:cNvSpPr>
+          <p:nvPr>
+            <p:ph type="sldNum" sz="quarter" idx="12"/>
+          </p:nvPr>
+        </p:nvSpPr>
+        <p:spPr/>
+        <p:txBody>
+          <a:bodyPr/>
+          <a:lstStyle/>
+          <a:p>
+            <a:fld id="{918A4F77-6F25-441A-99FF-4E0EAB37E818}" type="slidenum">
+              <a:rPr lang="ko-KR" altLang="en-US" smtClean="0"/>
+              <a:t>11</a:t>
+            </a:fld>
+            <a:endParaRPr lang="ko-KR" altLang="en-US"/>
+          </a:p>
+        </p:txBody>
+      </p:sp>
+      <p:sp>
+        <p:nvSpPr>
+          <p:cNvPr id="5" name="직사각형 4">
+            <a:extLst>
+              <a:ext uri="{FF2B5EF4-FFF2-40B4-BE49-F238E27FC236}">
+                <a16:creationId xmlns="" xmlns:a16="http://schemas.microsoft.com/office/drawing/2014/main" id="{15449AC0-91B0-411B-9329-C40FE732F96D}"/>
+              </a:ext>
+            </a:extLst>
+          </p:cNvPr>
+          <p:cNvSpPr/>
+          <p:nvPr/>
+        </p:nvSpPr>
+        <p:spPr>
+          <a:xfrm>
+            <a:off x="0" y="6520491"/>
+            <a:ext cx="6497053" cy="307777"/>
+          </a:xfrm>
+          <a:prstGeom prst="rect">
+            <a:avLst/>
+          </a:prstGeom>
+        </p:spPr>
+        <p:txBody>
+          <a:bodyPr wrap="square">
+            <a:spAutoFit/>
+          </a:bodyPr>
+          <a:lstStyle/>
+          <a:p>
+            <a:r>
+              <a:rPr lang="ko-KR" altLang="en-US" sz="1400" dirty="0">
+                <a:hlinkClick r:id="rId2"/>
+              </a:rPr>
+              <a:t>http://</a:t>
+            </a:r>
+            <a:r>
+              <a:rPr lang="ko-KR" altLang="en-US" sz="1400" dirty="0" smtClean="0">
+                <a:hlinkClick r:id="rId2"/>
+              </a:rPr>
+              <a:t>scikit-learn.org/stable/modules/generated/sklearn.linear_model.Ridge.html</a:t>
+            </a:r>
+            <a:endParaRPr lang="en-US" altLang="ko-KR" sz="1400" dirty="0" smtClean="0"/>
+          </a:p>
+        </p:txBody>
+      </p:sp>
+      <p:pic>
+        <p:nvPicPr>
+          <p:cNvPr id="9" name="그림 8">
+            <a:extLst>
+              <a:ext uri="{FF2B5EF4-FFF2-40B4-BE49-F238E27FC236}">
+                <a16:creationId xmlns="" xmlns:a16="http://schemas.microsoft.com/office/drawing/2014/main" id="{4CEC100C-031A-4901-96CF-4E0A212F0234}"/>
+              </a:ext>
+            </a:extLst>
+          </p:cNvPr>
+          <p:cNvPicPr>
+            <a:picLocks noChangeAspect="1"/>
+          </p:cNvPicPr>
+          <p:nvPr/>
+        </p:nvPicPr>
+        <p:blipFill>
+          <a:blip r:embed="rId3"/>
+          <a:stretch>
+            <a:fillRect/>
+          </a:stretch>
+        </p:blipFill>
+        <p:spPr>
+          <a:xfrm>
+            <a:off x="2951497" y="2234967"/>
+            <a:ext cx="5554830" cy="4099571"/>
+          </a:xfrm>
+          <a:prstGeom prst="rect">
+            <a:avLst/>
+          </a:prstGeom>
+        </p:spPr>
+      </p:pic>
+      <p:sp>
+        <p:nvSpPr>
+          <p:cNvPr id="10" name="TextBox 9">
+            <a:extLst>
+              <a:ext uri="{FF2B5EF4-FFF2-40B4-BE49-F238E27FC236}">
+                <a16:creationId xmlns="" xmlns:a16="http://schemas.microsoft.com/office/drawing/2014/main" id="{E64BE232-2992-43FD-8FA5-84BE04A8889E}"/>
+              </a:ext>
+            </a:extLst>
+          </p:cNvPr>
+          <p:cNvSpPr txBox="1"/>
+          <p:nvPr/>
+        </p:nvSpPr>
+        <p:spPr>
+          <a:xfrm>
+            <a:off x="565484" y="3068053"/>
+            <a:ext cx="2480487" cy="830997"/>
+          </a:xfrm>
+          <a:prstGeom prst="rect">
+            <a:avLst/>
+          </a:prstGeom>
+          <a:noFill/>
+        </p:spPr>
+        <p:txBody>
+          <a:bodyPr wrap="none" rtlCol="0">
+            <a:spAutoFit/>
+          </a:bodyPr>
+          <a:lstStyle/>
+          <a:p>
+            <a:r>
+              <a:rPr lang="en-US" altLang="ko-KR" sz="2400" i="1" dirty="0"/>
+              <a:t>‘solver’ </a:t>
+            </a:r>
+            <a:r>
+              <a:rPr lang="en-US" altLang="ko-KR" sz="2400" dirty="0"/>
+              <a:t>parameter</a:t>
+            </a:r>
+            <a:r>
+              <a:rPr lang="en-US" altLang="ko-KR" sz="2400" i="1" dirty="0"/>
+              <a:t/>
+            </a:r>
+            <a:br>
+              <a:rPr lang="en-US" altLang="ko-KR" sz="2400" i="1" dirty="0"/>
+            </a:br>
+            <a:r>
+              <a:rPr lang="en-US" altLang="ko-KR" sz="2400" dirty="0"/>
+              <a:t>for</a:t>
+            </a:r>
+            <a:r>
+              <a:rPr lang="en-US" altLang="ko-KR" sz="2400" i="1" dirty="0"/>
+              <a:t> Ridge</a:t>
+            </a:r>
+            <a:endParaRPr lang="ko-KR" altLang="en-US" sz="2400" i="1" dirty="0"/>
+          </a:p>
+        </p:txBody>
+      </p:sp>
+    </p:spTree>
+    <p:extLst>
+      <p:ext uri="{BB962C8B-B14F-4D97-AF65-F5344CB8AC3E}">
+        <p14:creationId xmlns:p14="http://schemas.microsoft.com/office/powerpoint/2010/main" val="1174786628"/>
+      </p:ext>
+    </p:extLst>
+  </p:cSld>
+  <p:clrMapOvr>
+    <a:masterClrMapping/>
+  </p:clrMapOvr>
+</p:sld>
+</file>
+
+<file path=ppt/slides/slide12.xml><?xml version="1.0" encoding="utf-8"?>
+<p:sld xmlns:a="http://schemas.openxmlformats.org/drawingml/2006/main" xmlns:r="http://schemas.openxmlformats.org/officeDocument/2006/relationships" xmlns:p="http://schemas.openxmlformats.org/presentationml/2006/main">
+  <p:cSld>
+    <p:spTree>
+      <p:nvGrpSpPr>
+        <p:cNvPr id="1" name=""/>
+        <p:cNvGrpSpPr/>
+        <p:nvPr/>
+      </p:nvGrpSpPr>
+      <p:grpSpPr>
+        <a:xfrm>
+          <a:off x="0" y="0"/>
+          <a:ext cx="0" cy="0"/>
+          <a:chOff x="0" y="0"/>
+          <a:chExt cx="0" cy="0"/>
+        </a:xfrm>
+      </p:grpSpPr>
+      <p:sp>
+        <p:nvSpPr>
+          <p:cNvPr id="4" name="슬라이드 번호 개체 틀 3"/>
+          <p:cNvSpPr>
+            <a:spLocks noGrp="1"/>
+          </p:cNvSpPr>
+          <p:nvPr>
+            <p:ph type="sldNum" sz="quarter" idx="12"/>
+          </p:nvPr>
+        </p:nvSpPr>
+        <p:spPr/>
+        <p:txBody>
+          <a:bodyPr/>
+          <a:lstStyle/>
+          <a:p>
+            <a:fld id="{918A4F77-6F25-441A-99FF-4E0EAB37E818}" type="slidenum">
+              <a:rPr lang="ko-KR" altLang="en-US" smtClean="0"/>
+              <a:t>12</a:t>
+            </a:fld>
+            <a:endParaRPr lang="ko-KR" altLang="en-US"/>
+          </a:p>
+        </p:txBody>
+      </p:sp>
+      <p:sp>
+        <p:nvSpPr>
+          <p:cNvPr id="6" name="제목 5"/>
+          <p:cNvSpPr>
+            <a:spLocks noGrp="1"/>
+          </p:cNvSpPr>
+          <p:nvPr>
+            <p:ph type="title"/>
+          </p:nvPr>
+        </p:nvSpPr>
+        <p:spPr/>
+        <p:txBody>
+          <a:bodyPr/>
+          <a:lstStyle/>
+          <a:p>
+            <a:r>
+              <a:rPr kumimoji="1" lang="en-US" altLang="ko-KR" dirty="0" smtClean="0"/>
+              <a:t>Ridge and Lasso: Parameters</a:t>
+            </a:r>
+            <a:endParaRPr kumimoji="1" lang="ko-KR" altLang="en-US" dirty="0"/>
+          </a:p>
+        </p:txBody>
+      </p:sp>
+      <p:sp>
+        <p:nvSpPr>
+          <p:cNvPr id="7" name="텍스트 개체 틀 6"/>
+          <p:cNvSpPr>
+            <a:spLocks noGrp="1"/>
+          </p:cNvSpPr>
+          <p:nvPr>
+            <p:ph type="body" idx="1"/>
+          </p:nvPr>
+        </p:nvSpPr>
+        <p:spPr/>
+        <p:txBody>
+          <a:bodyPr/>
+          <a:lstStyle/>
+          <a:p>
+            <a:pPr marL="342900" indent="-342900">
+              <a:buFont typeface="Arial" charset="0"/>
+              <a:buChar char="•"/>
+            </a:pPr>
+            <a:endParaRPr kumimoji="1" lang="ko-KR" altLang="en-US" dirty="0"/>
+          </a:p>
+        </p:txBody>
+      </p:sp>
+    </p:spTree>
+    <p:extLst>
+      <p:ext uri="{BB962C8B-B14F-4D97-AF65-F5344CB8AC3E}">
+        <p14:creationId xmlns:p14="http://schemas.microsoft.com/office/powerpoint/2010/main" val="1543952800"/>
+      </p:ext>
+    </p:extLst>
+  </p:cSld>
+  <p:clrMapOvr>
+    <a:masterClrMapping/>
+  </p:clrMapOvr>
+</p:sld>
+</file>
+
+<file path=ppt/slides/slide13.xml><?xml version="1.0" encoding="utf-8"?>
+<p:sld xmlns:a="http://schemas.openxmlformats.org/drawingml/2006/main" xmlns:r="http://schemas.openxmlformats.org/officeDocument/2006/relationships" xmlns:p="http://schemas.openxmlformats.org/presentationml/2006/main">
+  <p:cSld>
+    <p:spTree>
+      <p:nvGrpSpPr>
+        <p:cNvPr id="1" name=""/>
+        <p:cNvGrpSpPr/>
+        <p:nvPr/>
+      </p:nvGrpSpPr>
+      <p:grpSpPr>
+        <a:xfrm>
+          <a:off x="0" y="0"/>
+          <a:ext cx="0" cy="0"/>
+          <a:chOff x="0" y="0"/>
+          <a:chExt cx="0" cy="0"/>
+        </a:xfrm>
+      </p:grpSpPr>
+      <p:sp>
+        <p:nvSpPr>
+          <p:cNvPr id="2" name="제목 1"/>
+          <p:cNvSpPr>
+            <a:spLocks noGrp="1"/>
+          </p:cNvSpPr>
+          <p:nvPr>
+            <p:ph type="title"/>
+          </p:nvPr>
+        </p:nvSpPr>
+        <p:spPr/>
+        <p:txBody>
+          <a:bodyPr/>
+          <a:lstStyle/>
+          <a:p>
+            <a:r>
+              <a:rPr kumimoji="1" lang="en-US" altLang="ko-KR" dirty="0" smtClean="0"/>
+              <a:t>Simple linear regression vs. Ridge vs. Lasso</a:t>
+            </a:r>
+            <a:endParaRPr kumimoji="1" lang="ko-KR" altLang="en-US" dirty="0"/>
+          </a:p>
+        </p:txBody>
+      </p:sp>
+      <p:sp>
+        <p:nvSpPr>
+          <p:cNvPr id="3" name="내용 개체 틀 2"/>
+          <p:cNvSpPr>
+            <a:spLocks noGrp="1"/>
+          </p:cNvSpPr>
+          <p:nvPr>
+            <p:ph idx="1"/>
+          </p:nvPr>
+        </p:nvSpPr>
+        <p:spPr/>
+        <p:txBody>
+          <a:bodyPr/>
+          <a:lstStyle/>
+          <a:p>
+            <a:r>
+              <a:rPr kumimoji="1" lang="en-US" altLang="ko-KR" dirty="0"/>
+              <a:t>Objective functions (or cost functions)</a:t>
+            </a:r>
+          </a:p>
+          <a:p>
+            <a:pPr lvl="1"/>
+            <a:r>
+              <a:rPr kumimoji="1" lang="en-US" altLang="ko-KR" dirty="0"/>
+              <a:t>Linear regression (</a:t>
+            </a:r>
+            <a:r>
+              <a:rPr kumimoji="1" lang="en-US" altLang="ko-KR" i="1" dirty="0"/>
+              <a:t>f</a:t>
+            </a:r>
+            <a:r>
+              <a:rPr kumimoji="1" lang="en-US" altLang="ko-KR" dirty="0"/>
+              <a:t>)</a:t>
+            </a:r>
+          </a:p>
+          <a:p>
+            <a:pPr lvl="1"/>
+            <a:endParaRPr kumimoji="1" lang="en-US" altLang="ko-KR" dirty="0"/>
+          </a:p>
+          <a:p>
+            <a:pPr lvl="1"/>
+            <a:endParaRPr kumimoji="1" lang="en-US" altLang="ko-KR" dirty="0"/>
+          </a:p>
+          <a:p>
+            <a:pPr lvl="1"/>
+            <a:r>
+              <a:rPr kumimoji="1" lang="en-US" altLang="ko-KR" dirty="0"/>
+              <a:t>Ridge (</a:t>
+            </a:r>
+            <a:r>
+              <a:rPr kumimoji="1" lang="en-US" altLang="ko-KR" i="1" dirty="0"/>
+              <a:t>f</a:t>
+            </a:r>
+            <a:r>
+              <a:rPr kumimoji="1" lang="en-US" altLang="ko-KR" dirty="0"/>
+              <a:t> + </a:t>
+            </a:r>
+            <a:r>
+              <a:rPr kumimoji="1" lang="en-US" altLang="ko-KR" dirty="0">
+                <a:solidFill>
+                  <a:schemeClr val="accent2"/>
+                </a:solidFill>
+              </a:rPr>
+              <a:t>L2-norm regularization</a:t>
+            </a:r>
+            <a:r>
+              <a:rPr kumimoji="1" lang="en-US" altLang="ko-KR" dirty="0"/>
+              <a:t>)</a:t>
+            </a:r>
+          </a:p>
+          <a:p>
+            <a:pPr lvl="1"/>
+            <a:endParaRPr kumimoji="1" lang="en-US" altLang="ko-KR" dirty="0"/>
+          </a:p>
+          <a:p>
+            <a:pPr lvl="1"/>
+            <a:endParaRPr kumimoji="1" lang="en-US" altLang="ko-KR" dirty="0"/>
+          </a:p>
+          <a:p>
+            <a:pPr lvl="1"/>
+            <a:r>
+              <a:rPr kumimoji="1" lang="en-US" altLang="ko-KR" dirty="0"/>
+              <a:t>Lasso (</a:t>
+            </a:r>
+            <a:r>
+              <a:rPr kumimoji="1" lang="en-US" altLang="ko-KR" i="1" dirty="0"/>
+              <a:t>f</a:t>
+            </a:r>
+            <a:r>
+              <a:rPr kumimoji="1" lang="en-US" altLang="ko-KR" dirty="0"/>
+              <a:t> + </a:t>
+            </a:r>
+            <a:r>
+              <a:rPr kumimoji="1" lang="en-US" altLang="ko-KR" dirty="0">
+                <a:solidFill>
+                  <a:schemeClr val="accent2"/>
+                </a:solidFill>
+              </a:rPr>
+              <a:t>L1-norm regularization</a:t>
+            </a:r>
+            <a:r>
+              <a:rPr kumimoji="1" lang="en-US" altLang="ko-KR" dirty="0"/>
+              <a:t>)</a:t>
+            </a:r>
+          </a:p>
+        </p:txBody>
+      </p:sp>
+      <p:sp>
+        <p:nvSpPr>
+          <p:cNvPr id="4" name="슬라이드 번호 개체 틀 3"/>
+          <p:cNvSpPr>
+            <a:spLocks noGrp="1"/>
+          </p:cNvSpPr>
+          <p:nvPr>
+            <p:ph type="sldNum" sz="quarter" idx="12"/>
+          </p:nvPr>
+        </p:nvSpPr>
+        <p:spPr/>
+        <p:txBody>
+          <a:bodyPr/>
+          <a:lstStyle/>
+          <a:p>
+            <a:fld id="{918A4F77-6F25-441A-99FF-4E0EAB37E818}" type="slidenum">
+              <a:rPr lang="ko-KR" altLang="en-US" smtClean="0"/>
+              <a:t>13</a:t>
+            </a:fld>
+            <a:endParaRPr lang="ko-KR" altLang="en-US"/>
+          </a:p>
+        </p:txBody>
+      </p:sp>
+      <mc:AlternateContent xmlns:mc="http://schemas.openxmlformats.org/markup-compatibility/2006" xmlns:a14="http://schemas.microsoft.com/office/drawing/2010/main">
+        <mc:Choice Requires="a14">
+          <p:sp>
+            <p:nvSpPr>
+              <p:cNvPr id="6" name="텍스트 상자 5"/>
+              <p:cNvSpPr txBox="1"/>
+              <p:nvPr/>
+            </p:nvSpPr>
+            <p:spPr>
+              <a:xfrm>
+                <a:off x="1194656" y="1944094"/>
+                <a:ext cx="4063099" cy="756233"/>
+              </a:xfrm>
+              <a:prstGeom prst="rect">
+                <a:avLst/>
+              </a:prstGeom>
+              <a:noFill/>
+            </p:spPr>
+            <p:txBody>
+              <a:bodyPr wrap="none" lIns="0" tIns="0" rIns="0" bIns="0" rtlCol="0">
+                <a:spAutoFit/>
+              </a:bodyPr>
+              <a:lstStyle/>
+              <a:p>
+                <a:pPr/>
+                <a14:m>
+                  <m:oMathPara xmlns:m="http://schemas.openxmlformats.org/officeDocument/2006/math">
+                    <m:oMathParaPr>
+                      <m:jc m:val="centerGroup"/>
+                    </m:oMathParaPr>
+                    <m:oMath xmlns:m="http://schemas.openxmlformats.org/officeDocument/2006/math">
+                      <m:r>
+                        <m:rPr>
+                          <m:sty m:val="p"/>
+                        </m:rPr>
+                        <a:rPr kumimoji="1" lang="en-US" altLang="ko-KR" b="0" i="0" smtClean="0">
+                          <a:latin typeface="Cambria Math" charset="0"/>
+                        </a:rPr>
+                        <m:t>min</m:t>
+                      </m:r>
+                      <m:nary>
+                        <m:naryPr>
+                          <m:chr m:val="∑"/>
+                          <m:ctrlPr>
+                            <a:rPr kumimoji="1" lang="is-IS" altLang="ko-KR" b="0" i="1" smtClean="0">
+                              <a:latin typeface="Cambria Math" charset="0"/>
+                            </a:rPr>
+                          </m:ctrlPr>
+                        </m:naryPr>
+                        <m:sub>
+                          <m:r>
+                            <m:rPr>
+                              <m:brk m:alnAt="23"/>
+                            </m:rPr>
+                            <a:rPr kumimoji="1" lang="en-US" altLang="ko-KR" b="0" i="1" smtClean="0">
+                              <a:latin typeface="Cambria Math" charset="0"/>
+                            </a:rPr>
+                            <m:t>𝑖</m:t>
+                          </m:r>
+                          <m:r>
+                            <a:rPr kumimoji="1" lang="en-US" altLang="ko-KR" b="0" i="1" smtClean="0">
+                              <a:latin typeface="Cambria Math" charset="0"/>
+                            </a:rPr>
+                            <m:t>=1</m:t>
+                          </m:r>
+                        </m:sub>
+                        <m:sup>
+                          <m:r>
+                            <a:rPr kumimoji="1" lang="en-US" altLang="ko-KR" b="0" i="1" smtClean="0">
+                              <a:latin typeface="Cambria Math" charset="0"/>
+                            </a:rPr>
+                            <m:t>𝑛</m:t>
+                          </m:r>
+                        </m:sup>
+                        <m:e>
+                          <m:sSup>
+                            <m:sSupPr>
+                              <m:ctrlPr>
+                                <a:rPr kumimoji="1" lang="en-US" altLang="ko-KR" b="0" i="1" smtClean="0">
+                                  <a:latin typeface="Cambria Math" charset="0"/>
+                                </a:rPr>
+                              </m:ctrlPr>
+                            </m:sSupPr>
+                            <m:e>
+                              <m:d>
+                                <m:dPr>
+                                  <m:begChr m:val="{"/>
+                                  <m:endChr m:val="}"/>
+                                  <m:ctrlPr>
+                                    <a:rPr kumimoji="1" lang="en-US" altLang="ko-KR" b="0" i="1" smtClean="0">
+                                      <a:latin typeface="Cambria Math" charset="0"/>
+                                    </a:rPr>
+                                  </m:ctrlPr>
+                                </m:dPr>
+                                <m:e>
+                                  <m:sSub>
+                                    <m:sSubPr>
+                                      <m:ctrlPr>
+                                        <a:rPr kumimoji="1" lang="en-US" altLang="ko-KR" b="0" i="1" smtClean="0">
+                                          <a:latin typeface="Cambria Math" charset="0"/>
+                                        </a:rPr>
+                                      </m:ctrlPr>
+                                    </m:sSubPr>
+                                    <m:e>
+                                      <m:r>
+                                        <a:rPr kumimoji="1" lang="en-US" altLang="ko-KR" b="0" i="1" smtClean="0">
+                                          <a:latin typeface="Cambria Math" charset="0"/>
+                                        </a:rPr>
+                                        <m:t>𝑦</m:t>
+                                      </m:r>
+                                    </m:e>
+                                    <m:sub>
+                                      <m:r>
+                                        <a:rPr kumimoji="1" lang="en-US" altLang="ko-KR" b="0" i="1" smtClean="0">
+                                          <a:latin typeface="Cambria Math" charset="0"/>
+                                        </a:rPr>
+                                        <m:t>𝑖</m:t>
+                                      </m:r>
+                                    </m:sub>
+                                  </m:sSub>
+                                  <m:r>
+                                    <a:rPr kumimoji="1" lang="en-US" altLang="ko-KR" b="0" i="1" smtClean="0">
+                                      <a:latin typeface="Cambria Math" charset="0"/>
+                                    </a:rPr>
+                                    <m:t>−</m:t>
+                                  </m:r>
+                                  <m:d>
+                                    <m:dPr>
+                                      <m:ctrlPr>
+                                        <a:rPr kumimoji="1" lang="en-US" altLang="ko-KR" b="0" i="1" smtClean="0">
+                                          <a:latin typeface="Cambria Math" charset="0"/>
+                                        </a:rPr>
+                                      </m:ctrlPr>
+                                    </m:dPr>
+                                    <m:e>
+                                      <m:sSub>
+                                        <m:sSubPr>
+                                          <m:ctrlPr>
+                                            <a:rPr kumimoji="1" lang="en-US" altLang="ko-KR" b="0" i="1" smtClean="0">
+                                              <a:latin typeface="Cambria Math" charset="0"/>
+                                            </a:rPr>
+                                          </m:ctrlPr>
+                                        </m:sSubPr>
+                                        <m:e>
+                                          <m:acc>
+                                            <m:accPr>
+                                              <m:chr m:val="̂"/>
+                                              <m:ctrlPr>
+                                                <a:rPr kumimoji="1" lang="en-US" altLang="ko-KR" b="0" i="1" smtClean="0">
+                                                  <a:latin typeface="Cambria Math" charset="0"/>
+                                                </a:rPr>
+                                              </m:ctrlPr>
+                                            </m:accPr>
+                                            <m:e>
+                                              <m:r>
+                                                <a:rPr kumimoji="1" lang="en-US" altLang="ko-KR" i="1">
+                                                  <a:latin typeface="Cambria Math" charset="0"/>
+                                                </a:rPr>
+                                                <m:t>𝛽</m:t>
+                                              </m:r>
+                                            </m:e>
+                                          </m:acc>
+                                        </m:e>
+                                        <m:sub>
+                                          <m:r>
+                                            <a:rPr kumimoji="1" lang="en-US" altLang="ko-KR" b="0" i="1" smtClean="0">
+                                              <a:latin typeface="Cambria Math" charset="0"/>
+                                            </a:rPr>
+                                            <m:t>0</m:t>
+                                          </m:r>
+                                        </m:sub>
+                                      </m:sSub>
+                                      <m:r>
+                                        <a:rPr kumimoji="1" lang="en-US" altLang="ko-KR" b="0" i="1" smtClean="0">
+                                          <a:latin typeface="Cambria Math" charset="0"/>
+                                        </a:rPr>
+                                        <m:t>+</m:t>
+                                      </m:r>
+                                      <m:sSub>
+                                        <m:sSubPr>
+                                          <m:ctrlPr>
+                                            <a:rPr kumimoji="1" lang="en-US" altLang="ko-KR" i="1">
+                                              <a:latin typeface="Cambria Math" charset="0"/>
+                                            </a:rPr>
+                                          </m:ctrlPr>
+                                        </m:sSubPr>
+                                        <m:e>
+                                          <m:acc>
+                                            <m:accPr>
+                                              <m:chr m:val="̂"/>
+                                              <m:ctrlPr>
+                                                <a:rPr kumimoji="1" lang="en-US" altLang="ko-KR" i="1">
+                                                  <a:latin typeface="Cambria Math" charset="0"/>
+                                                </a:rPr>
+                                              </m:ctrlPr>
+                                            </m:accPr>
+                                            <m:e>
+                                              <m:r>
+                                                <a:rPr kumimoji="1" lang="en-US" altLang="ko-KR" i="1">
+                                                  <a:latin typeface="Cambria Math" charset="0"/>
+                                                </a:rPr>
+                                                <m:t>𝛽</m:t>
+                                              </m:r>
+                                            </m:e>
+                                          </m:acc>
+                                        </m:e>
+                                        <m:sub>
+                                          <m:r>
+                                            <a:rPr kumimoji="1" lang="en-US" altLang="ko-KR" b="0" i="1" smtClean="0">
+                                              <a:latin typeface="Cambria Math" charset="0"/>
+                                            </a:rPr>
+                                            <m:t>1</m:t>
+                                          </m:r>
+                                        </m:sub>
+                                      </m:sSub>
+                                      <m:sSub>
+                                        <m:sSubPr>
+                                          <m:ctrlPr>
+                                            <a:rPr kumimoji="1" lang="en-US" altLang="ko-KR" b="0" i="1" smtClean="0">
+                                              <a:latin typeface="Cambria Math" charset="0"/>
+                                            </a:rPr>
+                                          </m:ctrlPr>
+                                        </m:sSubPr>
+                                        <m:e>
+                                          <m:r>
+                                            <a:rPr kumimoji="1" lang="en-US" altLang="ko-KR" b="0" i="1" smtClean="0">
+                                              <a:latin typeface="Cambria Math" charset="0"/>
+                                            </a:rPr>
+                                            <m:t>𝑥</m:t>
+                                          </m:r>
+                                        </m:e>
+                                        <m:sub>
+                                          <m:r>
+                                            <a:rPr kumimoji="1" lang="en-US" altLang="ko-KR" b="0" i="1" smtClean="0">
+                                              <a:latin typeface="Cambria Math" charset="0"/>
+                                            </a:rPr>
+                                            <m:t>𝑖</m:t>
+                                          </m:r>
+                                          <m:r>
+                                            <a:rPr kumimoji="1" lang="en-US" altLang="ko-KR" b="0" i="1" smtClean="0">
+                                              <a:latin typeface="Cambria Math" charset="0"/>
+                                            </a:rPr>
+                                            <m:t>1</m:t>
+                                          </m:r>
+                                        </m:sub>
+                                      </m:sSub>
+                                      <m:r>
+                                        <a:rPr kumimoji="1" lang="en-US" altLang="ko-KR" b="0" i="1" smtClean="0">
+                                          <a:latin typeface="Cambria Math" charset="0"/>
+                                        </a:rPr>
+                                        <m:t>+…+</m:t>
+                                      </m:r>
+                                      <m:sSub>
+                                        <m:sSubPr>
+                                          <m:ctrlPr>
+                                            <a:rPr kumimoji="1" lang="en-US" altLang="ko-KR" i="1">
+                                              <a:latin typeface="Cambria Math" charset="0"/>
+                                            </a:rPr>
+                                          </m:ctrlPr>
+                                        </m:sSubPr>
+                                        <m:e>
+                                          <m:acc>
+                                            <m:accPr>
+                                              <m:chr m:val="̂"/>
+                                              <m:ctrlPr>
+                                                <a:rPr kumimoji="1" lang="en-US" altLang="ko-KR" i="1">
+                                                  <a:latin typeface="Cambria Math" charset="0"/>
+                                                </a:rPr>
+                                              </m:ctrlPr>
+                                            </m:accPr>
+                                            <m:e>
+                                              <m:r>
+                                                <a:rPr kumimoji="1" lang="en-US" altLang="ko-KR" i="1">
+                                                  <a:latin typeface="Cambria Math" charset="0"/>
+                                                </a:rPr>
+                                                <m:t>𝛽</m:t>
+                                              </m:r>
+                                            </m:e>
+                                          </m:acc>
+                                        </m:e>
+                                        <m:sub>
+                                          <m:r>
+                                            <a:rPr kumimoji="1" lang="en-US" altLang="ko-KR" b="0" i="1" smtClean="0">
+                                              <a:latin typeface="Cambria Math" charset="0"/>
+                                            </a:rPr>
+                                            <m:t>𝑝</m:t>
+                                          </m:r>
+                                        </m:sub>
+                                      </m:sSub>
+                                      <m:sSub>
+                                        <m:sSubPr>
+                                          <m:ctrlPr>
+                                            <a:rPr kumimoji="1" lang="en-US" altLang="ko-KR" b="0" i="1" smtClean="0">
+                                              <a:latin typeface="Cambria Math" charset="0"/>
+                                            </a:rPr>
+                                          </m:ctrlPr>
+                                        </m:sSubPr>
+                                        <m:e>
+                                          <m:r>
+                                            <a:rPr kumimoji="1" lang="en-US" altLang="ko-KR" b="0" i="1" smtClean="0">
+                                              <a:latin typeface="Cambria Math" charset="0"/>
+                                            </a:rPr>
+                                            <m:t>𝑥</m:t>
+                                          </m:r>
+                                        </m:e>
+                                        <m:sub>
+                                          <m:r>
+                                            <a:rPr kumimoji="1" lang="en-US" altLang="ko-KR" b="0" i="1" smtClean="0">
+                                              <a:latin typeface="Cambria Math" charset="0"/>
+                                            </a:rPr>
+                                            <m:t>𝑖𝑝</m:t>
+                                          </m:r>
+                                        </m:sub>
+                                      </m:sSub>
+                                    </m:e>
+                                  </m:d>
+                                </m:e>
+                              </m:d>
+                            </m:e>
+                            <m:sup>
+                              <m:r>
+                                <a:rPr kumimoji="1" lang="en-US" altLang="ko-KR" b="0" i="1" smtClean="0">
+                                  <a:latin typeface="Cambria Math" charset="0"/>
+                                </a:rPr>
+                                <m:t>2</m:t>
+                              </m:r>
+                            </m:sup>
+                          </m:sSup>
+                        </m:e>
+                      </m:nary>
+                    </m:oMath>
+                  </m:oMathPara>
+                </a14:m>
+                <a:endParaRPr kumimoji="1" lang="ko-KR" altLang="en-US" dirty="0"/>
+              </a:p>
+            </p:txBody>
+          </p:sp>
+        </mc:Choice>
+        <mc:Fallback xmlns="">
+          <p:sp>
+            <p:nvSpPr>
+              <p:cNvPr id="6" name="텍스트 상자 5"/>
+              <p:cNvSpPr txBox="1">
+                <a:spLocks noRot="1" noChangeAspect="1" noMove="1" noResize="1" noEditPoints="1" noAdjustHandles="1" noChangeArrowheads="1" noChangeShapeType="1" noTextEdit="1"/>
+              </p:cNvSpPr>
+              <p:nvPr/>
+            </p:nvSpPr>
+            <p:spPr>
+              <a:xfrm>
+                <a:off x="1194656" y="1944094"/>
+                <a:ext cx="4063099" cy="756233"/>
+              </a:xfrm>
+              <a:prstGeom prst="rect">
+                <a:avLst/>
+              </a:prstGeom>
+              <a:blipFill rotWithShape="0">
+                <a:blip r:embed="rId2"/>
+                <a:stretch>
+                  <a:fillRect b="-806"/>
+                </a:stretch>
+              </a:blipFill>
+            </p:spPr>
+            <p:txBody>
+              <a:bodyPr/>
+              <a:lstStyle/>
+              <a:p>
+                <a:r>
+                  <a:rPr lang="ko-KR" altLang="en-US">
+                    <a:noFill/>
+                  </a:rPr>
+                  <a:t> </a:t>
+                </a:r>
+              </a:p>
+            </p:txBody>
+          </p:sp>
+        </mc:Fallback>
+      </mc:AlternateContent>
+      <mc:AlternateContent xmlns:mc="http://schemas.openxmlformats.org/markup-compatibility/2006" xmlns:a14="http://schemas.microsoft.com/office/drawing/2010/main">
+        <mc:Choice Requires="a14">
+          <p:sp>
+            <p:nvSpPr>
+              <p:cNvPr id="7" name="텍스트 상자 6"/>
+              <p:cNvSpPr txBox="1"/>
+              <p:nvPr/>
+            </p:nvSpPr>
+            <p:spPr>
+              <a:xfrm>
+                <a:off x="1194656" y="4802324"/>
+                <a:ext cx="5276894" cy="787523"/>
+              </a:xfrm>
+              <a:prstGeom prst="rect">
+                <a:avLst/>
+              </a:prstGeom>
+              <a:noFill/>
+            </p:spPr>
+            <p:txBody>
+              <a:bodyPr wrap="none" lIns="0" tIns="0" rIns="0" bIns="0" rtlCol="0">
+                <a:spAutoFit/>
+              </a:bodyPr>
+              <a:lstStyle/>
+              <a:p>
+                <a:pPr/>
+                <a14:m>
+                  <m:oMathPara xmlns:m="http://schemas.openxmlformats.org/officeDocument/2006/math">
+                    <m:oMathParaPr>
+                      <m:jc m:val="centerGroup"/>
+                    </m:oMathParaPr>
+                    <m:oMath xmlns:m="http://schemas.openxmlformats.org/officeDocument/2006/math">
+                      <m:r>
+                        <m:rPr>
+                          <m:sty m:val="p"/>
+                        </m:rPr>
+                        <a:rPr kumimoji="1" lang="en-US" altLang="ko-KR" b="0" i="0" smtClean="0">
+                          <a:latin typeface="Cambria Math" charset="0"/>
+                        </a:rPr>
+                        <m:t>min</m:t>
+                      </m:r>
+                      <m:nary>
+                        <m:naryPr>
+                          <m:chr m:val="∑"/>
+                          <m:ctrlPr>
+                            <a:rPr kumimoji="1" lang="is-IS" altLang="ko-KR" b="0" i="1" smtClean="0">
+                              <a:latin typeface="Cambria Math" charset="0"/>
+                            </a:rPr>
+                          </m:ctrlPr>
+                        </m:naryPr>
+                        <m:sub>
+                          <m:r>
+                            <m:rPr>
+                              <m:brk m:alnAt="23"/>
+                            </m:rPr>
+                            <a:rPr kumimoji="1" lang="en-US" altLang="ko-KR" b="0" i="1" smtClean="0">
+                              <a:latin typeface="Cambria Math" charset="0"/>
+                            </a:rPr>
+                            <m:t>𝑖</m:t>
+                          </m:r>
+                          <m:r>
+                            <a:rPr kumimoji="1" lang="en-US" altLang="ko-KR" b="0" i="1" smtClean="0">
+                              <a:latin typeface="Cambria Math" charset="0"/>
+                            </a:rPr>
+                            <m:t>=1</m:t>
+                          </m:r>
+                        </m:sub>
+                        <m:sup>
+                          <m:r>
+                            <a:rPr kumimoji="1" lang="en-US" altLang="ko-KR" b="0" i="1" smtClean="0">
+                              <a:latin typeface="Cambria Math" charset="0"/>
+                            </a:rPr>
+                            <m:t>𝑛</m:t>
+                          </m:r>
+                        </m:sup>
+                        <m:e>
+                          <m:sSup>
+                            <m:sSupPr>
+                              <m:ctrlPr>
+                                <a:rPr kumimoji="1" lang="en-US" altLang="ko-KR" b="0" i="1" smtClean="0">
+                                  <a:latin typeface="Cambria Math" charset="0"/>
+                                </a:rPr>
+                              </m:ctrlPr>
+                            </m:sSupPr>
+                            <m:e>
+                              <m:d>
+                                <m:dPr>
+                                  <m:begChr m:val="{"/>
+                                  <m:endChr m:val="}"/>
+                                  <m:ctrlPr>
+                                    <a:rPr kumimoji="1" lang="en-US" altLang="ko-KR" b="0" i="1" smtClean="0">
+                                      <a:latin typeface="Cambria Math" charset="0"/>
+                                    </a:rPr>
+                                  </m:ctrlPr>
+                                </m:dPr>
+                                <m:e>
+                                  <m:sSub>
+                                    <m:sSubPr>
+                                      <m:ctrlPr>
+                                        <a:rPr kumimoji="1" lang="en-US" altLang="ko-KR" b="0" i="1" smtClean="0">
+                                          <a:latin typeface="Cambria Math" charset="0"/>
+                                        </a:rPr>
+                                      </m:ctrlPr>
+                                    </m:sSubPr>
+                                    <m:e>
+                                      <m:r>
+                                        <a:rPr kumimoji="1" lang="en-US" altLang="ko-KR" b="0" i="1" smtClean="0">
+                                          <a:latin typeface="Cambria Math" charset="0"/>
+                                        </a:rPr>
+                                        <m:t>𝑦</m:t>
+                                      </m:r>
+                                    </m:e>
+                                    <m:sub>
+                                      <m:r>
+                                        <a:rPr kumimoji="1" lang="en-US" altLang="ko-KR" b="0" i="1" smtClean="0">
+                                          <a:latin typeface="Cambria Math" charset="0"/>
+                                        </a:rPr>
+                                        <m:t>𝑖</m:t>
+                                      </m:r>
+                                    </m:sub>
+                                  </m:sSub>
+                                  <m:r>
+                                    <a:rPr kumimoji="1" lang="en-US" altLang="ko-KR" b="0" i="1" smtClean="0">
+                                      <a:latin typeface="Cambria Math" charset="0"/>
+                                    </a:rPr>
+                                    <m:t>−</m:t>
+                                  </m:r>
+                                  <m:d>
+                                    <m:dPr>
+                                      <m:ctrlPr>
+                                        <a:rPr kumimoji="1" lang="en-US" altLang="ko-KR" b="0" i="1" smtClean="0">
+                                          <a:latin typeface="Cambria Math" charset="0"/>
+                                        </a:rPr>
+                                      </m:ctrlPr>
+                                    </m:dPr>
+                                    <m:e>
+                                      <m:sSub>
+                                        <m:sSubPr>
+                                          <m:ctrlPr>
+                                            <a:rPr kumimoji="1" lang="en-US" altLang="ko-KR" b="0" i="1" smtClean="0">
+                                              <a:latin typeface="Cambria Math" charset="0"/>
+                                            </a:rPr>
+                                          </m:ctrlPr>
+                                        </m:sSubPr>
+                                        <m:e>
+                                          <m:acc>
+                                            <m:accPr>
+                                              <m:chr m:val="̂"/>
+                                              <m:ctrlPr>
+                                                <a:rPr kumimoji="1" lang="en-US" altLang="ko-KR" b="0" i="1" smtClean="0">
+                                                  <a:latin typeface="Cambria Math" charset="0"/>
+                                                </a:rPr>
+                                              </m:ctrlPr>
+                                            </m:accPr>
+                                            <m:e>
+                                              <m:r>
+                                                <a:rPr kumimoji="1" lang="en-US" altLang="ko-KR" i="1">
+                                                  <a:latin typeface="Cambria Math" charset="0"/>
+                                                </a:rPr>
+                                                <m:t>𝛽</m:t>
+                                              </m:r>
+                                            </m:e>
+                                          </m:acc>
+                                        </m:e>
+                                        <m:sub>
+                                          <m:r>
+                                            <a:rPr kumimoji="1" lang="en-US" altLang="ko-KR" b="0" i="1" smtClean="0">
+                                              <a:latin typeface="Cambria Math" charset="0"/>
+                                            </a:rPr>
+                                            <m:t>0</m:t>
+                                          </m:r>
+                                        </m:sub>
+                                      </m:sSub>
+                                      <m:r>
+                                        <a:rPr kumimoji="1" lang="en-US" altLang="ko-KR" b="0" i="1" smtClean="0">
+                                          <a:latin typeface="Cambria Math" charset="0"/>
+                                        </a:rPr>
+                                        <m:t>+</m:t>
+                                      </m:r>
+                                      <m:sSub>
+                                        <m:sSubPr>
+                                          <m:ctrlPr>
+                                            <a:rPr kumimoji="1" lang="en-US" altLang="ko-KR" i="1">
+                                              <a:latin typeface="Cambria Math" charset="0"/>
+                                            </a:rPr>
+                                          </m:ctrlPr>
+                                        </m:sSubPr>
+                                        <m:e>
+                                          <m:acc>
+                                            <m:accPr>
+                                              <m:chr m:val="̂"/>
+                                              <m:ctrlPr>
+                                                <a:rPr kumimoji="1" lang="en-US" altLang="ko-KR" i="1">
+                                                  <a:latin typeface="Cambria Math" charset="0"/>
+                                                </a:rPr>
+                                              </m:ctrlPr>
+                                            </m:accPr>
+                                            <m:e>
+                                              <m:r>
+                                                <a:rPr kumimoji="1" lang="en-US" altLang="ko-KR" i="1">
+                                                  <a:latin typeface="Cambria Math" charset="0"/>
+                                                </a:rPr>
+                                                <m:t>𝛽</m:t>
+                                              </m:r>
+                                            </m:e>
+                                          </m:acc>
+                                        </m:e>
+                                        <m:sub>
+                                          <m:r>
+                                            <a:rPr kumimoji="1" lang="en-US" altLang="ko-KR" b="0" i="1" smtClean="0">
+                                              <a:latin typeface="Cambria Math" charset="0"/>
+                                            </a:rPr>
+                                            <m:t>1</m:t>
+                                          </m:r>
+                                        </m:sub>
+                                      </m:sSub>
+                                      <m:sSub>
+                                        <m:sSubPr>
+                                          <m:ctrlPr>
+                                            <a:rPr kumimoji="1" lang="en-US" altLang="ko-KR" b="0" i="1" smtClean="0">
+                                              <a:latin typeface="Cambria Math" charset="0"/>
+                                            </a:rPr>
+                                          </m:ctrlPr>
+                                        </m:sSubPr>
+                                        <m:e>
+                                          <m:r>
+                                            <a:rPr kumimoji="1" lang="en-US" altLang="ko-KR" b="0" i="1" smtClean="0">
+                                              <a:latin typeface="Cambria Math" charset="0"/>
+                                            </a:rPr>
+                                            <m:t>𝑥</m:t>
+                                          </m:r>
+                                        </m:e>
+                                        <m:sub>
+                                          <m:r>
+                                            <a:rPr kumimoji="1" lang="en-US" altLang="ko-KR" b="0" i="1" smtClean="0">
+                                              <a:latin typeface="Cambria Math" charset="0"/>
+                                            </a:rPr>
+                                            <m:t>𝑖</m:t>
+                                          </m:r>
+                                          <m:r>
+                                            <a:rPr kumimoji="1" lang="en-US" altLang="ko-KR" b="0" i="1" smtClean="0">
+                                              <a:latin typeface="Cambria Math" charset="0"/>
+                                            </a:rPr>
+                                            <m:t>1</m:t>
+                                          </m:r>
+                                        </m:sub>
+                                      </m:sSub>
+                                      <m:r>
+                                        <a:rPr kumimoji="1" lang="en-US" altLang="ko-KR" b="0" i="1" smtClean="0">
+                                          <a:latin typeface="Cambria Math" charset="0"/>
+                                        </a:rPr>
+                                        <m:t>+…+</m:t>
+                                      </m:r>
+                                      <m:sSub>
+                                        <m:sSubPr>
+                                          <m:ctrlPr>
+                                            <a:rPr kumimoji="1" lang="en-US" altLang="ko-KR" i="1">
+                                              <a:latin typeface="Cambria Math" charset="0"/>
+                                            </a:rPr>
+                                          </m:ctrlPr>
+                                        </m:sSubPr>
+                                        <m:e>
+                                          <m:acc>
+                                            <m:accPr>
+                                              <m:chr m:val="̂"/>
+                                              <m:ctrlPr>
+                                                <a:rPr kumimoji="1" lang="en-US" altLang="ko-KR" i="1">
+                                                  <a:latin typeface="Cambria Math" charset="0"/>
+                                                </a:rPr>
+                                              </m:ctrlPr>
+                                            </m:accPr>
+                                            <m:e>
+                                              <m:r>
+                                                <a:rPr kumimoji="1" lang="en-US" altLang="ko-KR" i="1">
+                                                  <a:latin typeface="Cambria Math" charset="0"/>
+                                                </a:rPr>
+                                                <m:t>𝛽</m:t>
+                                              </m:r>
+                                            </m:e>
+                                          </m:acc>
+                                        </m:e>
+                                        <m:sub>
+                                          <m:r>
+                                            <a:rPr kumimoji="1" lang="en-US" altLang="ko-KR" b="0" i="1" smtClean="0">
+                                              <a:latin typeface="Cambria Math" charset="0"/>
+                                            </a:rPr>
+                                            <m:t>𝑝</m:t>
+                                          </m:r>
+                                        </m:sub>
+                                      </m:sSub>
+                                      <m:sSub>
+                                        <m:sSubPr>
+                                          <m:ctrlPr>
+                                            <a:rPr kumimoji="1" lang="en-US" altLang="ko-KR" b="0" i="1" smtClean="0">
+                                              <a:latin typeface="Cambria Math" charset="0"/>
+                                            </a:rPr>
+                                          </m:ctrlPr>
+                                        </m:sSubPr>
+                                        <m:e>
+                                          <m:r>
+                                            <a:rPr kumimoji="1" lang="en-US" altLang="ko-KR" b="0" i="1" smtClean="0">
+                                              <a:latin typeface="Cambria Math" charset="0"/>
+                                            </a:rPr>
+                                            <m:t>𝑥</m:t>
+                                          </m:r>
+                                        </m:e>
+                                        <m:sub>
+                                          <m:r>
+                                            <a:rPr kumimoji="1" lang="en-US" altLang="ko-KR" b="0" i="1" smtClean="0">
+                                              <a:latin typeface="Cambria Math" charset="0"/>
+                                            </a:rPr>
+                                            <m:t>𝑖𝑝</m:t>
+                                          </m:r>
+                                        </m:sub>
+                                      </m:sSub>
+                                    </m:e>
+                                  </m:d>
+                                </m:e>
+                              </m:d>
+                            </m:e>
+                            <m:sup>
+                              <m:r>
+                                <a:rPr kumimoji="1" lang="en-US" altLang="ko-KR" b="0" i="1" smtClean="0">
+                                  <a:latin typeface="Cambria Math" charset="0"/>
+                                </a:rPr>
+                                <m:t>2</m:t>
+                              </m:r>
+                            </m:sup>
+                          </m:sSup>
+                          <m:r>
+                            <a:rPr kumimoji="1" lang="en-US" altLang="ko-KR" b="0" i="1" smtClean="0">
+                              <a:latin typeface="Cambria Math" charset="0"/>
+                            </a:rPr>
+                            <m:t>+</m:t>
+                          </m:r>
+                          <m:r>
+                            <a:rPr kumimoji="1" lang="en-US" altLang="ko-KR" b="0" i="1" smtClean="0">
+                              <a:latin typeface="Cambria Math" charset="0"/>
+                            </a:rPr>
+                            <m:t>𝛼</m:t>
+                          </m:r>
+                          <m:nary>
+                            <m:naryPr>
+                              <m:chr m:val="∑"/>
+                              <m:ctrlPr>
+                                <a:rPr kumimoji="1" lang="is-IS" altLang="ko-KR" b="0" i="1" smtClean="0">
+                                  <a:latin typeface="Cambria Math" charset="0"/>
+                                </a:rPr>
+                              </m:ctrlPr>
+                            </m:naryPr>
+                            <m:sub>
+                              <m:r>
+                                <m:rPr>
+                                  <m:brk m:alnAt="23"/>
+                                </m:rPr>
+                                <a:rPr kumimoji="1" lang="en-US" altLang="ko-KR" b="0" i="1" smtClean="0">
+                                  <a:latin typeface="Cambria Math" charset="0"/>
+                                </a:rPr>
+                                <m:t>𝑗</m:t>
+                              </m:r>
+                              <m:r>
+                                <a:rPr kumimoji="1" lang="en-US" altLang="ko-KR" b="0" i="1" smtClean="0">
+                                  <a:latin typeface="Cambria Math" charset="0"/>
+                                </a:rPr>
+                                <m:t>=1</m:t>
+                              </m:r>
+                            </m:sub>
+                            <m:sup>
+                              <m:r>
+                                <a:rPr kumimoji="1" lang="en-US" altLang="ko-KR" b="0" i="1" smtClean="0">
+                                  <a:latin typeface="Cambria Math" charset="0"/>
+                                </a:rPr>
+                                <m:t>𝑝</m:t>
+                              </m:r>
+                            </m:sup>
+                            <m:e>
+                              <m:d>
+                                <m:dPr>
+                                  <m:begChr m:val="|"/>
+                                  <m:endChr m:val="|"/>
+                                  <m:ctrlPr>
+                                    <a:rPr kumimoji="1" lang="hr-HR" altLang="ko-KR" b="0" i="1" smtClean="0">
+                                      <a:latin typeface="Cambria Math" charset="0"/>
+                                    </a:rPr>
+                                  </m:ctrlPr>
+                                </m:dPr>
+                                <m:e>
+                                  <m:sSub>
+                                    <m:sSubPr>
+                                      <m:ctrlPr>
+                                        <a:rPr kumimoji="1" lang="en-US" altLang="ko-KR" b="0" i="1" smtClean="0">
+                                          <a:latin typeface="Cambria Math" charset="0"/>
+                                        </a:rPr>
+                                      </m:ctrlPr>
+                                    </m:sSubPr>
+                                    <m:e>
+                                      <m:r>
+                                        <a:rPr kumimoji="1" lang="en-US" altLang="ko-KR" b="0" i="1" smtClean="0">
+                                          <a:latin typeface="Cambria Math" charset="0"/>
+                                        </a:rPr>
+                                        <m:t>𝛽</m:t>
+                                      </m:r>
+                                    </m:e>
+                                    <m:sub>
+                                      <m:r>
+                                        <a:rPr kumimoji="1" lang="en-US" altLang="ko-KR" b="0" i="1" smtClean="0">
+                                          <a:latin typeface="Cambria Math" charset="0"/>
+                                        </a:rPr>
+                                        <m:t>𝑗</m:t>
+                                      </m:r>
+                                    </m:sub>
+                                  </m:sSub>
+                                </m:e>
+                              </m:d>
+                            </m:e>
+                          </m:nary>
+                        </m:e>
+                      </m:nary>
+                    </m:oMath>
+                  </m:oMathPara>
+                </a14:m>
+                <a:endParaRPr kumimoji="1" lang="ko-KR" altLang="en-US" dirty="0"/>
+              </a:p>
+            </p:txBody>
+          </p:sp>
+        </mc:Choice>
+        <mc:Fallback xmlns="">
+          <p:sp>
+            <p:nvSpPr>
+              <p:cNvPr id="7" name="텍스트 상자 6"/>
+              <p:cNvSpPr txBox="1">
+                <a:spLocks noRot="1" noChangeAspect="1" noMove="1" noResize="1" noEditPoints="1" noAdjustHandles="1" noChangeArrowheads="1" noChangeShapeType="1" noTextEdit="1"/>
+              </p:cNvSpPr>
+              <p:nvPr/>
+            </p:nvSpPr>
+            <p:spPr>
+              <a:xfrm>
+                <a:off x="1194656" y="4802324"/>
+                <a:ext cx="5276894" cy="787523"/>
+              </a:xfrm>
+              <a:prstGeom prst="rect">
+                <a:avLst/>
+              </a:prstGeom>
+              <a:blipFill rotWithShape="0">
+                <a:blip r:embed="rId3"/>
+                <a:stretch>
+                  <a:fillRect b="-775"/>
+                </a:stretch>
+              </a:blipFill>
+            </p:spPr>
+            <p:txBody>
+              <a:bodyPr/>
+              <a:lstStyle/>
+              <a:p>
+                <a:r>
+                  <a:rPr lang="ko-KR" altLang="en-US">
+                    <a:noFill/>
+                  </a:rPr>
+                  <a:t> </a:t>
+                </a:r>
+              </a:p>
+            </p:txBody>
+          </p:sp>
+        </mc:Fallback>
+      </mc:AlternateContent>
+      <mc:AlternateContent xmlns:mc="http://schemas.openxmlformats.org/markup-compatibility/2006" xmlns:a14="http://schemas.microsoft.com/office/drawing/2010/main">
+        <mc:Choice Requires="a14">
+          <p:sp>
+            <p:nvSpPr>
+              <p:cNvPr id="9" name="텍스트 상자 8"/>
+              <p:cNvSpPr txBox="1"/>
+              <p:nvPr/>
+            </p:nvSpPr>
+            <p:spPr>
+              <a:xfrm>
+                <a:off x="1194656" y="3357564"/>
+                <a:ext cx="5283369" cy="787523"/>
+              </a:xfrm>
+              <a:prstGeom prst="rect">
+                <a:avLst/>
+              </a:prstGeom>
+              <a:noFill/>
+            </p:spPr>
+            <p:txBody>
+              <a:bodyPr wrap="none" lIns="0" tIns="0" rIns="0" bIns="0" rtlCol="0">
+                <a:spAutoFit/>
+              </a:bodyPr>
+              <a:lstStyle/>
+              <a:p>
+                <a:pPr/>
+                <a14:m>
+                  <m:oMathPara xmlns:m="http://schemas.openxmlformats.org/officeDocument/2006/math">
+                    <m:oMathParaPr>
+                      <m:jc m:val="centerGroup"/>
+                    </m:oMathParaPr>
+                    <m:oMath xmlns:m="http://schemas.openxmlformats.org/officeDocument/2006/math">
+                      <m:r>
+                        <m:rPr>
+                          <m:sty m:val="p"/>
+                        </m:rPr>
+                        <a:rPr kumimoji="1" lang="en-US" altLang="ko-KR" b="0" i="0" smtClean="0">
+                          <a:latin typeface="Cambria Math" charset="0"/>
+                        </a:rPr>
+                        <m:t>min</m:t>
+                      </m:r>
+                      <m:nary>
+                        <m:naryPr>
+                          <m:chr m:val="∑"/>
+                          <m:ctrlPr>
+                            <a:rPr kumimoji="1" lang="is-IS" altLang="ko-KR" b="0" i="1" smtClean="0">
+                              <a:latin typeface="Cambria Math" charset="0"/>
+                            </a:rPr>
+                          </m:ctrlPr>
+                        </m:naryPr>
+                        <m:sub>
+                          <m:r>
+                            <m:rPr>
+                              <m:brk m:alnAt="23"/>
+                            </m:rPr>
+                            <a:rPr kumimoji="1" lang="en-US" altLang="ko-KR" b="0" i="1" smtClean="0">
+                              <a:latin typeface="Cambria Math" charset="0"/>
+                            </a:rPr>
+                            <m:t>𝑖</m:t>
+                          </m:r>
+                          <m:r>
+                            <a:rPr kumimoji="1" lang="en-US" altLang="ko-KR" b="0" i="1" smtClean="0">
+                              <a:latin typeface="Cambria Math" charset="0"/>
+                            </a:rPr>
+                            <m:t>=1</m:t>
+                          </m:r>
+                        </m:sub>
+                        <m:sup>
+                          <m:r>
+                            <a:rPr kumimoji="1" lang="en-US" altLang="ko-KR" b="0" i="1" smtClean="0">
+                              <a:latin typeface="Cambria Math" charset="0"/>
+                            </a:rPr>
+                            <m:t>𝑛</m:t>
+                          </m:r>
+                        </m:sup>
+                        <m:e>
+                          <m:sSup>
+                            <m:sSupPr>
+                              <m:ctrlPr>
+                                <a:rPr kumimoji="1" lang="en-US" altLang="ko-KR" b="0" i="1" smtClean="0">
+                                  <a:latin typeface="Cambria Math" charset="0"/>
+                                </a:rPr>
+                              </m:ctrlPr>
+                            </m:sSupPr>
+                            <m:e>
+                              <m:d>
+                                <m:dPr>
+                                  <m:begChr m:val="{"/>
+                                  <m:endChr m:val="}"/>
+                                  <m:ctrlPr>
+                                    <a:rPr kumimoji="1" lang="en-US" altLang="ko-KR" b="0" i="1" smtClean="0">
+                                      <a:latin typeface="Cambria Math" charset="0"/>
+                                    </a:rPr>
+                                  </m:ctrlPr>
+                                </m:dPr>
+                                <m:e>
+                                  <m:sSub>
+                                    <m:sSubPr>
+                                      <m:ctrlPr>
+                                        <a:rPr kumimoji="1" lang="en-US" altLang="ko-KR" b="0" i="1" smtClean="0">
+                                          <a:latin typeface="Cambria Math" charset="0"/>
+                                        </a:rPr>
+                                      </m:ctrlPr>
+                                    </m:sSubPr>
+                                    <m:e>
+                                      <m:r>
+                                        <a:rPr kumimoji="1" lang="en-US" altLang="ko-KR" b="0" i="1" smtClean="0">
+                                          <a:latin typeface="Cambria Math" charset="0"/>
+                                        </a:rPr>
+                                        <m:t>𝑦</m:t>
+                                      </m:r>
+                                    </m:e>
+                                    <m:sub>
+                                      <m:r>
+                                        <a:rPr kumimoji="1" lang="en-US" altLang="ko-KR" b="0" i="1" smtClean="0">
+                                          <a:latin typeface="Cambria Math" charset="0"/>
+                                        </a:rPr>
+                                        <m:t>𝑖</m:t>
+                                      </m:r>
+                                    </m:sub>
+                                  </m:sSub>
+                                  <m:r>
+                                    <a:rPr kumimoji="1" lang="en-US" altLang="ko-KR" b="0" i="1" smtClean="0">
+                                      <a:latin typeface="Cambria Math" charset="0"/>
+                                    </a:rPr>
+                                    <m:t>−</m:t>
+                                  </m:r>
+                                  <m:d>
+                                    <m:dPr>
+                                      <m:ctrlPr>
+                                        <a:rPr kumimoji="1" lang="en-US" altLang="ko-KR" b="0" i="1" smtClean="0">
+                                          <a:latin typeface="Cambria Math" charset="0"/>
+                                        </a:rPr>
+                                      </m:ctrlPr>
+                                    </m:dPr>
+                                    <m:e>
+                                      <m:sSub>
+                                        <m:sSubPr>
+                                          <m:ctrlPr>
+                                            <a:rPr kumimoji="1" lang="en-US" altLang="ko-KR" b="0" i="1" smtClean="0">
+                                              <a:latin typeface="Cambria Math" charset="0"/>
+                                            </a:rPr>
+                                          </m:ctrlPr>
+                                        </m:sSubPr>
+                                        <m:e>
+                                          <m:acc>
+                                            <m:accPr>
+                                              <m:chr m:val="̂"/>
+                                              <m:ctrlPr>
+                                                <a:rPr kumimoji="1" lang="en-US" altLang="ko-KR" b="0" i="1" smtClean="0">
+                                                  <a:latin typeface="Cambria Math" charset="0"/>
+                                                </a:rPr>
+                                              </m:ctrlPr>
+                                            </m:accPr>
+                                            <m:e>
+                                              <m:r>
+                                                <a:rPr kumimoji="1" lang="en-US" altLang="ko-KR" i="1">
+                                                  <a:latin typeface="Cambria Math" charset="0"/>
+                                                </a:rPr>
+                                                <m:t>𝛽</m:t>
+                                              </m:r>
+                                            </m:e>
+                                          </m:acc>
+                                        </m:e>
+                                        <m:sub>
+                                          <m:r>
+                                            <a:rPr kumimoji="1" lang="en-US" altLang="ko-KR" b="0" i="1" smtClean="0">
+                                              <a:latin typeface="Cambria Math" charset="0"/>
+                                            </a:rPr>
+                                            <m:t>0</m:t>
+                                          </m:r>
+                                        </m:sub>
+                                      </m:sSub>
+                                      <m:r>
+                                        <a:rPr kumimoji="1" lang="en-US" altLang="ko-KR" b="0" i="1" smtClean="0">
+                                          <a:latin typeface="Cambria Math" charset="0"/>
+                                        </a:rPr>
+                                        <m:t>+</m:t>
+                                      </m:r>
+                                      <m:sSub>
+                                        <m:sSubPr>
+                                          <m:ctrlPr>
+                                            <a:rPr kumimoji="1" lang="en-US" altLang="ko-KR" i="1">
+                                              <a:latin typeface="Cambria Math" charset="0"/>
+                                            </a:rPr>
+                                          </m:ctrlPr>
+                                        </m:sSubPr>
+                                        <m:e>
+                                          <m:acc>
+                                            <m:accPr>
+                                              <m:chr m:val="̂"/>
+                                              <m:ctrlPr>
+                                                <a:rPr kumimoji="1" lang="en-US" altLang="ko-KR" i="1">
+                                                  <a:latin typeface="Cambria Math" charset="0"/>
+                                                </a:rPr>
+                                              </m:ctrlPr>
+                                            </m:accPr>
+                                            <m:e>
+                                              <m:r>
+                                                <a:rPr kumimoji="1" lang="en-US" altLang="ko-KR" i="1">
+                                                  <a:latin typeface="Cambria Math" charset="0"/>
+                                                </a:rPr>
+                                                <m:t>𝛽</m:t>
+                                              </m:r>
+                                            </m:e>
+                                          </m:acc>
+                                        </m:e>
+                                        <m:sub>
+                                          <m:r>
+                                            <a:rPr kumimoji="1" lang="en-US" altLang="ko-KR" b="0" i="1" smtClean="0">
+                                              <a:latin typeface="Cambria Math" charset="0"/>
+                                            </a:rPr>
+                                            <m:t>1</m:t>
+                                          </m:r>
+                                        </m:sub>
+                                      </m:sSub>
+                                      <m:sSub>
+                                        <m:sSubPr>
+                                          <m:ctrlPr>
+                                            <a:rPr kumimoji="1" lang="en-US" altLang="ko-KR" b="0" i="1" smtClean="0">
+                                              <a:latin typeface="Cambria Math" charset="0"/>
+                                            </a:rPr>
+                                          </m:ctrlPr>
+                                        </m:sSubPr>
+                                        <m:e>
+                                          <m:r>
+                                            <a:rPr kumimoji="1" lang="en-US" altLang="ko-KR" b="0" i="1" smtClean="0">
+                                              <a:latin typeface="Cambria Math" charset="0"/>
+                                            </a:rPr>
+                                            <m:t>𝑥</m:t>
+                                          </m:r>
+                                        </m:e>
+                                        <m:sub>
+                                          <m:r>
+                                            <a:rPr kumimoji="1" lang="en-US" altLang="ko-KR" b="0" i="1" smtClean="0">
+                                              <a:latin typeface="Cambria Math" charset="0"/>
+                                            </a:rPr>
+                                            <m:t>𝑖</m:t>
+                                          </m:r>
+                                          <m:r>
+                                            <a:rPr kumimoji="1" lang="en-US" altLang="ko-KR" b="0" i="1" smtClean="0">
+                                              <a:latin typeface="Cambria Math" charset="0"/>
+                                            </a:rPr>
+                                            <m:t>1</m:t>
+                                          </m:r>
+                                        </m:sub>
+                                      </m:sSub>
+                                      <m:r>
+                                        <a:rPr kumimoji="1" lang="en-US" altLang="ko-KR" b="0" i="1" smtClean="0">
+                                          <a:latin typeface="Cambria Math" charset="0"/>
+                                        </a:rPr>
+                                        <m:t>+…+</m:t>
+                                      </m:r>
+                                      <m:sSub>
+                                        <m:sSubPr>
+                                          <m:ctrlPr>
+                                            <a:rPr kumimoji="1" lang="en-US" altLang="ko-KR" i="1">
+                                              <a:latin typeface="Cambria Math" charset="0"/>
+                                            </a:rPr>
+                                          </m:ctrlPr>
+                                        </m:sSubPr>
+                                        <m:e>
+                                          <m:acc>
+                                            <m:accPr>
+                                              <m:chr m:val="̂"/>
+                                              <m:ctrlPr>
+                                                <a:rPr kumimoji="1" lang="en-US" altLang="ko-KR" i="1">
+                                                  <a:latin typeface="Cambria Math" charset="0"/>
+                                                </a:rPr>
+                                              </m:ctrlPr>
+                                            </m:accPr>
+                                            <m:e>
+                                              <m:r>
+                                                <a:rPr kumimoji="1" lang="en-US" altLang="ko-KR" i="1">
+                                                  <a:latin typeface="Cambria Math" charset="0"/>
+                                                </a:rPr>
+                                                <m:t>𝛽</m:t>
+                                              </m:r>
+                                            </m:e>
+                                          </m:acc>
+                                        </m:e>
+                                        <m:sub>
+                                          <m:r>
+                                            <a:rPr kumimoji="1" lang="en-US" altLang="ko-KR" b="0" i="1" smtClean="0">
+                                              <a:latin typeface="Cambria Math" charset="0"/>
+                                            </a:rPr>
+                                            <m:t>𝑝</m:t>
+                                          </m:r>
+                                        </m:sub>
+                                      </m:sSub>
+                                      <m:sSub>
+                                        <m:sSubPr>
+                                          <m:ctrlPr>
+                                            <a:rPr kumimoji="1" lang="en-US" altLang="ko-KR" b="0" i="1" smtClean="0">
+                                              <a:latin typeface="Cambria Math" charset="0"/>
+                                            </a:rPr>
+                                          </m:ctrlPr>
+                                        </m:sSubPr>
+                                        <m:e>
+                                          <m:r>
+                                            <a:rPr kumimoji="1" lang="en-US" altLang="ko-KR" b="0" i="1" smtClean="0">
+                                              <a:latin typeface="Cambria Math" charset="0"/>
+                                            </a:rPr>
+                                            <m:t>𝑥</m:t>
+                                          </m:r>
+                                        </m:e>
+                                        <m:sub>
+                                          <m:r>
+                                            <a:rPr kumimoji="1" lang="en-US" altLang="ko-KR" b="0" i="1" smtClean="0">
+                                              <a:latin typeface="Cambria Math" charset="0"/>
+                                            </a:rPr>
+                                            <m:t>𝑖𝑝</m:t>
+                                          </m:r>
+                                        </m:sub>
+                                      </m:sSub>
+                                    </m:e>
+                                  </m:d>
+                                </m:e>
+                              </m:d>
+                            </m:e>
+                            <m:sup>
+                              <m:r>
+                                <a:rPr kumimoji="1" lang="en-US" altLang="ko-KR" b="0" i="1" smtClean="0">
+                                  <a:latin typeface="Cambria Math" charset="0"/>
+                                </a:rPr>
+                                <m:t>2</m:t>
+                              </m:r>
+                            </m:sup>
+                          </m:sSup>
+                          <m:r>
+                            <a:rPr kumimoji="1" lang="en-US" altLang="ko-KR" b="0" i="1" smtClean="0">
+                              <a:latin typeface="Cambria Math" charset="0"/>
+                            </a:rPr>
+                            <m:t>+</m:t>
+                          </m:r>
+                          <m:r>
+                            <a:rPr kumimoji="1" lang="en-US" altLang="ko-KR" b="0" i="1" smtClean="0">
+                              <a:latin typeface="Cambria Math" charset="0"/>
+                            </a:rPr>
+                            <m:t>𝛼</m:t>
+                          </m:r>
+                          <m:nary>
+                            <m:naryPr>
+                              <m:chr m:val="∑"/>
+                              <m:ctrlPr>
+                                <a:rPr kumimoji="1" lang="is-IS" altLang="ko-KR" b="0" i="1" smtClean="0">
+                                  <a:latin typeface="Cambria Math" charset="0"/>
+                                </a:rPr>
+                              </m:ctrlPr>
+                            </m:naryPr>
+                            <m:sub>
+                              <m:r>
+                                <m:rPr>
+                                  <m:brk m:alnAt="23"/>
+                                </m:rPr>
+                                <a:rPr kumimoji="1" lang="en-US" altLang="ko-KR" b="0" i="1" smtClean="0">
+                                  <a:latin typeface="Cambria Math" charset="0"/>
+                                </a:rPr>
+                                <m:t>𝑗</m:t>
+                              </m:r>
+                              <m:r>
+                                <a:rPr kumimoji="1" lang="en-US" altLang="ko-KR" b="0" i="1" smtClean="0">
+                                  <a:latin typeface="Cambria Math" charset="0"/>
+                                </a:rPr>
+                                <m:t>=1</m:t>
+                              </m:r>
+                            </m:sub>
+                            <m:sup>
+                              <m:r>
+                                <a:rPr kumimoji="1" lang="en-US" altLang="ko-KR" b="0" i="1" smtClean="0">
+                                  <a:latin typeface="Cambria Math" charset="0"/>
+                                </a:rPr>
+                                <m:t>𝑝</m:t>
+                              </m:r>
+                            </m:sup>
+                            <m:e>
+                              <m:sSubSup>
+                                <m:sSubSupPr>
+                                  <m:ctrlPr>
+                                    <a:rPr kumimoji="1" lang="en-US" altLang="ko-KR" b="0" i="1" smtClean="0">
+                                      <a:latin typeface="Cambria Math" charset="0"/>
+                                    </a:rPr>
+                                  </m:ctrlPr>
+                                </m:sSubSupPr>
+                                <m:e>
+                                  <m:r>
+                                    <a:rPr kumimoji="1" lang="en-US" altLang="ko-KR" b="0" i="1" smtClean="0">
+                                      <a:latin typeface="Cambria Math" charset="0"/>
+                                    </a:rPr>
+                                    <m:t>𝛽</m:t>
+                                  </m:r>
+                                </m:e>
+                                <m:sub>
+                                  <m:r>
+                                    <a:rPr kumimoji="1" lang="en-US" altLang="ko-KR" b="0" i="1" smtClean="0">
+                                      <a:latin typeface="Cambria Math" charset="0"/>
+                                    </a:rPr>
+                                    <m:t>𝑗</m:t>
+                                  </m:r>
+                                </m:sub>
+                                <m:sup>
+                                  <m:r>
+                                    <a:rPr kumimoji="1" lang="en-US" altLang="ko-KR" b="0" i="1" smtClean="0">
+                                      <a:latin typeface="Cambria Math" charset="0"/>
+                                    </a:rPr>
+                                    <m:t>2</m:t>
+                                  </m:r>
+                                </m:sup>
+                              </m:sSubSup>
+                            </m:e>
+                          </m:nary>
+                        </m:e>
+                      </m:nary>
+                    </m:oMath>
+                  </m:oMathPara>
+                </a14:m>
+                <a:endParaRPr kumimoji="1" lang="ko-KR" altLang="en-US" dirty="0"/>
+              </a:p>
+            </p:txBody>
+          </p:sp>
+        </mc:Choice>
+        <mc:Fallback xmlns="">
+          <p:sp>
+            <p:nvSpPr>
+              <p:cNvPr id="9" name="텍스트 상자 8"/>
+              <p:cNvSpPr txBox="1">
+                <a:spLocks noRot="1" noChangeAspect="1" noMove="1" noResize="1" noEditPoints="1" noAdjustHandles="1" noChangeArrowheads="1" noChangeShapeType="1" noTextEdit="1"/>
+              </p:cNvSpPr>
+              <p:nvPr/>
+            </p:nvSpPr>
+            <p:spPr>
+              <a:xfrm>
+                <a:off x="1194656" y="3357564"/>
+                <a:ext cx="5283369" cy="787523"/>
+              </a:xfrm>
+              <a:prstGeom prst="rect">
+                <a:avLst/>
+              </a:prstGeom>
+              <a:blipFill rotWithShape="0">
+                <a:blip r:embed="rId4"/>
+                <a:stretch>
+                  <a:fillRect b="-775"/>
+                </a:stretch>
+              </a:blipFill>
+            </p:spPr>
+            <p:txBody>
+              <a:bodyPr/>
+              <a:lstStyle/>
+              <a:p>
+                <a:r>
+                  <a:rPr lang="ko-KR" altLang="en-US">
+                    <a:noFill/>
+                  </a:rPr>
+                  <a:t> </a:t>
+                </a:r>
+              </a:p>
+            </p:txBody>
+          </p:sp>
+        </mc:Fallback>
+      </mc:AlternateContent>
+      <p:cxnSp>
+        <p:nvCxnSpPr>
+          <p:cNvPr id="10" name="직선 연결선[R] 9"/>
+          <p:cNvCxnSpPr/>
+          <p:nvPr/>
+        </p:nvCxnSpPr>
+        <p:spPr>
+          <a:xfrm>
+            <a:off x="5508536" y="4278559"/>
+            <a:ext cx="963014" cy="0"/>
+          </a:xfrm>
+          <a:prstGeom prst="line">
+            <a:avLst/>
+          </a:prstGeom>
+          <a:ln w="41275"/>
+        </p:spPr>
+        <p:style>
+          <a:lnRef idx="3">
+            <a:schemeClr val="accent2"/>
+          </a:lnRef>
+          <a:fillRef idx="0">
+            <a:schemeClr val="accent2"/>
+          </a:fillRef>
+          <a:effectRef idx="2">
+            <a:schemeClr val="accent2"/>
+          </a:effectRef>
+          <a:fontRef idx="minor">
+            <a:schemeClr val="tx1"/>
+          </a:fontRef>
+        </p:style>
+      </p:cxnSp>
+      <p:cxnSp>
+        <p:nvCxnSpPr>
+          <p:cNvPr id="11" name="직선 연결선[R] 10"/>
+          <p:cNvCxnSpPr/>
+          <p:nvPr/>
+        </p:nvCxnSpPr>
+        <p:spPr>
+          <a:xfrm>
+            <a:off x="5515011" y="5695731"/>
+            <a:ext cx="963014" cy="0"/>
+          </a:xfrm>
+          <a:prstGeom prst="line">
+            <a:avLst/>
+          </a:prstGeom>
+          <a:ln w="41275"/>
+        </p:spPr>
+        <p:style>
+          <a:lnRef idx="3">
+            <a:schemeClr val="accent2"/>
+          </a:lnRef>
+          <a:fillRef idx="0">
+            <a:schemeClr val="accent2"/>
+          </a:fillRef>
+          <a:effectRef idx="2">
+            <a:schemeClr val="accent2"/>
+          </a:effectRef>
+          <a:fontRef idx="minor">
+            <a:schemeClr val="tx1"/>
+          </a:fontRef>
+        </p:style>
+      </p:cxnSp>
+    </p:spTree>
+    <p:extLst>
+      <p:ext uri="{BB962C8B-B14F-4D97-AF65-F5344CB8AC3E}">
+        <p14:creationId xmlns:p14="http://schemas.microsoft.com/office/powerpoint/2010/main" val="1541371652"/>
+      </p:ext>
+    </p:extLst>
+  </p:cSld>
+  <p:clrMapOvr>
+    <a:masterClrMapping/>
+  </p:clrMapOvr>
+</p:sld>
+</file>
+
+<file path=ppt/slides/slide14.xml><?xml version="1.0" encoding="utf-8"?>
+<p:sld xmlns:a="http://schemas.openxmlformats.org/drawingml/2006/main" xmlns:r="http://schemas.openxmlformats.org/officeDocument/2006/relationships" xmlns:p="http://schemas.openxmlformats.org/presentationml/2006/main">
+  <p:cSld>
+    <p:spTree>
+      <p:nvGrpSpPr>
+        <p:cNvPr id="1" name=""/>
+        <p:cNvGrpSpPr/>
+        <p:nvPr/>
+      </p:nvGrpSpPr>
+      <p:grpSpPr>
+        <a:xfrm>
+          <a:off x="0" y="0"/>
+          <a:ext cx="0" cy="0"/>
+          <a:chOff x="0" y="0"/>
+          <a:chExt cx="0" cy="0"/>
+        </a:xfrm>
+      </p:grpSpPr>
+      <p:sp>
+        <p:nvSpPr>
+          <p:cNvPr id="2" name="제목 1"/>
+          <p:cNvSpPr>
+            <a:spLocks noGrp="1"/>
+          </p:cNvSpPr>
+          <p:nvPr>
+            <p:ph type="title"/>
+          </p:nvPr>
+        </p:nvSpPr>
+        <p:spPr/>
+        <p:txBody>
+          <a:bodyPr/>
+          <a:lstStyle/>
+          <a:p>
+            <a:r>
+              <a:rPr kumimoji="1" lang="en-US" altLang="ko-KR" dirty="0" smtClean="0"/>
+              <a:t>Simple linear regression vs. Ridge vs. Lasso</a:t>
+            </a:r>
+            <a:endParaRPr kumimoji="1" lang="ko-KR" altLang="en-US" dirty="0"/>
+          </a:p>
+        </p:txBody>
+      </p:sp>
+      <p:sp>
+        <p:nvSpPr>
+          <p:cNvPr id="3" name="내용 개체 틀 2"/>
+          <p:cNvSpPr>
+            <a:spLocks noGrp="1"/>
+          </p:cNvSpPr>
+          <p:nvPr>
+            <p:ph idx="1"/>
+          </p:nvPr>
+        </p:nvSpPr>
+        <p:spPr/>
+        <p:txBody>
+          <a:bodyPr/>
+          <a:lstStyle/>
+          <a:p>
+            <a:r>
+              <a:rPr kumimoji="1" lang="en-US" altLang="ko-KR" dirty="0" smtClean="0"/>
+              <a:t>Objective functions (or cost functions)</a:t>
+            </a:r>
+          </a:p>
+          <a:p>
+            <a:pPr lvl="1"/>
+            <a:r>
+              <a:rPr kumimoji="1" lang="en-US" altLang="ko-KR" dirty="0" smtClean="0"/>
+              <a:t>Linear regression (</a:t>
+            </a:r>
+            <a:r>
+              <a:rPr kumimoji="1" lang="en-US" altLang="ko-KR" i="1" dirty="0" smtClean="0"/>
+              <a:t>f</a:t>
+            </a:r>
+            <a:r>
+              <a:rPr kumimoji="1" lang="en-US" altLang="ko-KR" dirty="0" smtClean="0"/>
+              <a:t>)</a:t>
+            </a:r>
+          </a:p>
+          <a:p>
+            <a:pPr lvl="1"/>
+            <a:endParaRPr kumimoji="1" lang="en-US" altLang="ko-KR" dirty="0"/>
+          </a:p>
+          <a:p>
+            <a:pPr lvl="1"/>
+            <a:endParaRPr kumimoji="1" lang="en-US" altLang="ko-KR" dirty="0" smtClean="0"/>
+          </a:p>
+          <a:p>
+            <a:pPr lvl="1"/>
+            <a:r>
+              <a:rPr kumimoji="1" lang="en-US" altLang="ko-KR" dirty="0" smtClean="0"/>
+              <a:t>Ridge (</a:t>
+            </a:r>
+            <a:r>
+              <a:rPr kumimoji="1" lang="en-US" altLang="ko-KR" i="1" dirty="0" smtClean="0"/>
+              <a:t>f</a:t>
+            </a:r>
+            <a:r>
+              <a:rPr kumimoji="1" lang="en-US" altLang="ko-KR" dirty="0" smtClean="0"/>
+              <a:t> + </a:t>
+            </a:r>
+            <a:r>
+              <a:rPr kumimoji="1" lang="en-US" altLang="ko-KR" dirty="0" smtClean="0">
+                <a:solidFill>
+                  <a:schemeClr val="accent2"/>
+                </a:solidFill>
+              </a:rPr>
+              <a:t>L2-norm regularization</a:t>
+            </a:r>
+            <a:r>
+              <a:rPr kumimoji="1" lang="en-US" altLang="ko-KR" dirty="0" smtClean="0"/>
+              <a:t>)</a:t>
+            </a:r>
+          </a:p>
+          <a:p>
+            <a:pPr lvl="1"/>
+            <a:endParaRPr kumimoji="1" lang="en-US" altLang="ko-KR" dirty="0"/>
+          </a:p>
+          <a:p>
+            <a:pPr lvl="1"/>
+            <a:endParaRPr kumimoji="1" lang="en-US" altLang="ko-KR" dirty="0" smtClean="0"/>
+          </a:p>
+          <a:p>
+            <a:pPr lvl="1"/>
+            <a:r>
+              <a:rPr kumimoji="1" lang="en-US" altLang="ko-KR" dirty="0" smtClean="0"/>
+              <a:t>Lasso (</a:t>
+            </a:r>
+            <a:r>
+              <a:rPr kumimoji="1" lang="en-US" altLang="ko-KR" i="1" dirty="0" smtClean="0"/>
+              <a:t>f</a:t>
+            </a:r>
+            <a:r>
+              <a:rPr kumimoji="1" lang="en-US" altLang="ko-KR" dirty="0" smtClean="0"/>
+              <a:t> + </a:t>
+            </a:r>
+            <a:r>
+              <a:rPr kumimoji="1" lang="en-US" altLang="ko-KR" dirty="0" smtClean="0">
+                <a:solidFill>
+                  <a:schemeClr val="accent2"/>
+                </a:solidFill>
+              </a:rPr>
+              <a:t>L1-norm regularization</a:t>
+            </a:r>
+            <a:r>
+              <a:rPr kumimoji="1" lang="en-US" altLang="ko-KR" dirty="0" smtClean="0"/>
+              <a:t>)</a:t>
+            </a:r>
+          </a:p>
+        </p:txBody>
+      </p:sp>
+      <p:sp>
+        <p:nvSpPr>
+          <p:cNvPr id="4" name="슬라이드 번호 개체 틀 3"/>
+          <p:cNvSpPr>
+            <a:spLocks noGrp="1"/>
+          </p:cNvSpPr>
+          <p:nvPr>
+            <p:ph type="sldNum" sz="quarter" idx="12"/>
+          </p:nvPr>
+        </p:nvSpPr>
+        <p:spPr/>
+        <p:txBody>
+          <a:bodyPr/>
+          <a:lstStyle/>
+          <a:p>
+            <a:fld id="{918A4F77-6F25-441A-99FF-4E0EAB37E818}" type="slidenum">
+              <a:rPr lang="ko-KR" altLang="en-US" smtClean="0"/>
+              <a:t>14</a:t>
+            </a:fld>
+            <a:endParaRPr lang="ko-KR" altLang="en-US"/>
+          </a:p>
+        </p:txBody>
+      </p:sp>
+      <mc:AlternateContent xmlns:mc="http://schemas.openxmlformats.org/markup-compatibility/2006" xmlns:a14="http://schemas.microsoft.com/office/drawing/2010/main">
+        <mc:Choice Requires="a14">
+          <p:sp>
+            <p:nvSpPr>
+              <p:cNvPr id="6" name="텍스트 상자 5"/>
+              <p:cNvSpPr txBox="1"/>
+              <p:nvPr/>
+            </p:nvSpPr>
+            <p:spPr>
+              <a:xfrm>
+                <a:off x="1194656" y="1944094"/>
+                <a:ext cx="4063099" cy="756233"/>
+              </a:xfrm>
+              <a:prstGeom prst="rect">
+                <a:avLst/>
+              </a:prstGeom>
+              <a:noFill/>
+            </p:spPr>
+            <p:txBody>
+              <a:bodyPr wrap="none" lIns="0" tIns="0" rIns="0" bIns="0" rtlCol="0">
+                <a:spAutoFit/>
+              </a:bodyPr>
+              <a:lstStyle/>
+              <a:p>
+                <a:pPr/>
+                <a14:m>
+                  <m:oMathPara xmlns:m="http://schemas.openxmlformats.org/officeDocument/2006/math">
+                    <m:oMathParaPr>
+                      <m:jc m:val="centerGroup"/>
+                    </m:oMathParaPr>
+                    <m:oMath xmlns:m="http://schemas.openxmlformats.org/officeDocument/2006/math">
+                      <m:r>
+                        <m:rPr>
+                          <m:sty m:val="p"/>
+                        </m:rPr>
+                        <a:rPr kumimoji="1" lang="en-US" altLang="ko-KR" b="0" i="0" smtClean="0">
+                          <a:latin typeface="Cambria Math" charset="0"/>
+                        </a:rPr>
+                        <m:t>min</m:t>
+                      </m:r>
+                      <m:nary>
+                        <m:naryPr>
+                          <m:chr m:val="∑"/>
+                          <m:ctrlPr>
+                            <a:rPr kumimoji="1" lang="is-IS" altLang="ko-KR" b="0" i="1" smtClean="0">
+                              <a:latin typeface="Cambria Math" charset="0"/>
+                            </a:rPr>
+                          </m:ctrlPr>
+                        </m:naryPr>
+                        <m:sub>
+                          <m:r>
+                            <m:rPr>
+                              <m:brk m:alnAt="23"/>
+                            </m:rPr>
+                            <a:rPr kumimoji="1" lang="en-US" altLang="ko-KR" b="0" i="1" smtClean="0">
+                              <a:latin typeface="Cambria Math" charset="0"/>
+                            </a:rPr>
+                            <m:t>𝑖</m:t>
+                          </m:r>
+                          <m:r>
+                            <a:rPr kumimoji="1" lang="en-US" altLang="ko-KR" b="0" i="1" smtClean="0">
+                              <a:latin typeface="Cambria Math" charset="0"/>
+                            </a:rPr>
+                            <m:t>=1</m:t>
+                          </m:r>
+                        </m:sub>
+                        <m:sup>
+                          <m:r>
+                            <a:rPr kumimoji="1" lang="en-US" altLang="ko-KR" b="0" i="1" smtClean="0">
+                              <a:latin typeface="Cambria Math" charset="0"/>
+                            </a:rPr>
+                            <m:t>𝑛</m:t>
+                          </m:r>
+                        </m:sup>
+                        <m:e>
+                          <m:sSup>
+                            <m:sSupPr>
+                              <m:ctrlPr>
+                                <a:rPr kumimoji="1" lang="en-US" altLang="ko-KR" b="0" i="1" smtClean="0">
+                                  <a:latin typeface="Cambria Math" charset="0"/>
+                                </a:rPr>
+                              </m:ctrlPr>
+                            </m:sSupPr>
+                            <m:e>
+                              <m:d>
+                                <m:dPr>
+                                  <m:begChr m:val="{"/>
+                                  <m:endChr m:val="}"/>
+                                  <m:ctrlPr>
+                                    <a:rPr kumimoji="1" lang="en-US" altLang="ko-KR" b="0" i="1" smtClean="0">
+                                      <a:latin typeface="Cambria Math" charset="0"/>
+                                    </a:rPr>
+                                  </m:ctrlPr>
+                                </m:dPr>
+                                <m:e>
+                                  <m:sSub>
+                                    <m:sSubPr>
+                                      <m:ctrlPr>
+                                        <a:rPr kumimoji="1" lang="en-US" altLang="ko-KR" b="0" i="1" smtClean="0">
+                                          <a:latin typeface="Cambria Math" charset="0"/>
+                                        </a:rPr>
+                                      </m:ctrlPr>
+                                    </m:sSubPr>
+                                    <m:e>
+                                      <m:r>
+                                        <a:rPr kumimoji="1" lang="en-US" altLang="ko-KR" b="0" i="1" smtClean="0">
+                                          <a:latin typeface="Cambria Math" charset="0"/>
+                                        </a:rPr>
+                                        <m:t>𝑦</m:t>
+                                      </m:r>
+                                    </m:e>
+                                    <m:sub>
+                                      <m:r>
+                                        <a:rPr kumimoji="1" lang="en-US" altLang="ko-KR" b="0" i="1" smtClean="0">
+                                          <a:latin typeface="Cambria Math" charset="0"/>
+                                        </a:rPr>
+                                        <m:t>𝑖</m:t>
+                                      </m:r>
+                                    </m:sub>
+                                  </m:sSub>
+                                  <m:r>
+                                    <a:rPr kumimoji="1" lang="en-US" altLang="ko-KR" b="0" i="1" smtClean="0">
+                                      <a:latin typeface="Cambria Math" charset="0"/>
+                                    </a:rPr>
+                                    <m:t>−</m:t>
+                                  </m:r>
+                                  <m:d>
+                                    <m:dPr>
+                                      <m:ctrlPr>
+                                        <a:rPr kumimoji="1" lang="en-US" altLang="ko-KR" b="0" i="1" smtClean="0">
+                                          <a:latin typeface="Cambria Math" charset="0"/>
+                                        </a:rPr>
+                                      </m:ctrlPr>
+                                    </m:dPr>
+                                    <m:e>
+                                      <m:sSub>
+                                        <m:sSubPr>
+                                          <m:ctrlPr>
+                                            <a:rPr kumimoji="1" lang="en-US" altLang="ko-KR" b="0" i="1" smtClean="0">
+                                              <a:latin typeface="Cambria Math" charset="0"/>
+                                            </a:rPr>
+                                          </m:ctrlPr>
+                                        </m:sSubPr>
+                                        <m:e>
+                                          <m:acc>
+                                            <m:accPr>
+                                              <m:chr m:val="̂"/>
+                                              <m:ctrlPr>
+                                                <a:rPr kumimoji="1" lang="en-US" altLang="ko-KR" b="0" i="1" smtClean="0">
+                                                  <a:latin typeface="Cambria Math" charset="0"/>
+                                                </a:rPr>
+                                              </m:ctrlPr>
+                                            </m:accPr>
+                                            <m:e>
+                                              <m:r>
+                                                <a:rPr kumimoji="1" lang="en-US" altLang="ko-KR" i="1">
+                                                  <a:latin typeface="Cambria Math" charset="0"/>
+                                                </a:rPr>
+                                                <m:t>𝛽</m:t>
+                                              </m:r>
+                                            </m:e>
+                                          </m:acc>
+                                        </m:e>
+                                        <m:sub>
+                                          <m:r>
+                                            <a:rPr kumimoji="1" lang="en-US" altLang="ko-KR" b="0" i="1" smtClean="0">
+                                              <a:latin typeface="Cambria Math" charset="0"/>
+                                            </a:rPr>
+                                            <m:t>0</m:t>
+                                          </m:r>
+                                        </m:sub>
+                                      </m:sSub>
+                                      <m:r>
+                                        <a:rPr kumimoji="1" lang="en-US" altLang="ko-KR" b="0" i="1" smtClean="0">
+                                          <a:latin typeface="Cambria Math" charset="0"/>
+                                        </a:rPr>
+                                        <m:t>+</m:t>
+                                      </m:r>
+                                      <m:sSub>
+                                        <m:sSubPr>
+                                          <m:ctrlPr>
+                                            <a:rPr kumimoji="1" lang="en-US" altLang="ko-KR" i="1">
+                                              <a:latin typeface="Cambria Math" charset="0"/>
+                                            </a:rPr>
+                                          </m:ctrlPr>
+                                        </m:sSubPr>
+                                        <m:e>
+                                          <m:acc>
+                                            <m:accPr>
+                                              <m:chr m:val="̂"/>
+                                              <m:ctrlPr>
+                                                <a:rPr kumimoji="1" lang="en-US" altLang="ko-KR" i="1">
+                                                  <a:latin typeface="Cambria Math" charset="0"/>
+                                                </a:rPr>
+                                              </m:ctrlPr>
+                                            </m:accPr>
+                                            <m:e>
+                                              <m:r>
+                                                <a:rPr kumimoji="1" lang="en-US" altLang="ko-KR" i="1">
+                                                  <a:latin typeface="Cambria Math" charset="0"/>
+                                                </a:rPr>
+                                                <m:t>𝛽</m:t>
+                                              </m:r>
+                                            </m:e>
+                                          </m:acc>
+                                        </m:e>
+                                        <m:sub>
+                                          <m:r>
+                                            <a:rPr kumimoji="1" lang="en-US" altLang="ko-KR" b="0" i="1" smtClean="0">
+                                              <a:latin typeface="Cambria Math" charset="0"/>
+                                            </a:rPr>
+                                            <m:t>1</m:t>
+                                          </m:r>
+                                        </m:sub>
+                                      </m:sSub>
+                                      <m:sSub>
+                                        <m:sSubPr>
+                                          <m:ctrlPr>
+                                            <a:rPr kumimoji="1" lang="en-US" altLang="ko-KR" b="0" i="1" smtClean="0">
+                                              <a:latin typeface="Cambria Math" charset="0"/>
+                                            </a:rPr>
+                                          </m:ctrlPr>
+                                        </m:sSubPr>
+                                        <m:e>
+                                          <m:r>
+                                            <a:rPr kumimoji="1" lang="en-US" altLang="ko-KR" b="0" i="1" smtClean="0">
+                                              <a:latin typeface="Cambria Math" charset="0"/>
+                                            </a:rPr>
+                                            <m:t>𝑥</m:t>
+                                          </m:r>
+                                        </m:e>
+                                        <m:sub>
+                                          <m:r>
+                                            <a:rPr kumimoji="1" lang="en-US" altLang="ko-KR" b="0" i="1" smtClean="0">
+                                              <a:latin typeface="Cambria Math" charset="0"/>
+                                            </a:rPr>
+                                            <m:t>𝑖</m:t>
+                                          </m:r>
+                                          <m:r>
+                                            <a:rPr kumimoji="1" lang="en-US" altLang="ko-KR" b="0" i="1" smtClean="0">
+                                              <a:latin typeface="Cambria Math" charset="0"/>
+                                            </a:rPr>
+                                            <m:t>1</m:t>
+                                          </m:r>
+                                        </m:sub>
+                                      </m:sSub>
+                                      <m:r>
+                                        <a:rPr kumimoji="1" lang="en-US" altLang="ko-KR" b="0" i="1" smtClean="0">
+                                          <a:latin typeface="Cambria Math" charset="0"/>
+                                        </a:rPr>
+                                        <m:t>+…+</m:t>
+                                      </m:r>
+                                      <m:sSub>
+                                        <m:sSubPr>
+                                          <m:ctrlPr>
+                                            <a:rPr kumimoji="1" lang="en-US" altLang="ko-KR" i="1">
+                                              <a:latin typeface="Cambria Math" charset="0"/>
+                                            </a:rPr>
+                                          </m:ctrlPr>
+                                        </m:sSubPr>
+                                        <m:e>
+                                          <m:acc>
+                                            <m:accPr>
+                                              <m:chr m:val="̂"/>
+                                              <m:ctrlPr>
+                                                <a:rPr kumimoji="1" lang="en-US" altLang="ko-KR" i="1">
+                                                  <a:latin typeface="Cambria Math" charset="0"/>
+                                                </a:rPr>
+                                              </m:ctrlPr>
+                                            </m:accPr>
+                                            <m:e>
+                                              <m:r>
+                                                <a:rPr kumimoji="1" lang="en-US" altLang="ko-KR" i="1">
+                                                  <a:latin typeface="Cambria Math" charset="0"/>
+                                                </a:rPr>
+                                                <m:t>𝛽</m:t>
+                                              </m:r>
+                                            </m:e>
+                                          </m:acc>
+                                        </m:e>
+                                        <m:sub>
+                                          <m:r>
+                                            <a:rPr kumimoji="1" lang="en-US" altLang="ko-KR" b="0" i="1" smtClean="0">
+                                              <a:latin typeface="Cambria Math" charset="0"/>
+                                            </a:rPr>
+                                            <m:t>𝑝</m:t>
+                                          </m:r>
+                                        </m:sub>
+                                      </m:sSub>
+                                      <m:sSub>
+                                        <m:sSubPr>
+                                          <m:ctrlPr>
+                                            <a:rPr kumimoji="1" lang="en-US" altLang="ko-KR" b="0" i="1" smtClean="0">
+                                              <a:latin typeface="Cambria Math" charset="0"/>
+                                            </a:rPr>
+                                          </m:ctrlPr>
+                                        </m:sSubPr>
+                                        <m:e>
+                                          <m:r>
+                                            <a:rPr kumimoji="1" lang="en-US" altLang="ko-KR" b="0" i="1" smtClean="0">
+                                              <a:latin typeface="Cambria Math" charset="0"/>
+                                            </a:rPr>
+                                            <m:t>𝑥</m:t>
+                                          </m:r>
+                                        </m:e>
+                                        <m:sub>
+                                          <m:r>
+                                            <a:rPr kumimoji="1" lang="en-US" altLang="ko-KR" b="0" i="1" smtClean="0">
+                                              <a:latin typeface="Cambria Math" charset="0"/>
+                                            </a:rPr>
+                                            <m:t>𝑖𝑝</m:t>
+                                          </m:r>
+                                        </m:sub>
+                                      </m:sSub>
+                                    </m:e>
+                                  </m:d>
+                                </m:e>
+                              </m:d>
+                            </m:e>
+                            <m:sup>
+                              <m:r>
+                                <a:rPr kumimoji="1" lang="en-US" altLang="ko-KR" b="0" i="1" smtClean="0">
+                                  <a:latin typeface="Cambria Math" charset="0"/>
+                                </a:rPr>
+                                <m:t>2</m:t>
+                              </m:r>
+                            </m:sup>
+                          </m:sSup>
+                        </m:e>
+                      </m:nary>
+                    </m:oMath>
+                  </m:oMathPara>
+                </a14:m>
+                <a:endParaRPr kumimoji="1" lang="ko-KR" altLang="en-US" dirty="0"/>
+              </a:p>
+            </p:txBody>
+          </p:sp>
+        </mc:Choice>
+        <mc:Fallback xmlns="">
+          <p:sp>
+            <p:nvSpPr>
+              <p:cNvPr id="6" name="텍스트 상자 5"/>
+              <p:cNvSpPr txBox="1">
+                <a:spLocks noRot="1" noChangeAspect="1" noMove="1" noResize="1" noEditPoints="1" noAdjustHandles="1" noChangeArrowheads="1" noChangeShapeType="1" noTextEdit="1"/>
+              </p:cNvSpPr>
+              <p:nvPr/>
+            </p:nvSpPr>
+            <p:spPr>
+              <a:xfrm>
+                <a:off x="1194656" y="1944094"/>
+                <a:ext cx="4063099" cy="756233"/>
+              </a:xfrm>
+              <a:prstGeom prst="rect">
+                <a:avLst/>
+              </a:prstGeom>
+              <a:blipFill rotWithShape="0">
+                <a:blip r:embed="rId2"/>
+                <a:stretch>
+                  <a:fillRect b="-806"/>
+                </a:stretch>
+              </a:blipFill>
+            </p:spPr>
+            <p:txBody>
+              <a:bodyPr/>
+              <a:lstStyle/>
+              <a:p>
+                <a:r>
+                  <a:rPr lang="ko-KR" altLang="en-US">
+                    <a:noFill/>
+                  </a:rPr>
+                  <a:t> </a:t>
+                </a:r>
+              </a:p>
+            </p:txBody>
+          </p:sp>
+        </mc:Fallback>
+      </mc:AlternateContent>
+      <mc:AlternateContent xmlns:mc="http://schemas.openxmlformats.org/markup-compatibility/2006" xmlns:a14="http://schemas.microsoft.com/office/drawing/2010/main">
+        <mc:Choice Requires="a14">
+          <p:sp>
+            <p:nvSpPr>
+              <p:cNvPr id="7" name="텍스트 상자 6"/>
+              <p:cNvSpPr txBox="1"/>
+              <p:nvPr/>
+            </p:nvSpPr>
+            <p:spPr>
+              <a:xfrm>
+                <a:off x="1194656" y="4802324"/>
+                <a:ext cx="5276894" cy="787523"/>
+              </a:xfrm>
+              <a:prstGeom prst="rect">
+                <a:avLst/>
+              </a:prstGeom>
+              <a:noFill/>
+            </p:spPr>
+            <p:txBody>
+              <a:bodyPr wrap="none" lIns="0" tIns="0" rIns="0" bIns="0" rtlCol="0">
+                <a:spAutoFit/>
+              </a:bodyPr>
+              <a:lstStyle/>
+              <a:p>
+                <a:pPr/>
+                <a14:m>
+                  <m:oMathPara xmlns:m="http://schemas.openxmlformats.org/officeDocument/2006/math">
+                    <m:oMathParaPr>
+                      <m:jc m:val="centerGroup"/>
+                    </m:oMathParaPr>
+                    <m:oMath xmlns:m="http://schemas.openxmlformats.org/officeDocument/2006/math">
+                      <m:r>
+                        <m:rPr>
+                          <m:sty m:val="p"/>
+                        </m:rPr>
+                        <a:rPr kumimoji="1" lang="en-US" altLang="ko-KR" b="0" i="0" smtClean="0">
+                          <a:latin typeface="Cambria Math" charset="0"/>
+                        </a:rPr>
+                        <m:t>min</m:t>
+                      </m:r>
+                      <m:nary>
+                        <m:naryPr>
+                          <m:chr m:val="∑"/>
+                          <m:ctrlPr>
+                            <a:rPr kumimoji="1" lang="is-IS" altLang="ko-KR" b="0" i="1" smtClean="0">
+                              <a:latin typeface="Cambria Math" charset="0"/>
+                            </a:rPr>
+                          </m:ctrlPr>
+                        </m:naryPr>
+                        <m:sub>
+                          <m:r>
+                            <m:rPr>
+                              <m:brk m:alnAt="23"/>
+                            </m:rPr>
+                            <a:rPr kumimoji="1" lang="en-US" altLang="ko-KR" b="0" i="1" smtClean="0">
+                              <a:latin typeface="Cambria Math" charset="0"/>
+                            </a:rPr>
+                            <m:t>𝑖</m:t>
+                          </m:r>
+                          <m:r>
+                            <a:rPr kumimoji="1" lang="en-US" altLang="ko-KR" b="0" i="1" smtClean="0">
+                              <a:latin typeface="Cambria Math" charset="0"/>
+                            </a:rPr>
+                            <m:t>=1</m:t>
+                          </m:r>
+                        </m:sub>
+                        <m:sup>
+                          <m:r>
+                            <a:rPr kumimoji="1" lang="en-US" altLang="ko-KR" b="0" i="1" smtClean="0">
+                              <a:latin typeface="Cambria Math" charset="0"/>
+                            </a:rPr>
+                            <m:t>𝑛</m:t>
+                          </m:r>
+                        </m:sup>
+                        <m:e>
+                          <m:sSup>
+                            <m:sSupPr>
+                              <m:ctrlPr>
+                                <a:rPr kumimoji="1" lang="en-US" altLang="ko-KR" b="0" i="1" smtClean="0">
+                                  <a:latin typeface="Cambria Math" charset="0"/>
+                                </a:rPr>
+                              </m:ctrlPr>
+                            </m:sSupPr>
+                            <m:e>
+                              <m:d>
+                                <m:dPr>
+                                  <m:begChr m:val="{"/>
+                                  <m:endChr m:val="}"/>
+                                  <m:ctrlPr>
+                                    <a:rPr kumimoji="1" lang="en-US" altLang="ko-KR" b="0" i="1" smtClean="0">
+                                      <a:latin typeface="Cambria Math" charset="0"/>
+                                    </a:rPr>
+                                  </m:ctrlPr>
+                                </m:dPr>
+                                <m:e>
+                                  <m:sSub>
+                                    <m:sSubPr>
+                                      <m:ctrlPr>
+                                        <a:rPr kumimoji="1" lang="en-US" altLang="ko-KR" b="0" i="1" smtClean="0">
+                                          <a:latin typeface="Cambria Math" charset="0"/>
+                                        </a:rPr>
+                                      </m:ctrlPr>
+                                    </m:sSubPr>
+                                    <m:e>
+                                      <m:r>
+                                        <a:rPr kumimoji="1" lang="en-US" altLang="ko-KR" b="0" i="1" smtClean="0">
+                                          <a:latin typeface="Cambria Math" charset="0"/>
+                                        </a:rPr>
+                                        <m:t>𝑦</m:t>
+                                      </m:r>
+                                    </m:e>
+                                    <m:sub>
+                                      <m:r>
+                                        <a:rPr kumimoji="1" lang="en-US" altLang="ko-KR" b="0" i="1" smtClean="0">
+                                          <a:latin typeface="Cambria Math" charset="0"/>
+                                        </a:rPr>
+                                        <m:t>𝑖</m:t>
+                                      </m:r>
+                                    </m:sub>
+                                  </m:sSub>
+                                  <m:r>
+                                    <a:rPr kumimoji="1" lang="en-US" altLang="ko-KR" b="0" i="1" smtClean="0">
+                                      <a:latin typeface="Cambria Math" charset="0"/>
+                                    </a:rPr>
+                                    <m:t>−</m:t>
+                                  </m:r>
+                                  <m:d>
+                                    <m:dPr>
+                                      <m:ctrlPr>
+                                        <a:rPr kumimoji="1" lang="en-US" altLang="ko-KR" b="0" i="1" smtClean="0">
+                                          <a:latin typeface="Cambria Math" charset="0"/>
+                                        </a:rPr>
+                                      </m:ctrlPr>
+                                    </m:dPr>
+                                    <m:e>
+                                      <m:sSub>
+                                        <m:sSubPr>
+                                          <m:ctrlPr>
+                                            <a:rPr kumimoji="1" lang="en-US" altLang="ko-KR" b="0" i="1" smtClean="0">
+                                              <a:latin typeface="Cambria Math" charset="0"/>
+                                            </a:rPr>
+                                          </m:ctrlPr>
+                                        </m:sSubPr>
+                                        <m:e>
+                                          <m:acc>
+                                            <m:accPr>
+                                              <m:chr m:val="̂"/>
+                                              <m:ctrlPr>
+                                                <a:rPr kumimoji="1" lang="en-US" altLang="ko-KR" b="0" i="1" smtClean="0">
+                                                  <a:latin typeface="Cambria Math" charset="0"/>
+                                                </a:rPr>
+                                              </m:ctrlPr>
+                                            </m:accPr>
+                                            <m:e>
+                                              <m:r>
+                                                <a:rPr kumimoji="1" lang="en-US" altLang="ko-KR" i="1">
+                                                  <a:latin typeface="Cambria Math" charset="0"/>
+                                                </a:rPr>
+                                                <m:t>𝛽</m:t>
+                                              </m:r>
+                                            </m:e>
+                                          </m:acc>
+                                        </m:e>
+                                        <m:sub>
+                                          <m:r>
+                                            <a:rPr kumimoji="1" lang="en-US" altLang="ko-KR" b="0" i="1" smtClean="0">
+                                              <a:latin typeface="Cambria Math" charset="0"/>
+                                            </a:rPr>
+                                            <m:t>0</m:t>
+                                          </m:r>
+                                        </m:sub>
+                                      </m:sSub>
+                                      <m:r>
+                                        <a:rPr kumimoji="1" lang="en-US" altLang="ko-KR" b="0" i="1" smtClean="0">
+                                          <a:latin typeface="Cambria Math" charset="0"/>
+                                        </a:rPr>
+                                        <m:t>+</m:t>
+                                      </m:r>
+                                      <m:sSub>
+                                        <m:sSubPr>
+                                          <m:ctrlPr>
+                                            <a:rPr kumimoji="1" lang="en-US" altLang="ko-KR" i="1">
+                                              <a:latin typeface="Cambria Math" charset="0"/>
+                                            </a:rPr>
+                                          </m:ctrlPr>
+                                        </m:sSubPr>
+                                        <m:e>
+                                          <m:acc>
+                                            <m:accPr>
+                                              <m:chr m:val="̂"/>
+                                              <m:ctrlPr>
+                                                <a:rPr kumimoji="1" lang="en-US" altLang="ko-KR" i="1">
+                                                  <a:latin typeface="Cambria Math" charset="0"/>
+                                                </a:rPr>
+                                              </m:ctrlPr>
+                                            </m:accPr>
+                                            <m:e>
+                                              <m:r>
+                                                <a:rPr kumimoji="1" lang="en-US" altLang="ko-KR" i="1">
+                                                  <a:latin typeface="Cambria Math" charset="0"/>
+                                                </a:rPr>
+                                                <m:t>𝛽</m:t>
+                                              </m:r>
+                                            </m:e>
+                                          </m:acc>
+                                        </m:e>
+                                        <m:sub>
+                                          <m:r>
+                                            <a:rPr kumimoji="1" lang="en-US" altLang="ko-KR" b="0" i="1" smtClean="0">
+                                              <a:latin typeface="Cambria Math" charset="0"/>
+                                            </a:rPr>
+                                            <m:t>1</m:t>
+                                          </m:r>
+                                        </m:sub>
+                                      </m:sSub>
+                                      <m:sSub>
+                                        <m:sSubPr>
+                                          <m:ctrlPr>
+                                            <a:rPr kumimoji="1" lang="en-US" altLang="ko-KR" b="0" i="1" smtClean="0">
+                                              <a:latin typeface="Cambria Math" charset="0"/>
+                                            </a:rPr>
+                                          </m:ctrlPr>
+                                        </m:sSubPr>
+                                        <m:e>
+                                          <m:r>
+                                            <a:rPr kumimoji="1" lang="en-US" altLang="ko-KR" b="0" i="1" smtClean="0">
+                                              <a:latin typeface="Cambria Math" charset="0"/>
+                                            </a:rPr>
+                                            <m:t>𝑥</m:t>
+                                          </m:r>
+                                        </m:e>
+                                        <m:sub>
+                                          <m:r>
+                                            <a:rPr kumimoji="1" lang="en-US" altLang="ko-KR" b="0" i="1" smtClean="0">
+                                              <a:latin typeface="Cambria Math" charset="0"/>
+                                            </a:rPr>
+                                            <m:t>𝑖</m:t>
+                                          </m:r>
+                                          <m:r>
+                                            <a:rPr kumimoji="1" lang="en-US" altLang="ko-KR" b="0" i="1" smtClean="0">
+                                              <a:latin typeface="Cambria Math" charset="0"/>
+                                            </a:rPr>
+                                            <m:t>1</m:t>
+                                          </m:r>
+                                        </m:sub>
+                                      </m:sSub>
+                                      <m:r>
+                                        <a:rPr kumimoji="1" lang="en-US" altLang="ko-KR" b="0" i="1" smtClean="0">
+                                          <a:latin typeface="Cambria Math" charset="0"/>
+                                        </a:rPr>
+                                        <m:t>+…+</m:t>
+                                      </m:r>
+                                      <m:sSub>
+                                        <m:sSubPr>
+                                          <m:ctrlPr>
+                                            <a:rPr kumimoji="1" lang="en-US" altLang="ko-KR" i="1">
+                                              <a:latin typeface="Cambria Math" charset="0"/>
+                                            </a:rPr>
+                                          </m:ctrlPr>
+                                        </m:sSubPr>
+                                        <m:e>
+                                          <m:acc>
+                                            <m:accPr>
+                                              <m:chr m:val="̂"/>
+                                              <m:ctrlPr>
+                                                <a:rPr kumimoji="1" lang="en-US" altLang="ko-KR" i="1">
+                                                  <a:latin typeface="Cambria Math" charset="0"/>
+                                                </a:rPr>
+                                              </m:ctrlPr>
+                                            </m:accPr>
+                                            <m:e>
+                                              <m:r>
+                                                <a:rPr kumimoji="1" lang="en-US" altLang="ko-KR" i="1">
+                                                  <a:latin typeface="Cambria Math" charset="0"/>
+                                                </a:rPr>
+                                                <m:t>𝛽</m:t>
+                                              </m:r>
+                                            </m:e>
+                                          </m:acc>
+                                        </m:e>
+                                        <m:sub>
+                                          <m:r>
+                                            <a:rPr kumimoji="1" lang="en-US" altLang="ko-KR" b="0" i="1" smtClean="0">
+                                              <a:latin typeface="Cambria Math" charset="0"/>
+                                            </a:rPr>
+                                            <m:t>𝑝</m:t>
+                                          </m:r>
+                                        </m:sub>
+                                      </m:sSub>
+                                      <m:sSub>
+                                        <m:sSubPr>
+                                          <m:ctrlPr>
+                                            <a:rPr kumimoji="1" lang="en-US" altLang="ko-KR" b="0" i="1" smtClean="0">
+                                              <a:latin typeface="Cambria Math" charset="0"/>
+                                            </a:rPr>
+                                          </m:ctrlPr>
+                                        </m:sSubPr>
+                                        <m:e>
+                                          <m:r>
+                                            <a:rPr kumimoji="1" lang="en-US" altLang="ko-KR" b="0" i="1" smtClean="0">
+                                              <a:latin typeface="Cambria Math" charset="0"/>
+                                            </a:rPr>
+                                            <m:t>𝑥</m:t>
+                                          </m:r>
+                                        </m:e>
+                                        <m:sub>
+                                          <m:r>
+                                            <a:rPr kumimoji="1" lang="en-US" altLang="ko-KR" b="0" i="1" smtClean="0">
+                                              <a:latin typeface="Cambria Math" charset="0"/>
+                                            </a:rPr>
+                                            <m:t>𝑖𝑝</m:t>
+                                          </m:r>
+                                        </m:sub>
+                                      </m:sSub>
+                                    </m:e>
+                                  </m:d>
+                                </m:e>
+                              </m:d>
+                            </m:e>
+                            <m:sup>
+                              <m:r>
+                                <a:rPr kumimoji="1" lang="en-US" altLang="ko-KR" b="0" i="1" smtClean="0">
+                                  <a:latin typeface="Cambria Math" charset="0"/>
+                                </a:rPr>
+                                <m:t>2</m:t>
+                              </m:r>
+                            </m:sup>
+                          </m:sSup>
+                          <m:r>
+                            <a:rPr kumimoji="1" lang="en-US" altLang="ko-KR" b="0" i="1" smtClean="0">
+                              <a:latin typeface="Cambria Math" charset="0"/>
+                            </a:rPr>
+                            <m:t>+</m:t>
+                          </m:r>
+                          <m:r>
+                            <a:rPr kumimoji="1" lang="en-US" altLang="ko-KR" b="0" i="1" smtClean="0">
+                              <a:latin typeface="Cambria Math" charset="0"/>
+                            </a:rPr>
+                            <m:t>𝛼</m:t>
+                          </m:r>
+                          <m:nary>
+                            <m:naryPr>
+                              <m:chr m:val="∑"/>
+                              <m:ctrlPr>
+                                <a:rPr kumimoji="1" lang="is-IS" altLang="ko-KR" b="0" i="1" smtClean="0">
+                                  <a:latin typeface="Cambria Math" charset="0"/>
+                                </a:rPr>
+                              </m:ctrlPr>
+                            </m:naryPr>
+                            <m:sub>
+                              <m:r>
+                                <m:rPr>
+                                  <m:brk m:alnAt="23"/>
+                                </m:rPr>
+                                <a:rPr kumimoji="1" lang="en-US" altLang="ko-KR" b="0" i="1" smtClean="0">
+                                  <a:latin typeface="Cambria Math" charset="0"/>
+                                </a:rPr>
+                                <m:t>𝑗</m:t>
+                              </m:r>
+                              <m:r>
+                                <a:rPr kumimoji="1" lang="en-US" altLang="ko-KR" b="0" i="1" smtClean="0">
+                                  <a:latin typeface="Cambria Math" charset="0"/>
+                                </a:rPr>
+                                <m:t>=1</m:t>
+                              </m:r>
+                            </m:sub>
+                            <m:sup>
+                              <m:r>
+                                <a:rPr kumimoji="1" lang="en-US" altLang="ko-KR" b="0" i="1" smtClean="0">
+                                  <a:latin typeface="Cambria Math" charset="0"/>
+                                </a:rPr>
+                                <m:t>𝑝</m:t>
+                              </m:r>
+                            </m:sup>
+                            <m:e>
+                              <m:d>
+                                <m:dPr>
+                                  <m:begChr m:val="|"/>
+                                  <m:endChr m:val="|"/>
+                                  <m:ctrlPr>
+                                    <a:rPr kumimoji="1" lang="hr-HR" altLang="ko-KR" b="0" i="1" smtClean="0">
+                                      <a:latin typeface="Cambria Math" charset="0"/>
+                                    </a:rPr>
+                                  </m:ctrlPr>
+                                </m:dPr>
+                                <m:e>
+                                  <m:sSub>
+                                    <m:sSubPr>
+                                      <m:ctrlPr>
+                                        <a:rPr kumimoji="1" lang="en-US" altLang="ko-KR" b="0" i="1" smtClean="0">
+                                          <a:latin typeface="Cambria Math" charset="0"/>
+                                        </a:rPr>
+                                      </m:ctrlPr>
+                                    </m:sSubPr>
+                                    <m:e>
+                                      <m:r>
+                                        <a:rPr kumimoji="1" lang="en-US" altLang="ko-KR" b="0" i="1" smtClean="0">
+                                          <a:latin typeface="Cambria Math" charset="0"/>
+                                        </a:rPr>
+                                        <m:t>𝛽</m:t>
+                                      </m:r>
+                                    </m:e>
+                                    <m:sub>
+                                      <m:r>
+                                        <a:rPr kumimoji="1" lang="en-US" altLang="ko-KR" b="0" i="1" smtClean="0">
+                                          <a:latin typeface="Cambria Math" charset="0"/>
+                                        </a:rPr>
+                                        <m:t>𝑗</m:t>
+                                      </m:r>
+                                    </m:sub>
+                                  </m:sSub>
+                                </m:e>
+                              </m:d>
+                            </m:e>
+                          </m:nary>
+                        </m:e>
+                      </m:nary>
+                    </m:oMath>
+                  </m:oMathPara>
+                </a14:m>
+                <a:endParaRPr kumimoji="1" lang="ko-KR" altLang="en-US" dirty="0"/>
+              </a:p>
+            </p:txBody>
+          </p:sp>
+        </mc:Choice>
+        <mc:Fallback xmlns="">
+          <p:sp>
+            <p:nvSpPr>
+              <p:cNvPr id="7" name="텍스트 상자 6"/>
+              <p:cNvSpPr txBox="1">
+                <a:spLocks noRot="1" noChangeAspect="1" noMove="1" noResize="1" noEditPoints="1" noAdjustHandles="1" noChangeArrowheads="1" noChangeShapeType="1" noTextEdit="1"/>
+              </p:cNvSpPr>
+              <p:nvPr/>
+            </p:nvSpPr>
+            <p:spPr>
+              <a:xfrm>
+                <a:off x="1194656" y="4802324"/>
+                <a:ext cx="5276894" cy="787523"/>
+              </a:xfrm>
+              <a:prstGeom prst="rect">
+                <a:avLst/>
+              </a:prstGeom>
+              <a:blipFill rotWithShape="0">
+                <a:blip r:embed="rId3"/>
+                <a:stretch>
+                  <a:fillRect b="-775"/>
+                </a:stretch>
+              </a:blipFill>
+            </p:spPr>
+            <p:txBody>
+              <a:bodyPr/>
+              <a:lstStyle/>
+              <a:p>
+                <a:r>
+                  <a:rPr lang="ko-KR" altLang="en-US">
+                    <a:noFill/>
+                  </a:rPr>
+                  <a:t> </a:t>
+                </a:r>
+              </a:p>
+            </p:txBody>
+          </p:sp>
+        </mc:Fallback>
+      </mc:AlternateContent>
+      <mc:AlternateContent xmlns:mc="http://schemas.openxmlformats.org/markup-compatibility/2006" xmlns:a14="http://schemas.microsoft.com/office/drawing/2010/main">
+        <mc:Choice Requires="a14">
+          <p:sp>
+            <p:nvSpPr>
+              <p:cNvPr id="9" name="텍스트 상자 8"/>
+              <p:cNvSpPr txBox="1"/>
+              <p:nvPr/>
+            </p:nvSpPr>
+            <p:spPr>
+              <a:xfrm>
+                <a:off x="1194656" y="3357564"/>
+                <a:ext cx="5283369" cy="787523"/>
+              </a:xfrm>
+              <a:prstGeom prst="rect">
+                <a:avLst/>
+              </a:prstGeom>
+              <a:noFill/>
+            </p:spPr>
+            <p:txBody>
+              <a:bodyPr wrap="none" lIns="0" tIns="0" rIns="0" bIns="0" rtlCol="0">
+                <a:spAutoFit/>
+              </a:bodyPr>
+              <a:lstStyle/>
+              <a:p>
+                <a:pPr/>
+                <a14:m>
+                  <m:oMathPara xmlns:m="http://schemas.openxmlformats.org/officeDocument/2006/math">
+                    <m:oMathParaPr>
+                      <m:jc m:val="centerGroup"/>
+                    </m:oMathParaPr>
+                    <m:oMath xmlns:m="http://schemas.openxmlformats.org/officeDocument/2006/math">
+                      <m:r>
+                        <m:rPr>
+                          <m:sty m:val="p"/>
+                        </m:rPr>
+                        <a:rPr kumimoji="1" lang="en-US" altLang="ko-KR" b="0" i="0" smtClean="0">
+                          <a:latin typeface="Cambria Math" charset="0"/>
+                        </a:rPr>
+                        <m:t>min</m:t>
+                      </m:r>
+                      <m:nary>
+                        <m:naryPr>
+                          <m:chr m:val="∑"/>
+                          <m:ctrlPr>
+                            <a:rPr kumimoji="1" lang="is-IS" altLang="ko-KR" b="0" i="1" smtClean="0">
+                              <a:latin typeface="Cambria Math" charset="0"/>
+                            </a:rPr>
+                          </m:ctrlPr>
+                        </m:naryPr>
+                        <m:sub>
+                          <m:r>
+                            <m:rPr>
+                              <m:brk m:alnAt="23"/>
+                            </m:rPr>
+                            <a:rPr kumimoji="1" lang="en-US" altLang="ko-KR" b="0" i="1" smtClean="0">
+                              <a:latin typeface="Cambria Math" charset="0"/>
+                            </a:rPr>
+                            <m:t>𝑖</m:t>
+                          </m:r>
+                          <m:r>
+                            <a:rPr kumimoji="1" lang="en-US" altLang="ko-KR" b="0" i="1" smtClean="0">
+                              <a:latin typeface="Cambria Math" charset="0"/>
+                            </a:rPr>
+                            <m:t>=1</m:t>
+                          </m:r>
+                        </m:sub>
+                        <m:sup>
+                          <m:r>
+                            <a:rPr kumimoji="1" lang="en-US" altLang="ko-KR" b="0" i="1" smtClean="0">
+                              <a:latin typeface="Cambria Math" charset="0"/>
+                            </a:rPr>
+                            <m:t>𝑛</m:t>
+                          </m:r>
+                        </m:sup>
+                        <m:e>
+                          <m:sSup>
+                            <m:sSupPr>
+                              <m:ctrlPr>
+                                <a:rPr kumimoji="1" lang="en-US" altLang="ko-KR" b="0" i="1" smtClean="0">
+                                  <a:latin typeface="Cambria Math" charset="0"/>
+                                </a:rPr>
+                              </m:ctrlPr>
+                            </m:sSupPr>
+                            <m:e>
+                              <m:d>
+                                <m:dPr>
+                                  <m:begChr m:val="{"/>
+                                  <m:endChr m:val="}"/>
+                                  <m:ctrlPr>
+                                    <a:rPr kumimoji="1" lang="en-US" altLang="ko-KR" b="0" i="1" smtClean="0">
+                                      <a:latin typeface="Cambria Math" charset="0"/>
+                                    </a:rPr>
+                                  </m:ctrlPr>
+                                </m:dPr>
+                                <m:e>
+                                  <m:sSub>
+                                    <m:sSubPr>
+                                      <m:ctrlPr>
+                                        <a:rPr kumimoji="1" lang="en-US" altLang="ko-KR" b="0" i="1" smtClean="0">
+                                          <a:latin typeface="Cambria Math" charset="0"/>
+                                        </a:rPr>
+                                      </m:ctrlPr>
+                                    </m:sSubPr>
+                                    <m:e>
+                                      <m:r>
+                                        <a:rPr kumimoji="1" lang="en-US" altLang="ko-KR" b="0" i="1" smtClean="0">
+                                          <a:latin typeface="Cambria Math" charset="0"/>
+                                        </a:rPr>
+                                        <m:t>𝑦</m:t>
+                                      </m:r>
+                                    </m:e>
+                                    <m:sub>
+                                      <m:r>
+                                        <a:rPr kumimoji="1" lang="en-US" altLang="ko-KR" b="0" i="1" smtClean="0">
+                                          <a:latin typeface="Cambria Math" charset="0"/>
+                                        </a:rPr>
+                                        <m:t>𝑖</m:t>
+                                      </m:r>
+                                    </m:sub>
+                                  </m:sSub>
+                                  <m:r>
+                                    <a:rPr kumimoji="1" lang="en-US" altLang="ko-KR" b="0" i="1" smtClean="0">
+                                      <a:latin typeface="Cambria Math" charset="0"/>
+                                    </a:rPr>
+                                    <m:t>−</m:t>
+                                  </m:r>
+                                  <m:d>
+                                    <m:dPr>
+                                      <m:ctrlPr>
+                                        <a:rPr kumimoji="1" lang="en-US" altLang="ko-KR" b="0" i="1" smtClean="0">
+                                          <a:latin typeface="Cambria Math" charset="0"/>
+                                        </a:rPr>
+                                      </m:ctrlPr>
+                                    </m:dPr>
+                                    <m:e>
+                                      <m:sSub>
+                                        <m:sSubPr>
+                                          <m:ctrlPr>
+                                            <a:rPr kumimoji="1" lang="en-US" altLang="ko-KR" b="0" i="1" smtClean="0">
+                                              <a:latin typeface="Cambria Math" charset="0"/>
+                                            </a:rPr>
+                                          </m:ctrlPr>
+                                        </m:sSubPr>
+                                        <m:e>
+                                          <m:acc>
+                                            <m:accPr>
+                                              <m:chr m:val="̂"/>
+                                              <m:ctrlPr>
+                                                <a:rPr kumimoji="1" lang="en-US" altLang="ko-KR" b="0" i="1" smtClean="0">
+                                                  <a:latin typeface="Cambria Math" charset="0"/>
+                                                </a:rPr>
+                                              </m:ctrlPr>
+                                            </m:accPr>
+                                            <m:e>
+                                              <m:r>
+                                                <a:rPr kumimoji="1" lang="en-US" altLang="ko-KR" i="1">
+                                                  <a:latin typeface="Cambria Math" charset="0"/>
+                                                </a:rPr>
+                                                <m:t>𝛽</m:t>
+                                              </m:r>
+                                            </m:e>
+                                          </m:acc>
+                                        </m:e>
+                                        <m:sub>
+                                          <m:r>
+                                            <a:rPr kumimoji="1" lang="en-US" altLang="ko-KR" b="0" i="1" smtClean="0">
+                                              <a:latin typeface="Cambria Math" charset="0"/>
+                                            </a:rPr>
+                                            <m:t>0</m:t>
+                                          </m:r>
+                                        </m:sub>
+                                      </m:sSub>
+                                      <m:r>
+                                        <a:rPr kumimoji="1" lang="en-US" altLang="ko-KR" b="0" i="1" smtClean="0">
+                                          <a:latin typeface="Cambria Math" charset="0"/>
+                                        </a:rPr>
+                                        <m:t>+</m:t>
+                                      </m:r>
+                                      <m:sSub>
+                                        <m:sSubPr>
+                                          <m:ctrlPr>
+                                            <a:rPr kumimoji="1" lang="en-US" altLang="ko-KR" i="1">
+                                              <a:latin typeface="Cambria Math" charset="0"/>
+                                            </a:rPr>
+                                          </m:ctrlPr>
+                                        </m:sSubPr>
+                                        <m:e>
+                                          <m:acc>
+                                            <m:accPr>
+                                              <m:chr m:val="̂"/>
+                                              <m:ctrlPr>
+                                                <a:rPr kumimoji="1" lang="en-US" altLang="ko-KR" i="1">
+                                                  <a:latin typeface="Cambria Math" charset="0"/>
+                                                </a:rPr>
+                                              </m:ctrlPr>
+                                            </m:accPr>
+                                            <m:e>
+                                              <m:r>
+                                                <a:rPr kumimoji="1" lang="en-US" altLang="ko-KR" i="1">
+                                                  <a:latin typeface="Cambria Math" charset="0"/>
+                                                </a:rPr>
+                                                <m:t>𝛽</m:t>
+                                              </m:r>
+                                            </m:e>
+                                          </m:acc>
+                                        </m:e>
+                                        <m:sub>
+                                          <m:r>
+                                            <a:rPr kumimoji="1" lang="en-US" altLang="ko-KR" b="0" i="1" smtClean="0">
+                                              <a:latin typeface="Cambria Math" charset="0"/>
+                                            </a:rPr>
+                                            <m:t>1</m:t>
+                                          </m:r>
+                                        </m:sub>
+                                      </m:sSub>
+                                      <m:sSub>
+                                        <m:sSubPr>
+                                          <m:ctrlPr>
+                                            <a:rPr kumimoji="1" lang="en-US" altLang="ko-KR" b="0" i="1" smtClean="0">
+                                              <a:latin typeface="Cambria Math" charset="0"/>
+                                            </a:rPr>
+                                          </m:ctrlPr>
+                                        </m:sSubPr>
+                                        <m:e>
+                                          <m:r>
+                                            <a:rPr kumimoji="1" lang="en-US" altLang="ko-KR" b="0" i="1" smtClean="0">
+                                              <a:latin typeface="Cambria Math" charset="0"/>
+                                            </a:rPr>
+                                            <m:t>𝑥</m:t>
+                                          </m:r>
+                                        </m:e>
+                                        <m:sub>
+                                          <m:r>
+                                            <a:rPr kumimoji="1" lang="en-US" altLang="ko-KR" b="0" i="1" smtClean="0">
+                                              <a:latin typeface="Cambria Math" charset="0"/>
+                                            </a:rPr>
+                                            <m:t>𝑖</m:t>
+                                          </m:r>
+                                          <m:r>
+                                            <a:rPr kumimoji="1" lang="en-US" altLang="ko-KR" b="0" i="1" smtClean="0">
+                                              <a:latin typeface="Cambria Math" charset="0"/>
+                                            </a:rPr>
+                                            <m:t>1</m:t>
+                                          </m:r>
+                                        </m:sub>
+                                      </m:sSub>
+                                      <m:r>
+                                        <a:rPr kumimoji="1" lang="en-US" altLang="ko-KR" b="0" i="1" smtClean="0">
+                                          <a:latin typeface="Cambria Math" charset="0"/>
+                                        </a:rPr>
+                                        <m:t>+…+</m:t>
+                                      </m:r>
+                                      <m:sSub>
+                                        <m:sSubPr>
+                                          <m:ctrlPr>
+                                            <a:rPr kumimoji="1" lang="en-US" altLang="ko-KR" i="1">
+                                              <a:latin typeface="Cambria Math" charset="0"/>
+                                            </a:rPr>
+                                          </m:ctrlPr>
+                                        </m:sSubPr>
+                                        <m:e>
+                                          <m:acc>
+                                            <m:accPr>
+                                              <m:chr m:val="̂"/>
+                                              <m:ctrlPr>
+                                                <a:rPr kumimoji="1" lang="en-US" altLang="ko-KR" i="1">
+                                                  <a:latin typeface="Cambria Math" charset="0"/>
+                                                </a:rPr>
+                                              </m:ctrlPr>
+                                            </m:accPr>
+                                            <m:e>
+                                              <m:r>
+                                                <a:rPr kumimoji="1" lang="en-US" altLang="ko-KR" i="1">
+                                                  <a:latin typeface="Cambria Math" charset="0"/>
+                                                </a:rPr>
+                                                <m:t>𝛽</m:t>
+                                              </m:r>
+                                            </m:e>
+                                          </m:acc>
+                                        </m:e>
+                                        <m:sub>
+                                          <m:r>
+                                            <a:rPr kumimoji="1" lang="en-US" altLang="ko-KR" b="0" i="1" smtClean="0">
+                                              <a:latin typeface="Cambria Math" charset="0"/>
+                                            </a:rPr>
+                                            <m:t>𝑝</m:t>
+                                          </m:r>
+                                        </m:sub>
+                                      </m:sSub>
+                                      <m:sSub>
+                                        <m:sSubPr>
+                                          <m:ctrlPr>
+                                            <a:rPr kumimoji="1" lang="en-US" altLang="ko-KR" b="0" i="1" smtClean="0">
+                                              <a:latin typeface="Cambria Math" charset="0"/>
+                                            </a:rPr>
+                                          </m:ctrlPr>
+                                        </m:sSubPr>
+                                        <m:e>
+                                          <m:r>
+                                            <a:rPr kumimoji="1" lang="en-US" altLang="ko-KR" b="0" i="1" smtClean="0">
+                                              <a:latin typeface="Cambria Math" charset="0"/>
+                                            </a:rPr>
+                                            <m:t>𝑥</m:t>
+                                          </m:r>
+                                        </m:e>
+                                        <m:sub>
+                                          <m:r>
+                                            <a:rPr kumimoji="1" lang="en-US" altLang="ko-KR" b="0" i="1" smtClean="0">
+                                              <a:latin typeface="Cambria Math" charset="0"/>
+                                            </a:rPr>
+                                            <m:t>𝑖𝑝</m:t>
+                                          </m:r>
+                                        </m:sub>
+                                      </m:sSub>
+                                    </m:e>
+                                  </m:d>
+                                </m:e>
+                              </m:d>
+                            </m:e>
+                            <m:sup>
+                              <m:r>
+                                <a:rPr kumimoji="1" lang="en-US" altLang="ko-KR" b="0" i="1" smtClean="0">
+                                  <a:latin typeface="Cambria Math" charset="0"/>
+                                </a:rPr>
+                                <m:t>2</m:t>
+                              </m:r>
+                            </m:sup>
+                          </m:sSup>
+                          <m:r>
+                            <a:rPr kumimoji="1" lang="en-US" altLang="ko-KR" b="0" i="1" smtClean="0">
+                              <a:latin typeface="Cambria Math" charset="0"/>
+                            </a:rPr>
+                            <m:t>+</m:t>
+                          </m:r>
+                          <m:r>
+                            <a:rPr kumimoji="1" lang="en-US" altLang="ko-KR" b="0" i="1" smtClean="0">
+                              <a:latin typeface="Cambria Math" charset="0"/>
+                            </a:rPr>
+                            <m:t>𝛼</m:t>
+                          </m:r>
+                          <m:nary>
+                            <m:naryPr>
+                              <m:chr m:val="∑"/>
+                              <m:ctrlPr>
+                                <a:rPr kumimoji="1" lang="is-IS" altLang="ko-KR" b="0" i="1" smtClean="0">
+                                  <a:latin typeface="Cambria Math" charset="0"/>
+                                </a:rPr>
+                              </m:ctrlPr>
+                            </m:naryPr>
+                            <m:sub>
+                              <m:r>
+                                <m:rPr>
+                                  <m:brk m:alnAt="23"/>
+                                </m:rPr>
+                                <a:rPr kumimoji="1" lang="en-US" altLang="ko-KR" b="0" i="1" smtClean="0">
+                                  <a:latin typeface="Cambria Math" charset="0"/>
+                                </a:rPr>
+                                <m:t>𝑗</m:t>
+                              </m:r>
+                              <m:r>
+                                <a:rPr kumimoji="1" lang="en-US" altLang="ko-KR" b="0" i="1" smtClean="0">
+                                  <a:latin typeface="Cambria Math" charset="0"/>
+                                </a:rPr>
+                                <m:t>=1</m:t>
+                              </m:r>
+                            </m:sub>
+                            <m:sup>
+                              <m:r>
+                                <a:rPr kumimoji="1" lang="en-US" altLang="ko-KR" b="0" i="1" smtClean="0">
+                                  <a:latin typeface="Cambria Math" charset="0"/>
+                                </a:rPr>
+                                <m:t>𝑝</m:t>
+                              </m:r>
+                            </m:sup>
+                            <m:e>
+                              <m:sSubSup>
+                                <m:sSubSupPr>
+                                  <m:ctrlPr>
+                                    <a:rPr kumimoji="1" lang="en-US" altLang="ko-KR" b="0" i="1" smtClean="0">
+                                      <a:latin typeface="Cambria Math" charset="0"/>
+                                    </a:rPr>
+                                  </m:ctrlPr>
+                                </m:sSubSupPr>
+                                <m:e>
+                                  <m:r>
+                                    <a:rPr kumimoji="1" lang="en-US" altLang="ko-KR" b="0" i="1" smtClean="0">
+                                      <a:latin typeface="Cambria Math" charset="0"/>
+                                    </a:rPr>
+                                    <m:t>𝛽</m:t>
+                                  </m:r>
+                                </m:e>
+                                <m:sub>
+                                  <m:r>
+                                    <a:rPr kumimoji="1" lang="en-US" altLang="ko-KR" b="0" i="1" smtClean="0">
+                                      <a:latin typeface="Cambria Math" charset="0"/>
+                                    </a:rPr>
+                                    <m:t>𝑗</m:t>
+                                  </m:r>
+                                </m:sub>
+                                <m:sup>
+                                  <m:r>
+                                    <a:rPr kumimoji="1" lang="en-US" altLang="ko-KR" b="0" i="1" smtClean="0">
+                                      <a:latin typeface="Cambria Math" charset="0"/>
+                                    </a:rPr>
+                                    <m:t>2</m:t>
+                                  </m:r>
+                                </m:sup>
+                              </m:sSubSup>
+                            </m:e>
+                          </m:nary>
+                        </m:e>
+                      </m:nary>
+                    </m:oMath>
+                  </m:oMathPara>
+                </a14:m>
+                <a:endParaRPr kumimoji="1" lang="ko-KR" altLang="en-US" dirty="0"/>
+              </a:p>
+            </p:txBody>
+          </p:sp>
+        </mc:Choice>
+        <mc:Fallback xmlns="">
+          <p:sp>
+            <p:nvSpPr>
+              <p:cNvPr id="9" name="텍스트 상자 8"/>
+              <p:cNvSpPr txBox="1">
+                <a:spLocks noRot="1" noChangeAspect="1" noMove="1" noResize="1" noEditPoints="1" noAdjustHandles="1" noChangeArrowheads="1" noChangeShapeType="1" noTextEdit="1"/>
+              </p:cNvSpPr>
+              <p:nvPr/>
+            </p:nvSpPr>
+            <p:spPr>
+              <a:xfrm>
+                <a:off x="1194656" y="3357564"/>
+                <a:ext cx="5283369" cy="787523"/>
+              </a:xfrm>
+              <a:prstGeom prst="rect">
+                <a:avLst/>
+              </a:prstGeom>
+              <a:blipFill rotWithShape="0">
+                <a:blip r:embed="rId4"/>
+                <a:stretch>
+                  <a:fillRect b="-775"/>
+                </a:stretch>
+              </a:blipFill>
+            </p:spPr>
+            <p:txBody>
+              <a:bodyPr/>
+              <a:lstStyle/>
+              <a:p>
+                <a:r>
+                  <a:rPr lang="ko-KR" altLang="en-US">
+                    <a:noFill/>
+                  </a:rPr>
+                  <a:t> </a:t>
+                </a:r>
+              </a:p>
+            </p:txBody>
+          </p:sp>
+        </mc:Fallback>
+      </mc:AlternateContent>
+      <p:cxnSp>
+        <p:nvCxnSpPr>
+          <p:cNvPr id="10" name="직선 연결선[R] 9"/>
+          <p:cNvCxnSpPr/>
+          <p:nvPr/>
+        </p:nvCxnSpPr>
+        <p:spPr>
+          <a:xfrm>
+            <a:off x="5508536" y="4278559"/>
+            <a:ext cx="963014" cy="0"/>
+          </a:xfrm>
+          <a:prstGeom prst="line">
+            <a:avLst/>
+          </a:prstGeom>
+          <a:ln w="41275"/>
+        </p:spPr>
+        <p:style>
+          <a:lnRef idx="3">
+            <a:schemeClr val="accent2"/>
+          </a:lnRef>
+          <a:fillRef idx="0">
+            <a:schemeClr val="accent2"/>
+          </a:fillRef>
+          <a:effectRef idx="2">
+            <a:schemeClr val="accent2"/>
+          </a:effectRef>
+          <a:fontRef idx="minor">
+            <a:schemeClr val="tx1"/>
+          </a:fontRef>
+        </p:style>
+      </p:cxnSp>
+      <p:cxnSp>
+        <p:nvCxnSpPr>
+          <p:cNvPr id="11" name="직선 연결선[R] 10"/>
+          <p:cNvCxnSpPr/>
+          <p:nvPr/>
+        </p:nvCxnSpPr>
+        <p:spPr>
+          <a:xfrm>
+            <a:off x="5515011" y="5695731"/>
+            <a:ext cx="963014" cy="0"/>
+          </a:xfrm>
+          <a:prstGeom prst="line">
+            <a:avLst/>
+          </a:prstGeom>
+          <a:ln w="41275"/>
+        </p:spPr>
+        <p:style>
+          <a:lnRef idx="3">
+            <a:schemeClr val="accent2"/>
+          </a:lnRef>
+          <a:fillRef idx="0">
+            <a:schemeClr val="accent2"/>
+          </a:fillRef>
+          <a:effectRef idx="2">
+            <a:schemeClr val="accent2"/>
+          </a:effectRef>
+          <a:fontRef idx="minor">
+            <a:schemeClr val="tx1"/>
+          </a:fontRef>
+        </p:style>
+      </p:cxnSp>
+      <mc:AlternateContent xmlns:mc="http://schemas.openxmlformats.org/markup-compatibility/2006">
+        <mc:Choice xmlns:a14="http://schemas.microsoft.com/office/drawing/2010/main" Requires="a14">
+          <p:sp>
+            <p:nvSpPr>
+              <p:cNvPr id="5" name="직사각형 4"/>
+              <p:cNvSpPr/>
+              <p:nvPr/>
+            </p:nvSpPr>
+            <p:spPr>
+              <a:xfrm>
+                <a:off x="5515011" y="2141147"/>
+                <a:ext cx="2984791" cy="1015663"/>
+              </a:xfrm>
+              <a:prstGeom prst="rect">
+                <a:avLst/>
+              </a:prstGeom>
+              <a:ln>
+                <a:solidFill>
+                  <a:srgbClr val="FF0000"/>
+                </a:solidFill>
+              </a:ln>
+            </p:spPr>
+            <p:txBody>
+              <a:bodyPr wrap="none">
+                <a:spAutoFit/>
+              </a:bodyPr>
+              <a:lstStyle/>
+              <a:p>
+                <a14:m>
+                  <m:oMath xmlns:m="http://schemas.openxmlformats.org/officeDocument/2006/math">
+                    <m:r>
+                      <a:rPr kumimoji="1" lang="en-US" altLang="ko-KR" sz="2000" i="1" smtClean="0">
+                        <a:solidFill>
+                          <a:srgbClr val="FF0000"/>
+                        </a:solidFill>
+                        <a:latin typeface="Cambria Math" charset="0"/>
+                      </a:rPr>
+                      <m:t>𝛼</m:t>
+                    </m:r>
+                    <m:r>
+                      <a:rPr kumimoji="1" lang="en-US" altLang="ko-KR" sz="2000" b="0" i="0" smtClean="0">
+                        <a:solidFill>
+                          <a:srgbClr val="FF0000"/>
+                        </a:solidFill>
+                        <a:latin typeface="Cambria Math" charset="0"/>
+                      </a:rPr>
+                      <m:t> (</m:t>
+                    </m:r>
+                    <m:r>
+                      <m:rPr>
+                        <m:sty m:val="p"/>
+                      </m:rPr>
+                      <a:rPr kumimoji="1" lang="en-US" altLang="ko-KR" sz="2000" b="0" i="0" smtClean="0">
+                        <a:solidFill>
+                          <a:srgbClr val="FF0000"/>
+                        </a:solidFill>
+                        <a:latin typeface="Cambria Math" charset="0"/>
+                      </a:rPr>
+                      <m:t>alpha</m:t>
+                    </m:r>
+                    <m:r>
+                      <a:rPr kumimoji="1" lang="en-US" altLang="ko-KR" sz="2000" b="0" i="0" smtClean="0">
+                        <a:solidFill>
+                          <a:srgbClr val="FF0000"/>
+                        </a:solidFill>
+                        <a:latin typeface="Cambria Math" charset="0"/>
+                      </a:rPr>
+                      <m:t>)</m:t>
+                    </m:r>
+                  </m:oMath>
+                </a14:m>
+                <a:r>
+                  <a:rPr lang="en-US" altLang="ko-KR" sz="2000" dirty="0" smtClean="0"/>
+                  <a:t>: A parameter to </a:t>
+                </a:r>
+                <a:br>
+                  <a:rPr lang="en-US" altLang="ko-KR" sz="2000" dirty="0" smtClean="0"/>
+                </a:br>
+                <a:r>
+                  <a:rPr lang="en-US" altLang="ko-KR" sz="2000" dirty="0" smtClean="0"/>
+                  <a:t>control effectiveness of </a:t>
+                </a:r>
+                <a:r>
+                  <a:rPr lang="en-US" altLang="ko-KR" sz="2000" dirty="0" smtClean="0"/>
+                  <a:t/>
+                </a:r>
+                <a:br>
+                  <a:rPr lang="en-US" altLang="ko-KR" sz="2000" dirty="0" smtClean="0"/>
+                </a:br>
+                <a:r>
+                  <a:rPr lang="en-US" altLang="ko-KR" sz="2000" dirty="0" smtClean="0"/>
+                  <a:t>regularization</a:t>
+                </a:r>
+                <a:endParaRPr lang="ko-KR" altLang="en-US" sz="2000" dirty="0"/>
+              </a:p>
+            </p:txBody>
+          </p:sp>
+        </mc:Choice>
+        <mc:Fallback>
+          <p:sp>
+            <p:nvSpPr>
+              <p:cNvPr id="5" name="직사각형 4"/>
+              <p:cNvSpPr>
+                <a:spLocks noRot="1" noChangeAspect="1" noMove="1" noResize="1" noEditPoints="1" noAdjustHandles="1" noChangeArrowheads="1" noChangeShapeType="1" noTextEdit="1"/>
+              </p:cNvSpPr>
+              <p:nvPr/>
+            </p:nvSpPr>
+            <p:spPr>
+              <a:xfrm>
+                <a:off x="5515011" y="2141147"/>
+                <a:ext cx="2984791" cy="1015663"/>
+              </a:xfrm>
+              <a:prstGeom prst="rect">
+                <a:avLst/>
+              </a:prstGeom>
+              <a:blipFill rotWithShape="0">
+                <a:blip r:embed="rId5"/>
+                <a:stretch>
+                  <a:fillRect l="-2037" t="-37870" r="-1018" b="-8876"/>
+                </a:stretch>
+              </a:blipFill>
+              <a:ln>
+                <a:solidFill>
+                  <a:srgbClr val="FF0000"/>
+                </a:solidFill>
+              </a:ln>
+            </p:spPr>
+            <p:txBody>
+              <a:bodyPr/>
+              <a:lstStyle/>
+              <a:p>
+                <a:r>
+                  <a:rPr lang="ko-KR" altLang="en-US">
+                    <a:noFill/>
+                  </a:rPr>
+                  <a:t> </a:t>
+                </a:r>
+              </a:p>
+            </p:txBody>
+          </p:sp>
+        </mc:Fallback>
+      </mc:AlternateContent>
+    </p:spTree>
+    <p:extLst>
+      <p:ext uri="{BB962C8B-B14F-4D97-AF65-F5344CB8AC3E}">
+        <p14:creationId xmlns:p14="http://schemas.microsoft.com/office/powerpoint/2010/main" val="1744247349"/>
+      </p:ext>
+    </p:extLst>
+  </p:cSld>
+  <p:clrMapOvr>
+    <a:masterClrMapping/>
+  </p:clrMapOvr>
+</p:sld>
+</file>
+
+<file path=ppt/slides/slide15.xml><?xml version="1.0" encoding="utf-8"?>
+<p:sld xmlns:a="http://schemas.openxmlformats.org/drawingml/2006/main" xmlns:r="http://schemas.openxmlformats.org/officeDocument/2006/relationships" xmlns:p="http://schemas.openxmlformats.org/presentationml/2006/main">
+  <p:cSld>
+    <p:spTree>
+      <p:nvGrpSpPr>
+        <p:cNvPr id="1" name=""/>
+        <p:cNvGrpSpPr/>
+        <p:nvPr/>
+      </p:nvGrpSpPr>
+      <p:grpSpPr>
+        <a:xfrm>
+          <a:off x="0" y="0"/>
+          <a:ext cx="0" cy="0"/>
+          <a:chOff x="0" y="0"/>
+          <a:chExt cx="0" cy="0"/>
+        </a:xfrm>
+      </p:grpSpPr>
+      <mc:AlternateContent xmlns:mc="http://schemas.openxmlformats.org/markup-compatibility/2006" xmlns:a14="http://schemas.microsoft.com/office/drawing/2010/main">
+        <mc:Choice Requires="a14">
+          <p:sp>
+            <p:nvSpPr>
+              <p:cNvPr id="2" name="제목 1"/>
+              <p:cNvSpPr>
+                <a:spLocks noGrp="1"/>
+              </p:cNvSpPr>
+              <p:nvPr>
+                <p:ph type="title"/>
+              </p:nvPr>
+            </p:nvSpPr>
+            <p:spPr/>
+            <p:txBody>
+              <a:bodyPr/>
+              <a:lstStyle/>
+              <a:p>
+                <a:r>
+                  <a:rPr kumimoji="1" lang="en-US" altLang="ko-KR" dirty="0" smtClean="0"/>
+                  <a:t>Parameter: </a:t>
+                </a:r>
+                <a14:m>
+                  <m:oMath xmlns:m="http://schemas.openxmlformats.org/officeDocument/2006/math">
+                    <m:r>
+                      <a:rPr kumimoji="1" lang="en-US" altLang="ko-KR" i="1">
+                        <a:latin typeface="Cambria Math" charset="0"/>
+                      </a:rPr>
+                      <m:t>𝜶</m:t>
+                    </m:r>
+                  </m:oMath>
+                </a14:m>
+                <a:r>
+                  <a:rPr kumimoji="1" lang="en-US" altLang="ko-KR" dirty="0" smtClean="0"/>
+                  <a:t> (alpha)</a:t>
+                </a:r>
+                <a:endParaRPr kumimoji="1" lang="ko-KR" altLang="en-US" dirty="0"/>
+              </a:p>
+            </p:txBody>
+          </p:sp>
+        </mc:Choice>
+        <mc:Fallback xmlns="">
+          <p:sp>
+            <p:nvSpPr>
+              <p:cNvPr id="2" name="제목 1"/>
+              <p:cNvSpPr>
+                <a:spLocks noGrp="1" noRot="1" noChangeAspect="1" noMove="1" noResize="1" noEditPoints="1" noAdjustHandles="1" noChangeArrowheads="1" noChangeShapeType="1" noTextEdit="1"/>
+              </p:cNvSpPr>
+              <p:nvPr>
+                <p:ph type="title"/>
+              </p:nvPr>
+            </p:nvSpPr>
+            <p:spPr>
+              <a:blipFill rotWithShape="0">
+                <a:blip r:embed="rId2"/>
+                <a:stretch>
+                  <a:fillRect l="-1777" t="-794" b="-11111"/>
+                </a:stretch>
+              </a:blipFill>
+            </p:spPr>
+            <p:txBody>
+              <a:bodyPr/>
+              <a:lstStyle/>
+              <a:p>
+                <a:r>
+                  <a:rPr lang="ko-KR" altLang="en-US">
+                    <a:noFill/>
+                  </a:rPr>
+                  <a:t> </a:t>
+                </a:r>
+              </a:p>
+            </p:txBody>
+          </p:sp>
+        </mc:Fallback>
+      </mc:AlternateContent>
+      <mc:AlternateContent xmlns:mc="http://schemas.openxmlformats.org/markup-compatibility/2006" xmlns:a14="http://schemas.microsoft.com/office/drawing/2010/main">
+        <mc:Choice Requires="a14">
+          <p:sp>
+            <p:nvSpPr>
+              <p:cNvPr id="3" name="내용 개체 틀 2"/>
+              <p:cNvSpPr>
+                <a:spLocks noGrp="1"/>
+              </p:cNvSpPr>
+              <p:nvPr>
+                <p:ph idx="1"/>
+              </p:nvPr>
+            </p:nvSpPr>
+            <p:spPr/>
+            <p:txBody>
+              <a:bodyPr/>
+              <a:lstStyle/>
+              <a:p>
+                <a:r>
+                  <a:rPr kumimoji="1" lang="en-US" altLang="ko-KR" b="1" dirty="0" smtClean="0"/>
+                  <a:t>If </a:t>
+                </a:r>
+                <a14:m>
+                  <m:oMath xmlns:m="http://schemas.openxmlformats.org/officeDocument/2006/math">
+                    <m:r>
+                      <a:rPr kumimoji="1" lang="en-US" altLang="ko-KR" b="1" i="1" smtClean="0">
+                        <a:latin typeface="Cambria Math" charset="0"/>
+                      </a:rPr>
+                      <m:t>𝜶</m:t>
+                    </m:r>
+                    <m:r>
+                      <a:rPr kumimoji="1" lang="en-US" altLang="ko-KR" b="1" i="1" smtClean="0">
+                        <a:latin typeface="Cambria Math" charset="0"/>
+                      </a:rPr>
+                      <m:t>=</m:t>
+                    </m:r>
+                    <m:r>
+                      <a:rPr kumimoji="1" lang="en-US" altLang="ko-KR" b="1" i="1" smtClean="0">
+                        <a:latin typeface="Cambria Math" charset="0"/>
+                      </a:rPr>
+                      <m:t>𝟎</m:t>
+                    </m:r>
+                  </m:oMath>
+                </a14:m>
+                <a:r>
+                  <a:rPr kumimoji="1" lang="en-US" altLang="ko-KR" dirty="0" smtClean="0"/>
+                  <a:t>,</a:t>
+                </a:r>
+              </a:p>
+              <a:p>
+                <a:pPr lvl="1"/>
+                <a:r>
+                  <a:rPr kumimoji="1" lang="en-US" altLang="ko-KR" dirty="0" smtClean="0"/>
+                  <a:t>Objective functions of Ridge and Lasso regressions are equal to</a:t>
+                </a:r>
+                <a:br>
+                  <a:rPr kumimoji="1" lang="en-US" altLang="ko-KR" dirty="0" smtClean="0"/>
+                </a:br>
+                <a:r>
+                  <a:rPr kumimoji="1" lang="en-US" altLang="ko-KR" dirty="0" smtClean="0"/>
+                  <a:t>that of linear regression.</a:t>
+                </a:r>
+                <a:br>
+                  <a:rPr kumimoji="1" lang="en-US" altLang="ko-KR" dirty="0" smtClean="0"/>
+                </a:br>
+                <a:r>
+                  <a:rPr kumimoji="1" lang="en-US" altLang="ko-KR" dirty="0" smtClean="0">
+                    <a:sym typeface="Wingdings"/>
+                  </a:rPr>
+                  <a:t> </a:t>
+                </a:r>
+                <a:r>
+                  <a:rPr kumimoji="1" lang="en-US" altLang="ko-KR" i="1" dirty="0" smtClean="0">
+                    <a:solidFill>
+                      <a:srgbClr val="FF0000"/>
+                    </a:solidFill>
+                    <a:sym typeface="Wingdings"/>
+                  </a:rPr>
+                  <a:t>No regularization</a:t>
+                </a:r>
+                <a:r>
+                  <a:rPr kumimoji="1" lang="en-US" altLang="ko-KR" dirty="0" smtClean="0">
+                    <a:solidFill>
+                      <a:srgbClr val="FF0000"/>
+                    </a:solidFill>
+                    <a:sym typeface="Wingdings"/>
+                  </a:rPr>
+                  <a:t>!</a:t>
+                </a:r>
+              </a:p>
+              <a:p>
+                <a:r>
+                  <a:rPr kumimoji="1" lang="en-US" altLang="ko-KR" dirty="0" smtClean="0"/>
+                  <a:t>If </a:t>
+                </a:r>
+                <a14:m>
+                  <m:oMath xmlns:m="http://schemas.openxmlformats.org/officeDocument/2006/math">
+                    <m:r>
+                      <a:rPr kumimoji="1" lang="en-US" altLang="ko-KR" i="1">
+                        <a:latin typeface="Cambria Math" charset="0"/>
+                      </a:rPr>
+                      <m:t>𝜶</m:t>
+                    </m:r>
+                  </m:oMath>
+                </a14:m>
+                <a:r>
+                  <a:rPr kumimoji="1" lang="en-US" altLang="ko-KR" dirty="0" smtClean="0"/>
+                  <a:t> becomes larger,</a:t>
+                </a:r>
+              </a:p>
+              <a:p>
+                <a:pPr lvl="1"/>
+                <a:r>
+                  <a:rPr kumimoji="1" lang="en-US" altLang="ko-KR" dirty="0" smtClean="0"/>
+                  <a:t>Ridge and Lasso try to minimize </a:t>
+                </a:r>
+                <a:r>
+                  <a:rPr kumimoji="1" lang="en-US" altLang="ko-KR" dirty="0"/>
+                  <a:t>L2-norm penalty term (</a:t>
+                </a:r>
+                <a14:m>
+                  <m:oMath xmlns:m="http://schemas.openxmlformats.org/officeDocument/2006/math">
+                    <m:r>
+                      <a:rPr kumimoji="1" lang="en-US" altLang="ko-KR" i="1">
+                        <a:latin typeface="Cambria Math" charset="0"/>
+                      </a:rPr>
+                      <m:t>𝛼</m:t>
+                    </m:r>
+                    <m:nary>
+                      <m:naryPr>
+                        <m:chr m:val="∑"/>
+                        <m:ctrlPr>
+                          <a:rPr kumimoji="1" lang="is-IS" altLang="ko-KR" i="1">
+                            <a:latin typeface="Cambria Math" charset="0"/>
+                          </a:rPr>
+                        </m:ctrlPr>
+                      </m:naryPr>
+                      <m:sub>
+                        <m:r>
+                          <m:rPr>
+                            <m:brk m:alnAt="23"/>
+                          </m:rPr>
+                          <a:rPr kumimoji="1" lang="en-US" altLang="ko-KR" i="1">
+                            <a:latin typeface="Cambria Math" charset="0"/>
+                          </a:rPr>
+                          <m:t>𝑗</m:t>
+                        </m:r>
+                        <m:r>
+                          <a:rPr kumimoji="1" lang="en-US" altLang="ko-KR" i="1">
+                            <a:latin typeface="Cambria Math" charset="0"/>
+                          </a:rPr>
+                          <m:t>=1</m:t>
+                        </m:r>
+                      </m:sub>
+                      <m:sup>
+                        <m:r>
+                          <a:rPr kumimoji="1" lang="en-US" altLang="ko-KR" i="1">
+                            <a:latin typeface="Cambria Math" charset="0"/>
+                          </a:rPr>
+                          <m:t>𝑝</m:t>
+                        </m:r>
+                      </m:sup>
+                      <m:e>
+                        <m:sSubSup>
+                          <m:sSubSupPr>
+                            <m:ctrlPr>
+                              <a:rPr kumimoji="1" lang="en-US" altLang="ko-KR" i="1">
+                                <a:latin typeface="Cambria Math" charset="0"/>
+                              </a:rPr>
+                            </m:ctrlPr>
+                          </m:sSubSupPr>
+                          <m:e>
+                            <m:r>
+                              <a:rPr kumimoji="1" lang="en-US" altLang="ko-KR" i="1">
+                                <a:latin typeface="Cambria Math" charset="0"/>
+                              </a:rPr>
+                              <m:t>𝛽</m:t>
+                            </m:r>
+                          </m:e>
+                          <m:sub>
+                            <m:r>
+                              <a:rPr kumimoji="1" lang="en-US" altLang="ko-KR" i="1">
+                                <a:latin typeface="Cambria Math" charset="0"/>
+                              </a:rPr>
+                              <m:t>𝑗</m:t>
+                            </m:r>
+                          </m:sub>
+                          <m:sup>
+                            <m:r>
+                              <a:rPr kumimoji="1" lang="en-US" altLang="ko-KR" i="1">
+                                <a:latin typeface="Cambria Math" charset="0"/>
+                              </a:rPr>
+                              <m:t>2</m:t>
+                            </m:r>
+                          </m:sup>
+                        </m:sSubSup>
+                      </m:e>
+                    </m:nary>
+                  </m:oMath>
+                </a14:m>
+                <a:r>
+                  <a:rPr kumimoji="1" lang="en-US" altLang="ko-KR" dirty="0"/>
+                  <a:t>) and L1-norm penalty term (</a:t>
+                </a:r>
+                <a14:m>
+                  <m:oMath xmlns:m="http://schemas.openxmlformats.org/officeDocument/2006/math">
+                    <m:r>
+                      <a:rPr kumimoji="1" lang="en-US" altLang="ko-KR" i="1">
+                        <a:latin typeface="Cambria Math" charset="0"/>
+                      </a:rPr>
+                      <m:t>𝛼</m:t>
+                    </m:r>
+                    <m:nary>
+                      <m:naryPr>
+                        <m:chr m:val="∑"/>
+                        <m:ctrlPr>
+                          <a:rPr kumimoji="1" lang="is-IS" altLang="ko-KR" i="1">
+                            <a:latin typeface="Cambria Math" charset="0"/>
+                          </a:rPr>
+                        </m:ctrlPr>
+                      </m:naryPr>
+                      <m:sub>
+                        <m:r>
+                          <m:rPr>
+                            <m:brk m:alnAt="23"/>
+                          </m:rPr>
+                          <a:rPr kumimoji="1" lang="en-US" altLang="ko-KR" i="1">
+                            <a:latin typeface="Cambria Math" charset="0"/>
+                          </a:rPr>
+                          <m:t>𝑗</m:t>
+                        </m:r>
+                        <m:r>
+                          <a:rPr kumimoji="1" lang="en-US" altLang="ko-KR" i="1">
+                            <a:latin typeface="Cambria Math" charset="0"/>
+                          </a:rPr>
+                          <m:t>=1</m:t>
+                        </m:r>
+                      </m:sub>
+                      <m:sup>
+                        <m:r>
+                          <a:rPr kumimoji="1" lang="en-US" altLang="ko-KR" i="1">
+                            <a:latin typeface="Cambria Math" charset="0"/>
+                          </a:rPr>
+                          <m:t>𝑝</m:t>
+                        </m:r>
+                      </m:sup>
+                      <m:e>
+                        <m:d>
+                          <m:dPr>
+                            <m:begChr m:val="|"/>
+                            <m:endChr m:val="|"/>
+                            <m:ctrlPr>
+                              <a:rPr kumimoji="1" lang="hr-HR" altLang="ko-KR" i="1">
+                                <a:latin typeface="Cambria Math" charset="0"/>
+                              </a:rPr>
+                            </m:ctrlPr>
+                          </m:dPr>
+                          <m:e>
+                            <m:sSub>
+                              <m:sSubPr>
+                                <m:ctrlPr>
+                                  <a:rPr kumimoji="1" lang="en-US" altLang="ko-KR" i="1">
+                                    <a:latin typeface="Cambria Math" charset="0"/>
+                                  </a:rPr>
+                                </m:ctrlPr>
+                              </m:sSubPr>
+                              <m:e>
+                                <m:r>
+                                  <a:rPr kumimoji="1" lang="en-US" altLang="ko-KR" i="1">
+                                    <a:latin typeface="Cambria Math" charset="0"/>
+                                  </a:rPr>
+                                  <m:t>𝛽</m:t>
+                                </m:r>
+                              </m:e>
+                              <m:sub>
+                                <m:r>
+                                  <a:rPr kumimoji="1" lang="en-US" altLang="ko-KR" i="1">
+                                    <a:latin typeface="Cambria Math" charset="0"/>
+                                  </a:rPr>
+                                  <m:t>𝑗</m:t>
+                                </m:r>
+                              </m:sub>
+                            </m:sSub>
+                          </m:e>
+                        </m:d>
+                      </m:e>
+                    </m:nary>
+                  </m:oMath>
+                </a14:m>
+                <a:r>
+                  <a:rPr kumimoji="1" lang="en-US" altLang="ko-KR" dirty="0"/>
+                  <a:t>) </a:t>
+                </a:r>
+                <a:r>
+                  <a:rPr kumimoji="1" lang="en-US" altLang="ko-KR" dirty="0" smtClean="0"/>
+                  <a:t>when they are trained.</a:t>
+                </a:r>
+                <a:br>
+                  <a:rPr kumimoji="1" lang="en-US" altLang="ko-KR" dirty="0" smtClean="0"/>
+                </a:br>
+                <a:r>
+                  <a:rPr kumimoji="1" lang="en-US" altLang="ko-KR" dirty="0" smtClean="0">
+                    <a:sym typeface="Wingdings"/>
+                  </a:rPr>
+                  <a:t> </a:t>
+                </a:r>
+                <a14:m>
+                  <m:oMath xmlns:m="http://schemas.openxmlformats.org/officeDocument/2006/math">
+                    <m:nary>
+                      <m:naryPr>
+                        <m:chr m:val="∑"/>
+                        <m:ctrlPr>
+                          <a:rPr kumimoji="1" lang="is-IS" altLang="ko-KR" i="1">
+                            <a:latin typeface="Cambria Math" charset="0"/>
+                          </a:rPr>
+                        </m:ctrlPr>
+                      </m:naryPr>
+                      <m:sub>
+                        <m:r>
+                          <m:rPr>
+                            <m:brk m:alnAt="23"/>
+                          </m:rPr>
+                          <a:rPr kumimoji="1" lang="en-US" altLang="ko-KR" i="1">
+                            <a:latin typeface="Cambria Math" charset="0"/>
+                          </a:rPr>
+                          <m:t>𝑗</m:t>
+                        </m:r>
+                        <m:r>
+                          <a:rPr kumimoji="1" lang="en-US" altLang="ko-KR" i="1">
+                            <a:latin typeface="Cambria Math" charset="0"/>
+                          </a:rPr>
+                          <m:t>=1</m:t>
+                        </m:r>
+                      </m:sub>
+                      <m:sup>
+                        <m:r>
+                          <a:rPr kumimoji="1" lang="en-US" altLang="ko-KR" i="1">
+                            <a:latin typeface="Cambria Math" charset="0"/>
+                          </a:rPr>
+                          <m:t>𝑝</m:t>
+                        </m:r>
+                      </m:sup>
+                      <m:e>
+                        <m:sSubSup>
+                          <m:sSubSupPr>
+                            <m:ctrlPr>
+                              <a:rPr kumimoji="1" lang="en-US" altLang="ko-KR" i="1">
+                                <a:latin typeface="Cambria Math" charset="0"/>
+                              </a:rPr>
+                            </m:ctrlPr>
+                          </m:sSubSupPr>
+                          <m:e>
+                            <m:r>
+                              <a:rPr kumimoji="1" lang="en-US" altLang="ko-KR" i="1">
+                                <a:latin typeface="Cambria Math" charset="0"/>
+                              </a:rPr>
+                              <m:t>𝛽</m:t>
+                            </m:r>
+                          </m:e>
+                          <m:sub>
+                            <m:r>
+                              <a:rPr kumimoji="1" lang="en-US" altLang="ko-KR" i="1">
+                                <a:latin typeface="Cambria Math" charset="0"/>
+                              </a:rPr>
+                              <m:t>𝑗</m:t>
+                            </m:r>
+                          </m:sub>
+                          <m:sup>
+                            <m:r>
+                              <a:rPr kumimoji="1" lang="en-US" altLang="ko-KR" i="1">
+                                <a:latin typeface="Cambria Math" charset="0"/>
+                              </a:rPr>
+                              <m:t>2</m:t>
+                            </m:r>
+                          </m:sup>
+                        </m:sSubSup>
+                      </m:e>
+                    </m:nary>
+                  </m:oMath>
+                </a14:m>
+                <a:r>
+                  <a:rPr kumimoji="1" lang="en-US" altLang="ko-KR" dirty="0" smtClean="0"/>
+                  <a:t> and </a:t>
+                </a:r>
+                <a14:m>
+                  <m:oMath xmlns:m="http://schemas.openxmlformats.org/officeDocument/2006/math">
+                    <m:nary>
+                      <m:naryPr>
+                        <m:chr m:val="∑"/>
+                        <m:ctrlPr>
+                          <a:rPr kumimoji="1" lang="is-IS" altLang="ko-KR" i="1">
+                            <a:latin typeface="Cambria Math" charset="0"/>
+                          </a:rPr>
+                        </m:ctrlPr>
+                      </m:naryPr>
+                      <m:sub>
+                        <m:r>
+                          <m:rPr>
+                            <m:brk m:alnAt="23"/>
+                          </m:rPr>
+                          <a:rPr kumimoji="1" lang="en-US" altLang="ko-KR" i="1">
+                            <a:latin typeface="Cambria Math" charset="0"/>
+                          </a:rPr>
+                          <m:t>𝑗</m:t>
+                        </m:r>
+                        <m:r>
+                          <a:rPr kumimoji="1" lang="en-US" altLang="ko-KR" i="1">
+                            <a:latin typeface="Cambria Math" charset="0"/>
+                          </a:rPr>
+                          <m:t>=1</m:t>
+                        </m:r>
+                      </m:sub>
+                      <m:sup>
+                        <m:r>
+                          <a:rPr kumimoji="1" lang="en-US" altLang="ko-KR" i="1">
+                            <a:latin typeface="Cambria Math" charset="0"/>
+                          </a:rPr>
+                          <m:t>𝑝</m:t>
+                        </m:r>
+                      </m:sup>
+                      <m:e>
+                        <m:d>
+                          <m:dPr>
+                            <m:begChr m:val="|"/>
+                            <m:endChr m:val="|"/>
+                            <m:ctrlPr>
+                              <a:rPr kumimoji="1" lang="hr-HR" altLang="ko-KR" i="1">
+                                <a:latin typeface="Cambria Math" charset="0"/>
+                              </a:rPr>
+                            </m:ctrlPr>
+                          </m:dPr>
+                          <m:e>
+                            <m:sSub>
+                              <m:sSubPr>
+                                <m:ctrlPr>
+                                  <a:rPr kumimoji="1" lang="en-US" altLang="ko-KR" i="1">
+                                    <a:latin typeface="Cambria Math" charset="0"/>
+                                  </a:rPr>
+                                </m:ctrlPr>
+                              </m:sSubPr>
+                              <m:e>
+                                <m:r>
+                                  <a:rPr kumimoji="1" lang="en-US" altLang="ko-KR" i="1">
+                                    <a:latin typeface="Cambria Math" charset="0"/>
+                                  </a:rPr>
+                                  <m:t>𝛽</m:t>
+                                </m:r>
+                              </m:e>
+                              <m:sub>
+                                <m:r>
+                                  <a:rPr kumimoji="1" lang="en-US" altLang="ko-KR" i="1">
+                                    <a:latin typeface="Cambria Math" charset="0"/>
+                                  </a:rPr>
+                                  <m:t>𝑗</m:t>
+                                </m:r>
+                              </m:sub>
+                            </m:sSub>
+                          </m:e>
+                        </m:d>
+                      </m:e>
+                    </m:nary>
+                  </m:oMath>
+                </a14:m>
+                <a:r>
+                  <a:rPr kumimoji="1" lang="en-US" altLang="ko-KR" dirty="0" smtClean="0"/>
+                  <a:t> becomes smaller,</a:t>
+                </a:r>
+                <a:r>
+                  <a:rPr kumimoji="1" lang="ko-KR" altLang="en-US" dirty="0" smtClean="0"/>
+                  <a:t> </a:t>
+                </a:r>
+                <a:r>
+                  <a:rPr kumimoji="1" lang="en-US" altLang="ko-KR" dirty="0" smtClean="0"/>
+                  <a:t>if </a:t>
+                </a:r>
+                <a14:m>
+                  <m:oMath xmlns:m="http://schemas.openxmlformats.org/officeDocument/2006/math">
+                    <m:r>
+                      <a:rPr kumimoji="1" lang="en-US" altLang="ko-KR" b="0" i="1">
+                        <a:latin typeface="Cambria Math" charset="0"/>
+                      </a:rPr>
+                      <m:t>𝛼</m:t>
+                    </m:r>
+                  </m:oMath>
+                </a14:m>
+                <a:r>
+                  <a:rPr kumimoji="1" lang="en-US" altLang="ko-KR" dirty="0"/>
+                  <a:t> becomes </a:t>
+                </a:r>
+                <a:r>
+                  <a:rPr kumimoji="1" lang="en-US" altLang="ko-KR" dirty="0" smtClean="0"/>
+                  <a:t>larger.</a:t>
+                </a:r>
+                <a:br>
+                  <a:rPr kumimoji="1" lang="en-US" altLang="ko-KR" dirty="0" smtClean="0"/>
+                </a:br>
+                <a:r>
+                  <a:rPr kumimoji="1" lang="en-US" altLang="ko-KR" dirty="0" smtClean="0">
+                    <a:sym typeface="Wingdings"/>
+                  </a:rPr>
+                  <a:t> </a:t>
+                </a:r>
+                <a:r>
+                  <a:rPr kumimoji="1" lang="en-US" altLang="ko-KR" i="1" dirty="0" smtClean="0">
+                    <a:solidFill>
+                      <a:srgbClr val="FF0000"/>
+                    </a:solidFill>
+                    <a:sym typeface="Wingdings"/>
+                  </a:rPr>
+                  <a:t>Strong regularization!</a:t>
+                </a:r>
+                <a:endParaRPr kumimoji="1" lang="ko-KR" altLang="en-US" i="1" dirty="0">
+                  <a:solidFill>
+                    <a:srgbClr val="FF0000"/>
+                  </a:solidFill>
+                </a:endParaRPr>
+              </a:p>
+            </p:txBody>
+          </p:sp>
+        </mc:Choice>
+        <mc:Fallback xmlns="">
+          <p:sp>
+            <p:nvSpPr>
+              <p:cNvPr id="3" name="내용 개체 틀 2"/>
+              <p:cNvSpPr>
+                <a:spLocks noGrp="1" noRot="1" noChangeAspect="1" noMove="1" noResize="1" noEditPoints="1" noAdjustHandles="1" noChangeArrowheads="1" noChangeShapeType="1" noTextEdit="1"/>
+              </p:cNvSpPr>
+              <p:nvPr>
+                <p:ph idx="1"/>
+              </p:nvPr>
+            </p:nvSpPr>
+            <p:spPr>
+              <a:blipFill rotWithShape="0">
+                <a:blip r:embed="rId3"/>
+                <a:stretch>
+                  <a:fillRect l="-924"/>
+                </a:stretch>
+              </a:blipFill>
+            </p:spPr>
+            <p:txBody>
+              <a:bodyPr/>
+              <a:lstStyle/>
+              <a:p>
+                <a:r>
+                  <a:rPr lang="ko-KR" altLang="en-US">
+                    <a:noFill/>
+                  </a:rPr>
+                  <a:t> </a:t>
+                </a:r>
+              </a:p>
+            </p:txBody>
+          </p:sp>
+        </mc:Fallback>
+      </mc:AlternateContent>
+      <p:sp>
+        <p:nvSpPr>
+          <p:cNvPr id="4" name="슬라이드 번호 개체 틀 3"/>
+          <p:cNvSpPr>
+            <a:spLocks noGrp="1"/>
+          </p:cNvSpPr>
+          <p:nvPr>
+            <p:ph type="sldNum" sz="quarter" idx="12"/>
+          </p:nvPr>
+        </p:nvSpPr>
+        <p:spPr/>
+        <p:txBody>
+          <a:bodyPr/>
+          <a:lstStyle/>
+          <a:p>
+            <a:fld id="{918A4F77-6F25-441A-99FF-4E0EAB37E818}" type="slidenum">
+              <a:rPr lang="ko-KR" altLang="en-US" smtClean="0"/>
+              <a:t>15</a:t>
+            </a:fld>
+            <a:endParaRPr lang="ko-KR" altLang="en-US"/>
+          </a:p>
+        </p:txBody>
+      </p:sp>
+      <mc:AlternateContent xmlns:mc="http://schemas.openxmlformats.org/markup-compatibility/2006" xmlns:a14="http://schemas.microsoft.com/office/drawing/2010/main">
+        <mc:Choice Requires="a14">
+          <p:sp>
+            <p:nvSpPr>
+              <p:cNvPr id="5" name="텍스트 상자 4"/>
+              <p:cNvSpPr txBox="1"/>
+              <p:nvPr/>
+            </p:nvSpPr>
+            <p:spPr>
+              <a:xfrm>
+                <a:off x="3014663" y="5582181"/>
+                <a:ext cx="5673413" cy="830997"/>
+              </a:xfrm>
+              <a:prstGeom prst="rect">
+                <a:avLst/>
+              </a:prstGeom>
+              <a:noFill/>
+              <a:ln>
+                <a:solidFill>
+                  <a:srgbClr val="FF0000"/>
+                </a:solidFill>
+              </a:ln>
+            </p:spPr>
+            <p:txBody>
+              <a:bodyPr wrap="none" rtlCol="0">
+                <a:spAutoFit/>
+              </a:bodyPr>
+              <a:lstStyle/>
+              <a:p>
+                <a:r>
+                  <a:rPr kumimoji="1" lang="en-US" altLang="ko-KR" sz="2400" dirty="0" smtClean="0"/>
+                  <a:t>Small </a:t>
+                </a:r>
+                <a14:m>
+                  <m:oMath xmlns:m="http://schemas.openxmlformats.org/officeDocument/2006/math">
+                    <m:r>
+                      <a:rPr kumimoji="1" lang="en-US" altLang="ko-KR" sz="2400" i="1">
+                        <a:latin typeface="Cambria Math" charset="0"/>
+                      </a:rPr>
+                      <m:t>𝛼</m:t>
+                    </m:r>
+                  </m:oMath>
+                </a14:m>
+                <a:r>
+                  <a:rPr kumimoji="1" lang="en-US" altLang="ko-KR" sz="2400" dirty="0" smtClean="0"/>
+                  <a:t> </a:t>
+                </a:r>
+                <a:r>
+                  <a:rPr kumimoji="1" lang="en-US" altLang="ko-KR" sz="2400" dirty="0" smtClean="0">
+                    <a:sym typeface="Wingdings"/>
+                  </a:rPr>
+                  <a:t> Regularization strength is weak.</a:t>
+                </a:r>
+              </a:p>
+              <a:p>
+                <a:r>
+                  <a:rPr kumimoji="1" lang="en-US" altLang="ko-KR" sz="2400" dirty="0"/>
+                  <a:t>L</a:t>
+                </a:r>
+                <a:r>
+                  <a:rPr kumimoji="1" lang="en-US" altLang="ko-KR" sz="2400" dirty="0" smtClean="0"/>
+                  <a:t>arge </a:t>
+                </a:r>
+                <a14:m>
+                  <m:oMath xmlns:m="http://schemas.openxmlformats.org/officeDocument/2006/math">
+                    <m:r>
+                      <a:rPr kumimoji="1" lang="en-US" altLang="ko-KR" sz="2400" i="1">
+                        <a:latin typeface="Cambria Math" charset="0"/>
+                      </a:rPr>
+                      <m:t>𝛼</m:t>
+                    </m:r>
+                  </m:oMath>
+                </a14:m>
+                <a:r>
+                  <a:rPr kumimoji="1" lang="en-US" altLang="ko-KR" sz="2400" dirty="0"/>
+                  <a:t> </a:t>
+                </a:r>
+                <a:r>
+                  <a:rPr kumimoji="1" lang="en-US" altLang="ko-KR" sz="2400" dirty="0">
+                    <a:sym typeface="Wingdings"/>
+                  </a:rPr>
+                  <a:t> Regularization strength is </a:t>
+                </a:r>
+                <a:r>
+                  <a:rPr kumimoji="1" lang="en-US" altLang="ko-KR" sz="2400" dirty="0" smtClean="0">
+                    <a:sym typeface="Wingdings"/>
+                  </a:rPr>
+                  <a:t>stro</a:t>
+                </a:r>
+                <a:r>
+                  <a:rPr kumimoji="1" lang="en-US" altLang="ko-KR" sz="2400" dirty="0">
+                    <a:sym typeface="Wingdings"/>
+                  </a:rPr>
+                  <a:t>n</a:t>
+                </a:r>
+                <a:r>
+                  <a:rPr kumimoji="1" lang="en-US" altLang="ko-KR" sz="2400" dirty="0" smtClean="0">
+                    <a:sym typeface="Wingdings"/>
+                  </a:rPr>
+                  <a:t>g.</a:t>
+                </a:r>
+                <a:endParaRPr kumimoji="1" lang="ko-KR" altLang="en-US" sz="2400" dirty="0"/>
+              </a:p>
+            </p:txBody>
+          </p:sp>
+        </mc:Choice>
+        <mc:Fallback xmlns="">
+          <p:sp>
+            <p:nvSpPr>
+              <p:cNvPr id="5" name="텍스트 상자 4"/>
+              <p:cNvSpPr txBox="1">
+                <a:spLocks noRot="1" noChangeAspect="1" noMove="1" noResize="1" noEditPoints="1" noAdjustHandles="1" noChangeArrowheads="1" noChangeShapeType="1" noTextEdit="1"/>
+              </p:cNvSpPr>
+              <p:nvPr/>
+            </p:nvSpPr>
+            <p:spPr>
+              <a:xfrm>
+                <a:off x="3014663" y="5582181"/>
+                <a:ext cx="5673413" cy="830997"/>
+              </a:xfrm>
+              <a:prstGeom prst="rect">
+                <a:avLst/>
+              </a:prstGeom>
+              <a:blipFill rotWithShape="0">
+                <a:blip r:embed="rId4"/>
+                <a:stretch>
+                  <a:fillRect l="-1609" t="-5797" r="-536" b="-15217"/>
+                </a:stretch>
+              </a:blipFill>
+              <a:ln>
+                <a:solidFill>
+                  <a:srgbClr val="FF0000"/>
+                </a:solidFill>
+              </a:ln>
+            </p:spPr>
+            <p:txBody>
+              <a:bodyPr/>
+              <a:lstStyle/>
+              <a:p>
+                <a:r>
+                  <a:rPr lang="ko-KR" altLang="en-US">
+                    <a:noFill/>
+                  </a:rPr>
+                  <a:t> </a:t>
+                </a:r>
+              </a:p>
+            </p:txBody>
+          </p:sp>
+        </mc:Fallback>
+      </mc:AlternateContent>
+    </p:spTree>
+    <p:extLst>
+      <p:ext uri="{BB962C8B-B14F-4D97-AF65-F5344CB8AC3E}">
+        <p14:creationId xmlns:p14="http://schemas.microsoft.com/office/powerpoint/2010/main" val="473270670"/>
+      </p:ext>
+    </p:extLst>
+  </p:cSld>
+  <p:clrMapOvr>
+    <a:masterClrMapping/>
+  </p:clrMapOvr>
+</p:sld>
+</file>
+
+<file path=ppt/slides/slide16.xml><?xml version="1.0" encoding="utf-8"?>
+<p:sld xmlns:a="http://schemas.openxmlformats.org/drawingml/2006/main" xmlns:r="http://schemas.openxmlformats.org/officeDocument/2006/relationships" xmlns:p="http://schemas.openxmlformats.org/presentationml/2006/main">
+  <p:cSld>
+    <p:spTree>
+      <p:nvGrpSpPr>
+        <p:cNvPr id="1" name=""/>
+        <p:cNvGrpSpPr/>
+        <p:nvPr/>
+      </p:nvGrpSpPr>
+      <p:grpSpPr>
+        <a:xfrm>
+          <a:off x="0" y="0"/>
+          <a:ext cx="0" cy="0"/>
+          <a:chOff x="0" y="0"/>
+          <a:chExt cx="0" cy="0"/>
+        </a:xfrm>
+      </p:grpSpPr>
+      <mc:AlternateContent xmlns:mc="http://schemas.openxmlformats.org/markup-compatibility/2006" xmlns:a14="http://schemas.microsoft.com/office/drawing/2010/main">
+        <mc:Choice Requires="a14">
+          <p:sp>
+            <p:nvSpPr>
+              <p:cNvPr id="2" name="제목 1"/>
+              <p:cNvSpPr>
+                <a:spLocks noGrp="1"/>
+              </p:cNvSpPr>
+              <p:nvPr>
+                <p:ph type="title"/>
+              </p:nvPr>
+            </p:nvSpPr>
+            <p:spPr/>
+            <p:txBody>
+              <a:bodyPr/>
+              <a:lstStyle/>
+              <a:p>
+                <a:r>
+                  <a:rPr kumimoji="1" lang="en-US" altLang="ko-KR" dirty="0"/>
+                  <a:t>Parameter: </a:t>
+                </a:r>
+                <a14:m>
+                  <m:oMath xmlns:m="http://schemas.openxmlformats.org/officeDocument/2006/math">
+                    <m:r>
+                      <a:rPr kumimoji="1" lang="en-US" altLang="ko-KR" i="1">
+                        <a:latin typeface="Cambria Math" charset="0"/>
+                      </a:rPr>
+                      <m:t>𝜶</m:t>
+                    </m:r>
+                  </m:oMath>
+                </a14:m>
+                <a:r>
+                  <a:rPr kumimoji="1" lang="en-US" altLang="ko-KR" dirty="0"/>
+                  <a:t> (alpha)</a:t>
+                </a:r>
+                <a:endParaRPr kumimoji="1" lang="ko-KR" altLang="en-US" dirty="0"/>
+              </a:p>
+            </p:txBody>
+          </p:sp>
+        </mc:Choice>
+        <mc:Fallback xmlns="">
+          <p:sp>
+            <p:nvSpPr>
+              <p:cNvPr id="2" name="제목 1"/>
+              <p:cNvSpPr>
+                <a:spLocks noGrp="1" noRot="1" noChangeAspect="1" noMove="1" noResize="1" noEditPoints="1" noAdjustHandles="1" noChangeArrowheads="1" noChangeShapeType="1" noTextEdit="1"/>
+              </p:cNvSpPr>
+              <p:nvPr>
+                <p:ph type="title"/>
+              </p:nvPr>
+            </p:nvSpPr>
+            <p:spPr>
+              <a:blipFill rotWithShape="0">
+                <a:blip r:embed="rId2"/>
+                <a:stretch>
+                  <a:fillRect l="-1777" t="-794" b="-11111"/>
+                </a:stretch>
+              </a:blipFill>
+            </p:spPr>
+            <p:txBody>
+              <a:bodyPr/>
+              <a:lstStyle/>
+              <a:p>
+                <a:r>
+                  <a:rPr lang="ko-KR" altLang="en-US">
+                    <a:noFill/>
+                  </a:rPr>
+                  <a:t> </a:t>
+                </a:r>
+              </a:p>
+            </p:txBody>
+          </p:sp>
+        </mc:Fallback>
+      </mc:AlternateContent>
+      <mc:AlternateContent xmlns:mc="http://schemas.openxmlformats.org/markup-compatibility/2006">
+        <mc:Choice xmlns:a14="http://schemas.microsoft.com/office/drawing/2010/main" Requires="a14">
+          <p:sp>
+            <p:nvSpPr>
+              <p:cNvPr id="3" name="내용 개체 틀 2"/>
+              <p:cNvSpPr>
+                <a:spLocks noGrp="1"/>
+              </p:cNvSpPr>
+              <p:nvPr>
+                <p:ph idx="1"/>
+              </p:nvPr>
+            </p:nvSpPr>
+            <p:spPr/>
+            <p:txBody>
+              <a:bodyPr/>
+              <a:lstStyle/>
+              <a:p>
+                <a:r>
+                  <a:rPr kumimoji="1" lang="en-US" altLang="ko-KR" dirty="0" smtClean="0"/>
+                  <a:t>In Ridge,</a:t>
+                </a:r>
+              </a:p>
+              <a:p>
+                <a:pPr lvl="1"/>
+                <a:r>
+                  <a:rPr kumimoji="1" lang="en-US" altLang="ko-KR" dirty="0" smtClean="0"/>
+                  <a:t>The larger </a:t>
+                </a:r>
+                <a14:m>
+                  <m:oMath xmlns:m="http://schemas.openxmlformats.org/officeDocument/2006/math">
+                    <m:r>
+                      <a:rPr kumimoji="1" lang="en-US" altLang="ko-KR" b="0" i="1">
+                        <a:latin typeface="Cambria Math" charset="0"/>
+                      </a:rPr>
+                      <m:t>𝛼</m:t>
+                    </m:r>
+                  </m:oMath>
+                </a14:m>
+                <a:r>
+                  <a:rPr kumimoji="1" lang="en-US" altLang="ko-KR" dirty="0" smtClean="0"/>
+                  <a:t>, the greater the amount of shrinkage.</a:t>
+                </a:r>
+              </a:p>
+              <a:p>
+                <a:pPr lvl="2"/>
+                <a:r>
+                  <a:rPr kumimoji="1" lang="en-US" altLang="ko-KR" dirty="0"/>
+                  <a:t>The absolute value of all the coefficients becomes small.</a:t>
+                </a:r>
+                <a:endParaRPr kumimoji="1" lang="en-US" altLang="ko-KR" dirty="0" smtClean="0"/>
+              </a:p>
+              <a:p>
+                <a:pPr lvl="1"/>
+                <a:r>
+                  <a:rPr kumimoji="1" lang="en-US" altLang="ko-KR" dirty="0" smtClean="0"/>
+                  <a:t>We expect that the </a:t>
+                </a:r>
+                <a:br>
+                  <a:rPr kumimoji="1" lang="en-US" altLang="ko-KR" dirty="0" smtClean="0"/>
+                </a:br>
+                <a:r>
+                  <a:rPr kumimoji="1" lang="en-US" altLang="ko-KR" dirty="0" smtClean="0"/>
+                  <a:t>coefficients become </a:t>
+                </a:r>
+                <a:br>
+                  <a:rPr kumimoji="1" lang="en-US" altLang="ko-KR" dirty="0" smtClean="0"/>
+                </a:br>
+                <a:r>
+                  <a:rPr kumimoji="1" lang="en-US" altLang="ko-KR" dirty="0" smtClean="0"/>
+                  <a:t>more robust to collinearity.</a:t>
+                </a:r>
+                <a:endParaRPr kumimoji="1" lang="en-US" altLang="ko-KR" dirty="0" smtClean="0"/>
+              </a:p>
+              <a:p>
+                <a:endParaRPr kumimoji="1" lang="ko-KR" altLang="en-US" dirty="0"/>
+              </a:p>
+            </p:txBody>
+          </p:sp>
+        </mc:Choice>
+        <mc:Fallback>
+          <p:sp>
+            <p:nvSpPr>
+              <p:cNvPr id="3" name="내용 개체 틀 2"/>
+              <p:cNvSpPr>
+                <a:spLocks noGrp="1" noRot="1" noChangeAspect="1" noMove="1" noResize="1" noEditPoints="1" noAdjustHandles="1" noChangeArrowheads="1" noChangeShapeType="1" noTextEdit="1"/>
+              </p:cNvSpPr>
+              <p:nvPr>
+                <p:ph idx="1"/>
+              </p:nvPr>
+            </p:nvSpPr>
+            <p:spPr>
+              <a:blipFill rotWithShape="0">
+                <a:blip r:embed="rId3"/>
+                <a:stretch>
+                  <a:fillRect l="-924"/>
+                </a:stretch>
+              </a:blipFill>
+            </p:spPr>
+            <p:txBody>
+              <a:bodyPr/>
+              <a:lstStyle/>
+              <a:p>
+                <a:r>
+                  <a:rPr lang="ko-KR" altLang="en-US">
+                    <a:noFill/>
+                  </a:rPr>
+                  <a:t> </a:t>
+                </a:r>
+              </a:p>
+            </p:txBody>
+          </p:sp>
+        </mc:Fallback>
+      </mc:AlternateContent>
+      <p:sp>
+        <p:nvSpPr>
+          <p:cNvPr id="4" name="슬라이드 번호 개체 틀 3"/>
+          <p:cNvSpPr>
+            <a:spLocks noGrp="1"/>
+          </p:cNvSpPr>
+          <p:nvPr>
+            <p:ph type="sldNum" sz="quarter" idx="12"/>
+          </p:nvPr>
+        </p:nvSpPr>
+        <p:spPr/>
+        <p:txBody>
+          <a:bodyPr/>
+          <a:lstStyle/>
+          <a:p>
+            <a:fld id="{918A4F77-6F25-441A-99FF-4E0EAB37E818}" type="slidenum">
+              <a:rPr lang="ko-KR" altLang="en-US" smtClean="0"/>
+              <a:t>16</a:t>
+            </a:fld>
+            <a:endParaRPr lang="ko-KR" altLang="en-US"/>
+          </a:p>
+        </p:txBody>
+      </p:sp>
+      <p:pic>
+        <p:nvPicPr>
+          <p:cNvPr id="5" name="그림 4"/>
+          <p:cNvPicPr>
+            <a:picLocks noChangeAspect="1"/>
+          </p:cNvPicPr>
+          <p:nvPr/>
+        </p:nvPicPr>
+        <p:blipFill>
+          <a:blip r:embed="rId4"/>
+          <a:stretch>
+            <a:fillRect/>
+          </a:stretch>
+        </p:blipFill>
+        <p:spPr>
+          <a:xfrm>
+            <a:off x="3832412" y="2415150"/>
+            <a:ext cx="5311588" cy="3983691"/>
+          </a:xfrm>
+          <a:prstGeom prst="rect">
+            <a:avLst/>
+          </a:prstGeom>
+        </p:spPr>
+      </p:pic>
+      <p:sp>
+        <p:nvSpPr>
+          <p:cNvPr id="6" name="직사각형 5">
+            <a:extLst>
+              <a:ext uri="{FF2B5EF4-FFF2-40B4-BE49-F238E27FC236}">
+                <a16:creationId xmlns="" xmlns:a16="http://schemas.microsoft.com/office/drawing/2014/main" id="{15449AC0-91B0-411B-9329-C40FE732F96D}"/>
+              </a:ext>
+            </a:extLst>
+          </p:cNvPr>
+          <p:cNvSpPr/>
+          <p:nvPr/>
+        </p:nvSpPr>
+        <p:spPr>
+          <a:xfrm>
+            <a:off x="0" y="6520491"/>
+            <a:ext cx="6497053" cy="307777"/>
+          </a:xfrm>
+          <a:prstGeom prst="rect">
+            <a:avLst/>
+          </a:prstGeom>
+        </p:spPr>
+        <p:txBody>
+          <a:bodyPr wrap="square">
+            <a:spAutoFit/>
+          </a:bodyPr>
+          <a:lstStyle/>
+          <a:p>
+            <a:r>
+              <a:rPr lang="en-US" altLang="ko-KR" sz="1400" dirty="0">
+                <a:hlinkClick r:id="rId5"/>
+              </a:rPr>
+              <a:t>http://</a:t>
+            </a:r>
+            <a:r>
+              <a:rPr lang="en-US" altLang="ko-KR" sz="1400" dirty="0" smtClean="0">
+                <a:hlinkClick r:id="rId5"/>
+              </a:rPr>
+              <a:t>scikit-learn.org/stable/modules/linear_model.html</a:t>
+            </a:r>
+            <a:endParaRPr lang="en-US" altLang="ko-KR" sz="1400" dirty="0" smtClean="0"/>
+          </a:p>
+        </p:txBody>
+      </p:sp>
+    </p:spTree>
+    <p:extLst>
+      <p:ext uri="{BB962C8B-B14F-4D97-AF65-F5344CB8AC3E}">
+        <p14:creationId xmlns:p14="http://schemas.microsoft.com/office/powerpoint/2010/main" val="1221016694"/>
+      </p:ext>
+    </p:extLst>
+  </p:cSld>
+  <p:clrMapOvr>
+    <a:masterClrMapping/>
+  </p:clrMapOvr>
+</p:sld>
+</file>
+
+<file path=ppt/slides/slide17.xml><?xml version="1.0" encoding="utf-8"?>
+<p:sld xmlns:a="http://schemas.openxmlformats.org/drawingml/2006/main" xmlns:r="http://schemas.openxmlformats.org/officeDocument/2006/relationships" xmlns:p="http://schemas.openxmlformats.org/presentationml/2006/main">
+  <p:cSld>
+    <p:spTree>
+      <p:nvGrpSpPr>
+        <p:cNvPr id="1" name=""/>
+        <p:cNvGrpSpPr/>
+        <p:nvPr/>
+      </p:nvGrpSpPr>
+      <p:grpSpPr>
+        <a:xfrm>
+          <a:off x="0" y="0"/>
+          <a:ext cx="0" cy="0"/>
+          <a:chOff x="0" y="0"/>
+          <a:chExt cx="0" cy="0"/>
+        </a:xfrm>
+      </p:grpSpPr>
+      <mc:AlternateContent xmlns:mc="http://schemas.openxmlformats.org/markup-compatibility/2006" xmlns:a14="http://schemas.microsoft.com/office/drawing/2010/main">
+        <mc:Choice Requires="a14">
+          <p:sp>
+            <p:nvSpPr>
+              <p:cNvPr id="2" name="제목 1"/>
+              <p:cNvSpPr>
+                <a:spLocks noGrp="1"/>
+              </p:cNvSpPr>
+              <p:nvPr>
+                <p:ph type="title"/>
+              </p:nvPr>
+            </p:nvSpPr>
+            <p:spPr/>
+            <p:txBody>
+              <a:bodyPr/>
+              <a:lstStyle/>
+              <a:p>
+                <a:r>
+                  <a:rPr kumimoji="1" lang="en-US" altLang="ko-KR" dirty="0"/>
+                  <a:t>Parameter: </a:t>
+                </a:r>
+                <a14:m>
+                  <m:oMath xmlns:m="http://schemas.openxmlformats.org/officeDocument/2006/math">
+                    <m:r>
+                      <a:rPr kumimoji="1" lang="en-US" altLang="ko-KR" i="1">
+                        <a:latin typeface="Cambria Math" charset="0"/>
+                      </a:rPr>
+                      <m:t>𝜶</m:t>
+                    </m:r>
+                  </m:oMath>
+                </a14:m>
+                <a:r>
+                  <a:rPr kumimoji="1" lang="en-US" altLang="ko-KR" dirty="0"/>
+                  <a:t> (alpha)</a:t>
+                </a:r>
+                <a:endParaRPr kumimoji="1" lang="ko-KR" altLang="en-US" dirty="0"/>
+              </a:p>
+            </p:txBody>
+          </p:sp>
+        </mc:Choice>
+        <mc:Fallback xmlns="">
+          <p:sp>
+            <p:nvSpPr>
+              <p:cNvPr id="2" name="제목 1"/>
+              <p:cNvSpPr>
+                <a:spLocks noGrp="1" noRot="1" noChangeAspect="1" noMove="1" noResize="1" noEditPoints="1" noAdjustHandles="1" noChangeArrowheads="1" noChangeShapeType="1" noTextEdit="1"/>
+              </p:cNvSpPr>
+              <p:nvPr>
+                <p:ph type="title"/>
+              </p:nvPr>
+            </p:nvSpPr>
+            <p:spPr>
+              <a:blipFill rotWithShape="0">
+                <a:blip r:embed="rId2"/>
+                <a:stretch>
+                  <a:fillRect l="-1777" t="-794" b="-11111"/>
+                </a:stretch>
+              </a:blipFill>
+            </p:spPr>
+            <p:txBody>
+              <a:bodyPr/>
+              <a:lstStyle/>
+              <a:p>
+                <a:r>
+                  <a:rPr lang="ko-KR" altLang="en-US">
+                    <a:noFill/>
+                  </a:rPr>
+                  <a:t> </a:t>
+                </a:r>
+              </a:p>
+            </p:txBody>
+          </p:sp>
+        </mc:Fallback>
+      </mc:AlternateContent>
+      <mc:AlternateContent xmlns:mc="http://schemas.openxmlformats.org/markup-compatibility/2006">
+        <mc:Choice xmlns:a14="http://schemas.microsoft.com/office/drawing/2010/main" Requires="a14">
+          <p:sp>
+            <p:nvSpPr>
+              <p:cNvPr id="3" name="내용 개체 틀 2"/>
+              <p:cNvSpPr>
+                <a:spLocks noGrp="1"/>
+              </p:cNvSpPr>
+              <p:nvPr>
+                <p:ph idx="1"/>
+              </p:nvPr>
+            </p:nvSpPr>
+            <p:spPr/>
+            <p:txBody>
+              <a:bodyPr/>
+              <a:lstStyle/>
+              <a:p>
+                <a:r>
+                  <a:rPr kumimoji="1" lang="en-US" altLang="ko-KR" dirty="0" smtClean="0"/>
+                  <a:t>In Lasso,</a:t>
+                </a:r>
+              </a:p>
+              <a:p>
+                <a:pPr lvl="1"/>
+                <a:r>
+                  <a:rPr kumimoji="1" lang="en-US" altLang="ko-KR" dirty="0" smtClean="0"/>
+                  <a:t>The larger </a:t>
+                </a:r>
+                <a14:m>
+                  <m:oMath xmlns:m="http://schemas.openxmlformats.org/officeDocument/2006/math">
+                    <m:r>
+                      <a:rPr kumimoji="1" lang="en-US" altLang="ko-KR" b="0" i="1">
+                        <a:latin typeface="Cambria Math" charset="0"/>
+                      </a:rPr>
+                      <m:t>𝛼</m:t>
+                    </m:r>
+                  </m:oMath>
+                </a14:m>
+                <a:r>
+                  <a:rPr kumimoji="1" lang="en-US" altLang="ko-KR" dirty="0" smtClean="0"/>
+                  <a:t>, the fewer the non-zero coefficients.</a:t>
+                </a:r>
+              </a:p>
+              <a:p>
+                <a:pPr lvl="2"/>
+                <a:r>
+                  <a:rPr kumimoji="1" lang="en-US" altLang="ko-KR" b="1" i="1" dirty="0" smtClean="0"/>
+                  <a:t>Sparse</a:t>
+                </a:r>
+                <a:r>
+                  <a:rPr kumimoji="1" lang="en-US" altLang="ko-KR" dirty="0" smtClean="0"/>
+                  <a:t> modeling</a:t>
+                </a:r>
+              </a:p>
+              <a:p>
+                <a:pPr lvl="1"/>
+                <a:r>
+                  <a:rPr kumimoji="1" lang="en-US" altLang="ko-KR" dirty="0"/>
+                  <a:t>It is useful in some contexts due to its tendency to prefer solutions with fewer parameter values, effectively reducing the number of variables upon which the given solution is </a:t>
+                </a:r>
+                <a:r>
+                  <a:rPr kumimoji="1" lang="en-US" altLang="ko-KR" dirty="0" smtClean="0"/>
+                  <a:t>dependent.</a:t>
+                </a:r>
+                <a:endParaRPr kumimoji="1" lang="en-US" altLang="ko-KR" dirty="0" smtClean="0"/>
+              </a:p>
+              <a:p>
+                <a:endParaRPr kumimoji="1" lang="ko-KR" altLang="en-US" dirty="0"/>
+              </a:p>
+            </p:txBody>
+          </p:sp>
+        </mc:Choice>
+        <mc:Fallback>
+          <p:sp>
+            <p:nvSpPr>
+              <p:cNvPr id="3" name="내용 개체 틀 2"/>
+              <p:cNvSpPr>
+                <a:spLocks noGrp="1" noRot="1" noChangeAspect="1" noMove="1" noResize="1" noEditPoints="1" noAdjustHandles="1" noChangeArrowheads="1" noChangeShapeType="1" noTextEdit="1"/>
+              </p:cNvSpPr>
+              <p:nvPr>
+                <p:ph idx="1"/>
+              </p:nvPr>
+            </p:nvSpPr>
+            <p:spPr>
+              <a:blipFill rotWithShape="0">
+                <a:blip r:embed="rId3"/>
+                <a:stretch>
+                  <a:fillRect l="-924"/>
+                </a:stretch>
+              </a:blipFill>
+            </p:spPr>
+            <p:txBody>
+              <a:bodyPr/>
+              <a:lstStyle/>
+              <a:p>
+                <a:r>
+                  <a:rPr lang="ko-KR" altLang="en-US">
+                    <a:noFill/>
+                  </a:rPr>
+                  <a:t> </a:t>
+                </a:r>
+              </a:p>
+            </p:txBody>
+          </p:sp>
+        </mc:Fallback>
+      </mc:AlternateContent>
+      <p:sp>
+        <p:nvSpPr>
+          <p:cNvPr id="4" name="슬라이드 번호 개체 틀 3"/>
+          <p:cNvSpPr>
+            <a:spLocks noGrp="1"/>
+          </p:cNvSpPr>
+          <p:nvPr>
+            <p:ph type="sldNum" sz="quarter" idx="12"/>
+          </p:nvPr>
+        </p:nvSpPr>
+        <p:spPr/>
+        <p:txBody>
+          <a:bodyPr/>
+          <a:lstStyle/>
+          <a:p>
+            <a:fld id="{918A4F77-6F25-441A-99FF-4E0EAB37E818}" type="slidenum">
+              <a:rPr lang="ko-KR" altLang="en-US" smtClean="0"/>
+              <a:t>17</a:t>
+            </a:fld>
+            <a:endParaRPr lang="ko-KR" altLang="en-US"/>
+          </a:p>
+        </p:txBody>
+      </p:sp>
+      <p:sp>
+        <p:nvSpPr>
+          <p:cNvPr id="6" name="직사각형 5">
+            <a:extLst>
+              <a:ext uri="{FF2B5EF4-FFF2-40B4-BE49-F238E27FC236}">
+                <a16:creationId xmlns="" xmlns:a16="http://schemas.microsoft.com/office/drawing/2014/main" id="{15449AC0-91B0-411B-9329-C40FE732F96D}"/>
+              </a:ext>
+            </a:extLst>
+          </p:cNvPr>
+          <p:cNvSpPr/>
+          <p:nvPr/>
+        </p:nvSpPr>
+        <p:spPr>
+          <a:xfrm>
+            <a:off x="0" y="6520491"/>
+            <a:ext cx="6497053" cy="307777"/>
+          </a:xfrm>
+          <a:prstGeom prst="rect">
+            <a:avLst/>
+          </a:prstGeom>
+        </p:spPr>
+        <p:txBody>
+          <a:bodyPr wrap="square">
+            <a:spAutoFit/>
+          </a:bodyPr>
+          <a:lstStyle/>
+          <a:p>
+            <a:r>
+              <a:rPr lang="en-US" altLang="ko-KR" sz="1400" dirty="0">
+                <a:hlinkClick r:id="rId4"/>
+              </a:rPr>
+              <a:t>http://</a:t>
+            </a:r>
+            <a:r>
+              <a:rPr lang="en-US" altLang="ko-KR" sz="1400" dirty="0" smtClean="0">
+                <a:hlinkClick r:id="rId4"/>
+              </a:rPr>
+              <a:t>scikit-learn.org/stable/modules/linear_model.html</a:t>
+            </a:r>
+            <a:endParaRPr lang="en-US" altLang="ko-KR" sz="1400" dirty="0" smtClean="0"/>
+          </a:p>
+        </p:txBody>
+      </p:sp>
+    </p:spTree>
+    <p:extLst>
+      <p:ext uri="{BB962C8B-B14F-4D97-AF65-F5344CB8AC3E}">
+        <p14:creationId xmlns:p14="http://schemas.microsoft.com/office/powerpoint/2010/main" val="1984205540"/>
+      </p:ext>
+    </p:extLst>
+  </p:cSld>
+  <p:clrMapOvr>
+    <a:masterClrMapping/>
+  </p:clrMapOvr>
+</p:sld>
+</file>
+
+<file path=ppt/slides/slide18.xml><?xml version="1.0" encoding="utf-8"?>
+<p:sld xmlns:a="http://schemas.openxmlformats.org/drawingml/2006/main" xmlns:r="http://schemas.openxmlformats.org/officeDocument/2006/relationships" xmlns:p="http://schemas.openxmlformats.org/presentationml/2006/main">
+  <p:cSld>
+    <p:spTree>
+      <p:nvGrpSpPr>
+        <p:cNvPr id="1" name=""/>
+        <p:cNvGrpSpPr/>
+        <p:nvPr/>
+      </p:nvGrpSpPr>
+      <p:grpSpPr>
+        <a:xfrm>
+          <a:off x="0" y="0"/>
+          <a:ext cx="0" cy="0"/>
+          <a:chOff x="0" y="0"/>
+          <a:chExt cx="0" cy="0"/>
+        </a:xfrm>
+      </p:grpSpPr>
+      <mc:AlternateContent xmlns:mc="http://schemas.openxmlformats.org/markup-compatibility/2006" xmlns:a14="http://schemas.microsoft.com/office/drawing/2010/main">
+        <mc:Choice Requires="a14">
+          <p:sp>
+            <p:nvSpPr>
+              <p:cNvPr id="2" name="제목 1"/>
+              <p:cNvSpPr>
+                <a:spLocks noGrp="1"/>
+              </p:cNvSpPr>
+              <p:nvPr>
+                <p:ph type="title"/>
+              </p:nvPr>
+            </p:nvSpPr>
+            <p:spPr/>
+            <p:txBody>
+              <a:bodyPr/>
+              <a:lstStyle/>
+              <a:p>
+                <a:r>
+                  <a:rPr kumimoji="1" lang="en-US" altLang="ko-KR" dirty="0"/>
+                  <a:t>Parameter: </a:t>
+                </a:r>
+                <a14:m>
+                  <m:oMath xmlns:m="http://schemas.openxmlformats.org/officeDocument/2006/math">
+                    <m:r>
+                      <a:rPr kumimoji="1" lang="en-US" altLang="ko-KR" i="1">
+                        <a:latin typeface="Cambria Math" charset="0"/>
+                      </a:rPr>
+                      <m:t>𝜶</m:t>
+                    </m:r>
+                  </m:oMath>
+                </a14:m>
+                <a:r>
+                  <a:rPr kumimoji="1" lang="en-US" altLang="ko-KR" dirty="0"/>
+                  <a:t> (alpha)</a:t>
+                </a:r>
+                <a:endParaRPr kumimoji="1" lang="ko-KR" altLang="en-US" dirty="0"/>
+              </a:p>
+            </p:txBody>
+          </p:sp>
+        </mc:Choice>
+        <mc:Fallback xmlns="">
+          <p:sp>
+            <p:nvSpPr>
+              <p:cNvPr id="2" name="제목 1"/>
+              <p:cNvSpPr>
+                <a:spLocks noGrp="1" noRot="1" noChangeAspect="1" noMove="1" noResize="1" noEditPoints="1" noAdjustHandles="1" noChangeArrowheads="1" noChangeShapeType="1" noTextEdit="1"/>
+              </p:cNvSpPr>
+              <p:nvPr>
+                <p:ph type="title"/>
+              </p:nvPr>
+            </p:nvSpPr>
+            <p:spPr>
+              <a:blipFill rotWithShape="0">
+                <a:blip r:embed="rId2"/>
+                <a:stretch>
+                  <a:fillRect l="-1777" t="-794" b="-11111"/>
+                </a:stretch>
+              </a:blipFill>
+            </p:spPr>
+            <p:txBody>
+              <a:bodyPr/>
+              <a:lstStyle/>
+              <a:p>
+                <a:r>
+                  <a:rPr lang="ko-KR" altLang="en-US">
+                    <a:noFill/>
+                  </a:rPr>
+                  <a:t> </a:t>
+                </a:r>
+              </a:p>
+            </p:txBody>
+          </p:sp>
+        </mc:Fallback>
+      </mc:AlternateContent>
+      <p:sp>
+        <p:nvSpPr>
+          <p:cNvPr id="3" name="내용 개체 틀 2"/>
+          <p:cNvSpPr>
+            <a:spLocks noGrp="1"/>
+          </p:cNvSpPr>
+          <p:nvPr>
+            <p:ph idx="1"/>
+          </p:nvPr>
+        </p:nvSpPr>
+        <p:spPr/>
+        <p:txBody>
+          <a:bodyPr/>
+          <a:lstStyle/>
+          <a:p>
+            <a:r>
+              <a:rPr kumimoji="1" lang="en-US" altLang="ko-KR" dirty="0" smtClean="0"/>
+              <a:t>You can control this parameter when using Ridge and </a:t>
+            </a:r>
+            <a:r>
+              <a:rPr kumimoji="1" lang="en-US" altLang="ko-KR" dirty="0" smtClean="0"/>
+              <a:t>Lasso</a:t>
+            </a:r>
+            <a:r>
+              <a:rPr kumimoji="1" lang="ko-KR" altLang="en-US" dirty="0" smtClean="0"/>
+              <a:t> </a:t>
+            </a:r>
+            <a:r>
+              <a:rPr kumimoji="1" lang="en-US" altLang="ko-KR" dirty="0" smtClean="0"/>
+              <a:t>in </a:t>
+            </a:r>
+            <a:r>
+              <a:rPr kumimoji="1" lang="en-US" altLang="ko-KR" dirty="0" err="1" smtClean="0"/>
+              <a:t>scikit</a:t>
+            </a:r>
+            <a:r>
+              <a:rPr kumimoji="1" lang="en-US" altLang="ko-KR" dirty="0" smtClean="0"/>
+              <a:t>-learn.</a:t>
+            </a:r>
+            <a:endParaRPr kumimoji="1" lang="ko-KR" altLang="en-US" dirty="0"/>
+          </a:p>
+        </p:txBody>
+      </p:sp>
+      <p:sp>
+        <p:nvSpPr>
+          <p:cNvPr id="4" name="슬라이드 번호 개체 틀 3"/>
+          <p:cNvSpPr>
+            <a:spLocks noGrp="1"/>
+          </p:cNvSpPr>
+          <p:nvPr>
+            <p:ph type="sldNum" sz="quarter" idx="12"/>
+          </p:nvPr>
+        </p:nvSpPr>
+        <p:spPr/>
+        <p:txBody>
+          <a:bodyPr/>
+          <a:lstStyle/>
+          <a:p>
+            <a:fld id="{918A4F77-6F25-441A-99FF-4E0EAB37E818}" type="slidenum">
+              <a:rPr lang="ko-KR" altLang="en-US" smtClean="0"/>
+              <a:t>18</a:t>
+            </a:fld>
+            <a:endParaRPr lang="ko-KR" altLang="en-US"/>
+          </a:p>
+        </p:txBody>
+      </p:sp>
+      <p:pic>
+        <p:nvPicPr>
+          <p:cNvPr id="5" name="그림 4"/>
+          <p:cNvPicPr>
+            <a:picLocks noChangeAspect="1"/>
+          </p:cNvPicPr>
+          <p:nvPr/>
+        </p:nvPicPr>
+        <p:blipFill>
+          <a:blip r:embed="rId3"/>
+          <a:stretch>
+            <a:fillRect/>
+          </a:stretch>
+        </p:blipFill>
+        <p:spPr>
+          <a:xfrm>
+            <a:off x="388879" y="2002887"/>
+            <a:ext cx="7701314" cy="1143088"/>
+          </a:xfrm>
+          <a:prstGeom prst="rect">
+            <a:avLst/>
+          </a:prstGeom>
+        </p:spPr>
+      </p:pic>
+      <p:sp>
+        <p:nvSpPr>
+          <p:cNvPr id="7" name="직사각형 6">
+            <a:extLst>
+              <a:ext uri="{FF2B5EF4-FFF2-40B4-BE49-F238E27FC236}">
+                <a16:creationId xmlns="" xmlns:a16="http://schemas.microsoft.com/office/drawing/2014/main" id="{15449AC0-91B0-411B-9329-C40FE732F96D}"/>
+              </a:ext>
+            </a:extLst>
+          </p:cNvPr>
+          <p:cNvSpPr/>
+          <p:nvPr/>
+        </p:nvSpPr>
+        <p:spPr>
+          <a:xfrm>
+            <a:off x="0" y="6306176"/>
+            <a:ext cx="6497053" cy="523220"/>
+          </a:xfrm>
+          <a:prstGeom prst="rect">
+            <a:avLst/>
+          </a:prstGeom>
+        </p:spPr>
+        <p:txBody>
+          <a:bodyPr wrap="square">
+            <a:spAutoFit/>
+          </a:bodyPr>
+          <a:lstStyle/>
+          <a:p>
+            <a:r>
+              <a:rPr lang="ko-KR" altLang="en-US" sz="1400" dirty="0">
+                <a:hlinkClick r:id="rId4"/>
+              </a:rPr>
+              <a:t>http://</a:t>
+            </a:r>
+            <a:r>
+              <a:rPr lang="ko-KR" altLang="en-US" sz="1400" dirty="0" smtClean="0">
+                <a:hlinkClick r:id="rId4"/>
+              </a:rPr>
+              <a:t>scikit-learn.org/stable/modules/generated/sklearn.linear_model.Ridge.html</a:t>
+            </a:r>
+            <a:endParaRPr lang="en-US" altLang="ko-KR" sz="1400" dirty="0" smtClean="0"/>
+          </a:p>
+          <a:p>
+            <a:r>
+              <a:rPr lang="en-US" altLang="ko-KR" sz="1400" dirty="0">
+                <a:hlinkClick r:id="rId5"/>
+              </a:rPr>
+              <a:t>http://</a:t>
+            </a:r>
+            <a:r>
+              <a:rPr lang="en-US" altLang="ko-KR" sz="1400" dirty="0" smtClean="0">
+                <a:hlinkClick r:id="rId5"/>
+              </a:rPr>
+              <a:t>scikit-learn.org/stable/modules/generated/sklearn.linear_model.Lasso.html</a:t>
+            </a:r>
+            <a:endParaRPr lang="en-US" altLang="ko-KR" sz="1400" dirty="0" smtClean="0"/>
+          </a:p>
+        </p:txBody>
+      </p:sp>
+      <p:pic>
+        <p:nvPicPr>
+          <p:cNvPr id="8" name="그림 7"/>
+          <p:cNvPicPr>
+            <a:picLocks noChangeAspect="1"/>
+          </p:cNvPicPr>
+          <p:nvPr/>
+        </p:nvPicPr>
+        <p:blipFill>
+          <a:blip r:embed="rId6"/>
+          <a:stretch>
+            <a:fillRect/>
+          </a:stretch>
+        </p:blipFill>
+        <p:spPr>
+          <a:xfrm>
+            <a:off x="388879" y="3352543"/>
+            <a:ext cx="7701310" cy="1398473"/>
+          </a:xfrm>
+          <a:prstGeom prst="rect">
+            <a:avLst/>
+          </a:prstGeom>
+        </p:spPr>
+      </p:pic>
+      <p:sp>
+        <p:nvSpPr>
+          <p:cNvPr id="9" name="직사각형 8"/>
+          <p:cNvSpPr/>
+          <p:nvPr/>
+        </p:nvSpPr>
+        <p:spPr>
+          <a:xfrm>
+            <a:off x="4371975" y="2136401"/>
+            <a:ext cx="1000125" cy="342900"/>
+          </a:xfrm>
+          <a:prstGeom prst="rect">
+            <a:avLst/>
+          </a:prstGeom>
+          <a:noFill/>
+          <a:ln>
+            <a:solidFill>
+              <a:srgbClr val="FF0000"/>
+            </a:solidFill>
+          </a:ln>
+        </p:spPr>
+        <p:style>
+          <a:lnRef idx="2">
+            <a:schemeClr val="accent1">
+              <a:shade val="50000"/>
+            </a:schemeClr>
+          </a:lnRef>
+          <a:fillRef idx="1">
+            <a:schemeClr val="accent1"/>
+          </a:fillRef>
+          <a:effectRef idx="0">
+            <a:schemeClr val="accent1"/>
+          </a:effectRef>
+          <a:fontRef idx="minor">
+            <a:schemeClr val="lt1"/>
+          </a:fontRef>
+        </p:style>
+        <p:txBody>
+          <a:bodyPr rtlCol="0" anchor="ctr"/>
+          <a:lstStyle/>
+          <a:p>
+            <a:pPr algn="ctr"/>
+            <a:endParaRPr kumimoji="1" lang="ko-KR" altLang="en-US"/>
+          </a:p>
+        </p:txBody>
+      </p:sp>
+      <p:sp>
+        <p:nvSpPr>
+          <p:cNvPr id="10" name="직사각형 9"/>
+          <p:cNvSpPr/>
+          <p:nvPr/>
+        </p:nvSpPr>
+        <p:spPr>
+          <a:xfrm>
+            <a:off x="4371974" y="3462993"/>
+            <a:ext cx="1000125" cy="342900"/>
+          </a:xfrm>
+          <a:prstGeom prst="rect">
+            <a:avLst/>
+          </a:prstGeom>
+          <a:noFill/>
+          <a:ln>
+            <a:solidFill>
+              <a:srgbClr val="FF0000"/>
+            </a:solidFill>
+          </a:ln>
+        </p:spPr>
+        <p:style>
+          <a:lnRef idx="2">
+            <a:schemeClr val="accent1">
+              <a:shade val="50000"/>
+            </a:schemeClr>
+          </a:lnRef>
+          <a:fillRef idx="1">
+            <a:schemeClr val="accent1"/>
+          </a:fillRef>
+          <a:effectRef idx="0">
+            <a:schemeClr val="accent1"/>
+          </a:effectRef>
+          <a:fontRef idx="minor">
+            <a:schemeClr val="lt1"/>
+          </a:fontRef>
+        </p:style>
+        <p:txBody>
+          <a:bodyPr rtlCol="0" anchor="ctr"/>
+          <a:lstStyle/>
+          <a:p>
+            <a:pPr algn="ctr"/>
+            <a:endParaRPr kumimoji="1" lang="ko-KR" altLang="en-US"/>
+          </a:p>
+        </p:txBody>
+      </p:sp>
+    </p:spTree>
+    <p:extLst>
+      <p:ext uri="{BB962C8B-B14F-4D97-AF65-F5344CB8AC3E}">
+        <p14:creationId xmlns:p14="http://schemas.microsoft.com/office/powerpoint/2010/main" val="259442228"/>
+      </p:ext>
+    </p:extLst>
+  </p:cSld>
+  <p:clrMapOvr>
+    <a:masterClrMapping/>
+  </p:clrMapOvr>
+</p:sld>
+</file>
+
 <file path=ppt/slides/slide2.xml><?xml version="1.0" encoding="utf-8"?>
 <p:sld xmlns:a="http://schemas.openxmlformats.org/drawingml/2006/main" xmlns:r="http://schemas.openxmlformats.org/officeDocument/2006/relationships" xmlns:p="http://schemas.openxmlformats.org/presentationml/2006/main">
   <p:cSld>
@@ -4012,10 +9675,177 @@
       </p:grpSpPr>
       <p:sp>
         <p:nvSpPr>
+          <p:cNvPr id="4" name="슬라이드 번호 개체 틀 3"/>
+          <p:cNvSpPr>
+            <a:spLocks noGrp="1"/>
+          </p:cNvSpPr>
+          <p:nvPr>
+            <p:ph type="sldNum" sz="quarter" idx="12"/>
+          </p:nvPr>
+        </p:nvSpPr>
+        <p:spPr/>
+        <p:txBody>
+          <a:bodyPr/>
+          <a:lstStyle/>
+          <a:p>
+            <a:fld id="{918A4F77-6F25-441A-99FF-4E0EAB37E818}" type="slidenum">
+              <a:rPr lang="ko-KR" altLang="en-US" smtClean="0"/>
+              <a:t>2</a:t>
+            </a:fld>
+            <a:endParaRPr lang="ko-KR" altLang="en-US"/>
+          </a:p>
+        </p:txBody>
+      </p:sp>
+      <p:sp>
+        <p:nvSpPr>
+          <p:cNvPr id="6" name="제목 5"/>
+          <p:cNvSpPr>
+            <a:spLocks noGrp="1"/>
+          </p:cNvSpPr>
+          <p:nvPr>
+            <p:ph type="title"/>
+          </p:nvPr>
+        </p:nvSpPr>
+        <p:spPr/>
+        <p:txBody>
+          <a:bodyPr/>
+          <a:lstStyle/>
+          <a:p>
+            <a:r>
+              <a:rPr kumimoji="1" lang="en-US" altLang="ko-KR" dirty="0" smtClean="0"/>
+              <a:t>Predictive modeling</a:t>
+            </a:r>
+            <a:endParaRPr kumimoji="1" lang="ko-KR" altLang="en-US" dirty="0"/>
+          </a:p>
+        </p:txBody>
+      </p:sp>
+      <p:sp>
+        <p:nvSpPr>
+          <p:cNvPr id="7" name="텍스트 개체 틀 6"/>
+          <p:cNvSpPr>
+            <a:spLocks noGrp="1"/>
+          </p:cNvSpPr>
+          <p:nvPr>
+            <p:ph type="body" idx="1"/>
+          </p:nvPr>
+        </p:nvSpPr>
+        <p:spPr/>
+        <p:txBody>
+          <a:bodyPr/>
+          <a:lstStyle/>
+          <a:p>
+            <a:pPr marL="342900" indent="-342900">
+              <a:buFont typeface="Arial" charset="0"/>
+              <a:buChar char="•"/>
+            </a:pPr>
+            <a:r>
+              <a:rPr kumimoji="1" lang="en-US" altLang="ko-KR" dirty="0" smtClean="0"/>
+              <a:t>Split the data into </a:t>
+            </a:r>
+            <a:r>
+              <a:rPr kumimoji="1" lang="en-US" altLang="ko-KR" i="1" dirty="0" smtClean="0"/>
+              <a:t>train set</a:t>
+            </a:r>
+            <a:r>
+              <a:rPr kumimoji="1" lang="en-US" altLang="ko-KR" dirty="0" smtClean="0"/>
+              <a:t> and </a:t>
+            </a:r>
+            <a:r>
+              <a:rPr kumimoji="1" lang="en-US" altLang="ko-KR" i="1" dirty="0" smtClean="0"/>
+              <a:t>test set</a:t>
+            </a:r>
+          </a:p>
+          <a:p>
+            <a:pPr marL="342900" indent="-342900">
+              <a:buFont typeface="Arial" charset="0"/>
+              <a:buChar char="•"/>
+            </a:pPr>
+            <a:r>
+              <a:rPr kumimoji="1" lang="en-US" altLang="ko-KR" dirty="0" smtClean="0"/>
+              <a:t>Fit the model to </a:t>
+            </a:r>
+            <a:r>
+              <a:rPr kumimoji="1" lang="en-US" altLang="ko-KR" i="1" dirty="0" smtClean="0"/>
+              <a:t>train set</a:t>
+            </a:r>
+            <a:r>
+              <a:rPr kumimoji="1" lang="en-US" altLang="ko-KR" dirty="0" smtClean="0"/>
+              <a:t/>
+            </a:r>
+            <a:br>
+              <a:rPr kumimoji="1" lang="en-US" altLang="ko-KR" dirty="0" smtClean="0"/>
+            </a:br>
+            <a:r>
+              <a:rPr kumimoji="1" lang="en-US" altLang="ko-KR" dirty="0" smtClean="0">
+                <a:sym typeface="Wingdings"/>
+              </a:rPr>
+              <a:t> Test the model to </a:t>
+            </a:r>
+            <a:r>
+              <a:rPr kumimoji="1" lang="en-US" altLang="ko-KR" i="1" dirty="0" smtClean="0">
+                <a:sym typeface="Wingdings"/>
+              </a:rPr>
+              <a:t>train set </a:t>
+            </a:r>
+            <a:r>
+              <a:rPr kumimoji="1" lang="en-US" altLang="ko-KR" dirty="0" smtClean="0">
+                <a:sym typeface="Wingdings"/>
+              </a:rPr>
+              <a:t>and </a:t>
+            </a:r>
+            <a:r>
+              <a:rPr kumimoji="1" lang="en-US" altLang="ko-KR" i="1" dirty="0" smtClean="0">
+                <a:sym typeface="Wingdings"/>
+              </a:rPr>
+              <a:t>test set</a:t>
+            </a:r>
+            <a:endParaRPr kumimoji="1" lang="en-US" altLang="ko-KR" i="1" dirty="0" smtClean="0"/>
+          </a:p>
+          <a:p>
+            <a:pPr marL="342900" indent="-342900">
+              <a:buFont typeface="Arial" charset="0"/>
+              <a:buChar char="•"/>
+            </a:pPr>
+            <a:endParaRPr kumimoji="1" lang="ko-KR" altLang="en-US" dirty="0"/>
+          </a:p>
+        </p:txBody>
+      </p:sp>
+    </p:spTree>
+    <p:extLst>
+      <p:ext uri="{BB962C8B-B14F-4D97-AF65-F5344CB8AC3E}">
+        <p14:creationId xmlns:p14="http://schemas.microsoft.com/office/powerpoint/2010/main" val="1662996541"/>
+      </p:ext>
+    </p:extLst>
+  </p:cSld>
+  <p:clrMapOvr>
+    <a:masterClrMapping/>
+  </p:clrMapOvr>
+</p:sld>
+</file>
+
+<file path=ppt/slides/slide3.xml><?xml version="1.0" encoding="utf-8"?>
+<p:sld xmlns:a="http://schemas.openxmlformats.org/drawingml/2006/main" xmlns:r="http://schemas.openxmlformats.org/officeDocument/2006/relationships" xmlns:p="http://schemas.openxmlformats.org/presentationml/2006/main">
+  <p:cSld>
+    <p:spTree>
+      <p:nvGrpSpPr>
+        <p:cNvPr id="1" name=""/>
+        <p:cNvGrpSpPr/>
+        <p:nvPr/>
+      </p:nvGrpSpPr>
+      <p:grpSpPr>
+        <a:xfrm>
+          <a:off x="0" y="0"/>
+          <a:ext cx="0" cy="0"/>
+          <a:chOff x="0" y="0"/>
+          <a:chExt cx="0" cy="0"/>
+        </a:xfrm>
+      </p:grpSpPr>
+      <p:sp>
+        <p:nvSpPr>
           <p:cNvPr id="6" name="제목 5">
             <a:extLst>
               <a:ext uri="{FF2B5EF4-FFF2-40B4-BE49-F238E27FC236}">
-                <a16:creationId xmlns:a16="http://schemas.microsoft.com/office/drawing/2014/main" id="{6DE3C140-0754-4C76-9911-77AE4C360AAD}"/>
+                <a16:creationId xmlns="" xmlns:a16="http://schemas.microsoft.com/office/drawing/2014/main" id="{6DE3C140-0754-4C76-9911-77AE4C360AAD}"/>
               </a:ext>
             </a:extLst>
           </p:cNvPr>
@@ -4044,7 +9874,7 @@
           <p:cNvPr id="4" name="슬라이드 번호 개체 틀 3">
             <a:extLst>
               <a:ext uri="{FF2B5EF4-FFF2-40B4-BE49-F238E27FC236}">
-                <a16:creationId xmlns:a16="http://schemas.microsoft.com/office/drawing/2014/main" id="{5720181F-2887-4E11-B306-C644A97CEB12}"/>
+                <a16:creationId xmlns="" xmlns:a16="http://schemas.microsoft.com/office/drawing/2014/main" id="{5720181F-2887-4E11-B306-C644A97CEB12}"/>
               </a:ext>
             </a:extLst>
           </p:cNvPr>
@@ -4062,7 +9892,7 @@
           <a:p>
             <a:fld id="{918A4F77-6F25-441A-99FF-4E0EAB37E818}" type="slidenum">
               <a:rPr lang="ko-KR" altLang="en-US" smtClean="0"/>
-              <a:t>2</a:t>
+              <a:t>3</a:t>
             </a:fld>
             <a:endParaRPr lang="ko-KR" altLang="en-US"/>
           </a:p>
@@ -4073,7 +9903,7 @@
           <p:cNvPr id="8" name="직사각형 7">
             <a:extLst>
               <a:ext uri="{FF2B5EF4-FFF2-40B4-BE49-F238E27FC236}">
-                <a16:creationId xmlns:a16="http://schemas.microsoft.com/office/drawing/2014/main" id="{E1DF316C-1F60-413C-BC5B-20D987F76686}"/>
+                <a16:creationId xmlns="" xmlns:a16="http://schemas.microsoft.com/office/drawing/2014/main" id="{E1DF316C-1F60-413C-BC5B-20D987F76686}"/>
               </a:ext>
             </a:extLst>
           </p:cNvPr>
@@ -4126,7 +9956,7 @@
           <p:cNvPr id="9" name="직사각형 8">
             <a:extLst>
               <a:ext uri="{FF2B5EF4-FFF2-40B4-BE49-F238E27FC236}">
-                <a16:creationId xmlns:a16="http://schemas.microsoft.com/office/drawing/2014/main" id="{05FB6732-16E4-4C43-8268-B4F4C5B72219}"/>
+                <a16:creationId xmlns="" xmlns:a16="http://schemas.microsoft.com/office/drawing/2014/main" id="{05FB6732-16E4-4C43-8268-B4F4C5B72219}"/>
               </a:ext>
             </a:extLst>
           </p:cNvPr>
@@ -4179,7 +10009,7 @@
           <p:cNvPr id="10" name="왼쪽 중괄호 9">
             <a:extLst>
               <a:ext uri="{FF2B5EF4-FFF2-40B4-BE49-F238E27FC236}">
-                <a16:creationId xmlns:a16="http://schemas.microsoft.com/office/drawing/2014/main" id="{74F19603-DB98-44ED-A3A6-90259C8894C5}"/>
+                <a16:creationId xmlns="" xmlns:a16="http://schemas.microsoft.com/office/drawing/2014/main" id="{74F19603-DB98-44ED-A3A6-90259C8894C5}"/>
               </a:ext>
             </a:extLst>
           </p:cNvPr>
@@ -4223,7 +10053,7 @@
           <p:cNvPr id="11" name="TextBox 10">
             <a:extLst>
               <a:ext uri="{FF2B5EF4-FFF2-40B4-BE49-F238E27FC236}">
-                <a16:creationId xmlns:a16="http://schemas.microsoft.com/office/drawing/2014/main" id="{2C352AC6-38B9-4945-90EC-C1B0A3B36518}"/>
+                <a16:creationId xmlns="" xmlns:a16="http://schemas.microsoft.com/office/drawing/2014/main" id="{2C352AC6-38B9-4945-90EC-C1B0A3B36518}"/>
               </a:ext>
             </a:extLst>
           </p:cNvPr>
@@ -4260,7 +10090,7 @@
           <p:cNvPr id="12" name="오른쪽 화살표 9">
             <a:extLst>
               <a:ext uri="{FF2B5EF4-FFF2-40B4-BE49-F238E27FC236}">
-                <a16:creationId xmlns:a16="http://schemas.microsoft.com/office/drawing/2014/main" id="{29EE9C69-506C-47A8-8A8D-574AD790FDBF}"/>
+                <a16:creationId xmlns="" xmlns:a16="http://schemas.microsoft.com/office/drawing/2014/main" id="{29EE9C69-506C-47A8-8A8D-574AD790FDBF}"/>
               </a:ext>
             </a:extLst>
           </p:cNvPr>
@@ -4304,7 +10134,7 @@
           <p:cNvPr id="13" name="직사각형 12">
             <a:extLst>
               <a:ext uri="{FF2B5EF4-FFF2-40B4-BE49-F238E27FC236}">
-                <a16:creationId xmlns:a16="http://schemas.microsoft.com/office/drawing/2014/main" id="{CAFDCCBD-4E7B-46A6-8FCC-B20E57C63B24}"/>
+                <a16:creationId xmlns="" xmlns:a16="http://schemas.microsoft.com/office/drawing/2014/main" id="{CAFDCCBD-4E7B-46A6-8FCC-B20E57C63B24}"/>
               </a:ext>
             </a:extLst>
           </p:cNvPr>
@@ -4357,7 +10187,7 @@
           <p:cNvPr id="14" name="직사각형 13">
             <a:extLst>
               <a:ext uri="{FF2B5EF4-FFF2-40B4-BE49-F238E27FC236}">
-                <a16:creationId xmlns:a16="http://schemas.microsoft.com/office/drawing/2014/main" id="{FADCDDE8-8DBF-4BE5-A3CA-ED7F059FE11A}"/>
+                <a16:creationId xmlns="" xmlns:a16="http://schemas.microsoft.com/office/drawing/2014/main" id="{FADCDDE8-8DBF-4BE5-A3CA-ED7F059FE11A}"/>
               </a:ext>
             </a:extLst>
           </p:cNvPr>
@@ -4410,7 +10240,7 @@
           <p:cNvPr id="15" name="직사각형 14">
             <a:extLst>
               <a:ext uri="{FF2B5EF4-FFF2-40B4-BE49-F238E27FC236}">
-                <a16:creationId xmlns:a16="http://schemas.microsoft.com/office/drawing/2014/main" id="{23A03E79-A00A-4549-9728-10733CE3D1DC}"/>
+                <a16:creationId xmlns="" xmlns:a16="http://schemas.microsoft.com/office/drawing/2014/main" id="{23A03E79-A00A-4549-9728-10733CE3D1DC}"/>
               </a:ext>
             </a:extLst>
           </p:cNvPr>
@@ -4463,7 +10293,7 @@
           <p:cNvPr id="16" name="직사각형 15">
             <a:extLst>
               <a:ext uri="{FF2B5EF4-FFF2-40B4-BE49-F238E27FC236}">
-                <a16:creationId xmlns:a16="http://schemas.microsoft.com/office/drawing/2014/main" id="{96C4BC78-0F15-4F6F-863D-557AA942602C}"/>
+                <a16:creationId xmlns="" xmlns:a16="http://schemas.microsoft.com/office/drawing/2014/main" id="{96C4BC78-0F15-4F6F-863D-557AA942602C}"/>
               </a:ext>
             </a:extLst>
           </p:cNvPr>
@@ -4516,7 +10346,7 @@
           <p:cNvPr id="17" name="왼쪽 중괄호 16">
             <a:extLst>
               <a:ext uri="{FF2B5EF4-FFF2-40B4-BE49-F238E27FC236}">
-                <a16:creationId xmlns:a16="http://schemas.microsoft.com/office/drawing/2014/main" id="{F54CEA52-6B61-4485-A81A-1FF2E321D4BA}"/>
+                <a16:creationId xmlns="" xmlns:a16="http://schemas.microsoft.com/office/drawing/2014/main" id="{F54CEA52-6B61-4485-A81A-1FF2E321D4BA}"/>
               </a:ext>
             </a:extLst>
           </p:cNvPr>
@@ -4560,7 +10390,7 @@
           <p:cNvPr id="18" name="왼쪽 중괄호 17">
             <a:extLst>
               <a:ext uri="{FF2B5EF4-FFF2-40B4-BE49-F238E27FC236}">
-                <a16:creationId xmlns:a16="http://schemas.microsoft.com/office/drawing/2014/main" id="{DC6A8C0F-486C-4C60-A5B9-D03FEE3661A5}"/>
+                <a16:creationId xmlns="" xmlns:a16="http://schemas.microsoft.com/office/drawing/2014/main" id="{DC6A8C0F-486C-4C60-A5B9-D03FEE3661A5}"/>
               </a:ext>
             </a:extLst>
           </p:cNvPr>
@@ -4604,7 +10434,7 @@
           <p:cNvPr id="19" name="TextBox 18">
             <a:extLst>
               <a:ext uri="{FF2B5EF4-FFF2-40B4-BE49-F238E27FC236}">
-                <a16:creationId xmlns:a16="http://schemas.microsoft.com/office/drawing/2014/main" id="{941BE28D-8D46-402D-8305-831C707028CC}"/>
+                <a16:creationId xmlns="" xmlns:a16="http://schemas.microsoft.com/office/drawing/2014/main" id="{941BE28D-8D46-402D-8305-831C707028CC}"/>
               </a:ext>
             </a:extLst>
           </p:cNvPr>
@@ -4648,7 +10478,7 @@
           <p:cNvPr id="20" name="TextBox 19">
             <a:extLst>
               <a:ext uri="{FF2B5EF4-FFF2-40B4-BE49-F238E27FC236}">
-                <a16:creationId xmlns:a16="http://schemas.microsoft.com/office/drawing/2014/main" id="{907FC651-B860-4803-A885-0FFCC07AD3D2}"/>
+                <a16:creationId xmlns="" xmlns:a16="http://schemas.microsoft.com/office/drawing/2014/main" id="{907FC651-B860-4803-A885-0FFCC07AD3D2}"/>
               </a:ext>
             </a:extLst>
           </p:cNvPr>
@@ -4700,7 +10530,7 @@
 </p:sld>
 </file>
 
-<file path=ppt/slides/slide3.xml><?xml version="1.0" encoding="utf-8"?>
+<file path=ppt/slides/slide4.xml><?xml version="1.0" encoding="utf-8"?>
 <p:sld xmlns:a="http://schemas.openxmlformats.org/drawingml/2006/main" xmlns:r="http://schemas.openxmlformats.org/officeDocument/2006/relationships" xmlns:p="http://schemas.openxmlformats.org/presentationml/2006/main">
   <p:cSld>
     <p:spTree>
@@ -4722,7 +10552,7 @@
           <p:cNvPr id="2" name="제목 1">
             <a:extLst>
               <a:ext uri="{FF2B5EF4-FFF2-40B4-BE49-F238E27FC236}">
-                <a16:creationId xmlns:a16="http://schemas.microsoft.com/office/drawing/2014/main" id="{56560C22-0F33-446C-862A-5269DF72DDE8}"/>
+                <a16:creationId xmlns="" xmlns:a16="http://schemas.microsoft.com/office/drawing/2014/main" id="{56560C22-0F33-446C-862A-5269DF72DDE8}"/>
               </a:ext>
             </a:extLst>
           </p:cNvPr>
@@ -4751,7 +10581,7 @@
           <p:cNvPr id="4" name="슬라이드 번호 개체 틀 3">
             <a:extLst>
               <a:ext uri="{FF2B5EF4-FFF2-40B4-BE49-F238E27FC236}">
-                <a16:creationId xmlns:a16="http://schemas.microsoft.com/office/drawing/2014/main" id="{87BC4396-6A46-4D71-96EF-ED4BFFB07327}"/>
+                <a16:creationId xmlns="" xmlns:a16="http://schemas.microsoft.com/office/drawing/2014/main" id="{87BC4396-6A46-4D71-96EF-ED4BFFB07327}"/>
               </a:ext>
             </a:extLst>
           </p:cNvPr>
@@ -4769,7 +10599,7 @@
           <a:p>
             <a:fld id="{918A4F77-6F25-441A-99FF-4E0EAB37E818}" type="slidenum">
               <a:rPr lang="ko-KR" altLang="en-US" smtClean="0"/>
-              <a:t>3</a:t>
+              <a:t>4</a:t>
             </a:fld>
             <a:endParaRPr lang="ko-KR" altLang="en-US"/>
           </a:p>
@@ -4780,7 +10610,7 @@
           <p:cNvPr id="5" name="직사각형 4">
             <a:extLst>
               <a:ext uri="{FF2B5EF4-FFF2-40B4-BE49-F238E27FC236}">
-                <a16:creationId xmlns:a16="http://schemas.microsoft.com/office/drawing/2014/main" id="{B2062616-B5C3-4A2C-9EAB-BBE1D98B78ED}"/>
+                <a16:creationId xmlns="" xmlns:a16="http://schemas.microsoft.com/office/drawing/2014/main" id="{B2062616-B5C3-4A2C-9EAB-BBE1D98B78ED}"/>
               </a:ext>
             </a:extLst>
           </p:cNvPr>
@@ -4833,7 +10663,7 @@
           <p:cNvPr id="6" name="직사각형 5">
             <a:extLst>
               <a:ext uri="{FF2B5EF4-FFF2-40B4-BE49-F238E27FC236}">
-                <a16:creationId xmlns:a16="http://schemas.microsoft.com/office/drawing/2014/main" id="{B7A90984-2E8D-4AA0-8AA9-32FC937B0BC5}"/>
+                <a16:creationId xmlns="" xmlns:a16="http://schemas.microsoft.com/office/drawing/2014/main" id="{B7A90984-2E8D-4AA0-8AA9-32FC937B0BC5}"/>
               </a:ext>
             </a:extLst>
           </p:cNvPr>
@@ -4886,7 +10716,7 @@
           <p:cNvPr id="7" name="직사각형 6">
             <a:extLst>
               <a:ext uri="{FF2B5EF4-FFF2-40B4-BE49-F238E27FC236}">
-                <a16:creationId xmlns:a16="http://schemas.microsoft.com/office/drawing/2014/main" id="{8B56094C-0108-476C-A7AF-98AF53766C30}"/>
+                <a16:creationId xmlns="" xmlns:a16="http://schemas.microsoft.com/office/drawing/2014/main" id="{8B56094C-0108-476C-A7AF-98AF53766C30}"/>
               </a:ext>
             </a:extLst>
           </p:cNvPr>
@@ -4939,7 +10769,7 @@
           <p:cNvPr id="8" name="직사각형 7">
             <a:extLst>
               <a:ext uri="{FF2B5EF4-FFF2-40B4-BE49-F238E27FC236}">
-                <a16:creationId xmlns:a16="http://schemas.microsoft.com/office/drawing/2014/main" id="{3E5FEE2F-F1C1-47AD-A756-73A62E43736D}"/>
+                <a16:creationId xmlns="" xmlns:a16="http://schemas.microsoft.com/office/drawing/2014/main" id="{3E5FEE2F-F1C1-47AD-A756-73A62E43736D}"/>
               </a:ext>
             </a:extLst>
           </p:cNvPr>
@@ -4992,7 +10822,7 @@
           <p:cNvPr id="9" name="오른쪽 화살표 18">
             <a:extLst>
               <a:ext uri="{FF2B5EF4-FFF2-40B4-BE49-F238E27FC236}">
-                <a16:creationId xmlns:a16="http://schemas.microsoft.com/office/drawing/2014/main" id="{20304591-AFA2-4663-93E6-6ED1024B23EF}"/>
+                <a16:creationId xmlns="" xmlns:a16="http://schemas.microsoft.com/office/drawing/2014/main" id="{20304591-AFA2-4663-93E6-6ED1024B23EF}"/>
               </a:ext>
             </a:extLst>
           </p:cNvPr>
@@ -5036,7 +10866,7 @@
           <p:cNvPr id="10" name="모서리가 둥근 직사각형 19">
             <a:extLst>
               <a:ext uri="{FF2B5EF4-FFF2-40B4-BE49-F238E27FC236}">
-                <a16:creationId xmlns:a16="http://schemas.microsoft.com/office/drawing/2014/main" id="{FA06A43C-0AB9-4B4B-B3EE-9508992D8FC5}"/>
+                <a16:creationId xmlns="" xmlns:a16="http://schemas.microsoft.com/office/drawing/2014/main" id="{FA06A43C-0AB9-4B4B-B3EE-9508992D8FC5}"/>
               </a:ext>
             </a:extLst>
           </p:cNvPr>
@@ -5093,7 +10923,7 @@
           <p:cNvPr id="11" name="TextBox 10">
             <a:extLst>
               <a:ext uri="{FF2B5EF4-FFF2-40B4-BE49-F238E27FC236}">
-                <a16:creationId xmlns:a16="http://schemas.microsoft.com/office/drawing/2014/main" id="{AA4B9B98-E631-4FBC-86CF-5423960B8A2A}"/>
+                <a16:creationId xmlns="" xmlns:a16="http://schemas.microsoft.com/office/drawing/2014/main" id="{AA4B9B98-E631-4FBC-86CF-5423960B8A2A}"/>
               </a:ext>
             </a:extLst>
           </p:cNvPr>
@@ -5137,7 +10967,7 @@
           <p:cNvPr id="12" name="왼쪽 중괄호 11">
             <a:extLst>
               <a:ext uri="{FF2B5EF4-FFF2-40B4-BE49-F238E27FC236}">
-                <a16:creationId xmlns:a16="http://schemas.microsoft.com/office/drawing/2014/main" id="{69D164AC-DC0E-48A6-8E42-2BEDFB35D4ED}"/>
+                <a16:creationId xmlns="" xmlns:a16="http://schemas.microsoft.com/office/drawing/2014/main" id="{69D164AC-DC0E-48A6-8E42-2BEDFB35D4ED}"/>
               </a:ext>
             </a:extLst>
           </p:cNvPr>
@@ -5181,7 +11011,7 @@
           <p:cNvPr id="13" name="TextBox 12">
             <a:extLst>
               <a:ext uri="{FF2B5EF4-FFF2-40B4-BE49-F238E27FC236}">
-                <a16:creationId xmlns:a16="http://schemas.microsoft.com/office/drawing/2014/main" id="{43FB9954-B4E6-476B-8128-0991DB06DFD3}"/>
+                <a16:creationId xmlns="" xmlns:a16="http://schemas.microsoft.com/office/drawing/2014/main" id="{43FB9954-B4E6-476B-8128-0991DB06DFD3}"/>
               </a:ext>
             </a:extLst>
           </p:cNvPr>
@@ -5225,7 +11055,7 @@
           <p:cNvPr id="14" name="왼쪽 중괄호 13">
             <a:extLst>
               <a:ext uri="{FF2B5EF4-FFF2-40B4-BE49-F238E27FC236}">
-                <a16:creationId xmlns:a16="http://schemas.microsoft.com/office/drawing/2014/main" id="{43E0812C-85F4-4875-A410-FE63714C04B1}"/>
+                <a16:creationId xmlns="" xmlns:a16="http://schemas.microsoft.com/office/drawing/2014/main" id="{43E0812C-85F4-4875-A410-FE63714C04B1}"/>
               </a:ext>
             </a:extLst>
           </p:cNvPr>
@@ -5269,7 +11099,7 @@
           <p:cNvPr id="15" name="TextBox 14">
             <a:extLst>
               <a:ext uri="{FF2B5EF4-FFF2-40B4-BE49-F238E27FC236}">
-                <a16:creationId xmlns:a16="http://schemas.microsoft.com/office/drawing/2014/main" id="{EB7E30FC-D08B-4CC1-8E9A-36ABFE436363}"/>
+                <a16:creationId xmlns="" xmlns:a16="http://schemas.microsoft.com/office/drawing/2014/main" id="{EB7E30FC-D08B-4CC1-8E9A-36ABFE436363}"/>
               </a:ext>
             </a:extLst>
           </p:cNvPr>
@@ -5321,7 +11151,7 @@
 </p:sld>
 </file>
 
-<file path=ppt/slides/slide4.xml><?xml version="1.0" encoding="utf-8"?>
+<file path=ppt/slides/slide5.xml><?xml version="1.0" encoding="utf-8"?>
 <p:sld xmlns:a="http://schemas.openxmlformats.org/drawingml/2006/main" xmlns:r="http://schemas.openxmlformats.org/officeDocument/2006/relationships" xmlns:p="http://schemas.openxmlformats.org/presentationml/2006/main">
   <p:cSld>
     <p:spTree>
@@ -5343,7 +11173,7 @@
           <p:cNvPr id="2" name="제목 1">
             <a:extLst>
               <a:ext uri="{FF2B5EF4-FFF2-40B4-BE49-F238E27FC236}">
-                <a16:creationId xmlns:a16="http://schemas.microsoft.com/office/drawing/2014/main" id="{56560C22-0F33-446C-862A-5269DF72DDE8}"/>
+                <a16:creationId xmlns="" xmlns:a16="http://schemas.microsoft.com/office/drawing/2014/main" id="{56560C22-0F33-446C-862A-5269DF72DDE8}"/>
               </a:ext>
             </a:extLst>
           </p:cNvPr>
@@ -5372,7 +11202,7 @@
           <p:cNvPr id="4" name="슬라이드 번호 개체 틀 3">
             <a:extLst>
               <a:ext uri="{FF2B5EF4-FFF2-40B4-BE49-F238E27FC236}">
-                <a16:creationId xmlns:a16="http://schemas.microsoft.com/office/drawing/2014/main" id="{87BC4396-6A46-4D71-96EF-ED4BFFB07327}"/>
+                <a16:creationId xmlns="" xmlns:a16="http://schemas.microsoft.com/office/drawing/2014/main" id="{87BC4396-6A46-4D71-96EF-ED4BFFB07327}"/>
               </a:ext>
             </a:extLst>
           </p:cNvPr>
@@ -5390,7 +11220,7 @@
           <a:p>
             <a:fld id="{918A4F77-6F25-441A-99FF-4E0EAB37E818}" type="slidenum">
               <a:rPr lang="ko-KR" altLang="en-US" smtClean="0"/>
-              <a:t>4</a:t>
+              <a:t>5</a:t>
             </a:fld>
             <a:endParaRPr lang="ko-KR" altLang="en-US"/>
           </a:p>
@@ -5401,7 +11231,7 @@
           <p:cNvPr id="16" name="직사각형 15">
             <a:extLst>
               <a:ext uri="{FF2B5EF4-FFF2-40B4-BE49-F238E27FC236}">
-                <a16:creationId xmlns:a16="http://schemas.microsoft.com/office/drawing/2014/main" id="{FB015417-9530-4480-9DE9-9F54E355105B}"/>
+                <a16:creationId xmlns="" xmlns:a16="http://schemas.microsoft.com/office/drawing/2014/main" id="{FB015417-9530-4480-9DE9-9F54E355105B}"/>
               </a:ext>
             </a:extLst>
           </p:cNvPr>
@@ -5454,7 +11284,7 @@
           <p:cNvPr id="17" name="직사각형 16">
             <a:extLst>
               <a:ext uri="{FF2B5EF4-FFF2-40B4-BE49-F238E27FC236}">
-                <a16:creationId xmlns:a16="http://schemas.microsoft.com/office/drawing/2014/main" id="{17AC9A89-7210-432B-86DF-60AD5ECD7039}"/>
+                <a16:creationId xmlns="" xmlns:a16="http://schemas.microsoft.com/office/drawing/2014/main" id="{17AC9A89-7210-432B-86DF-60AD5ECD7039}"/>
               </a:ext>
             </a:extLst>
           </p:cNvPr>
@@ -5507,7 +11337,7 @@
           <p:cNvPr id="18" name="직사각형 17">
             <a:extLst>
               <a:ext uri="{FF2B5EF4-FFF2-40B4-BE49-F238E27FC236}">
-                <a16:creationId xmlns:a16="http://schemas.microsoft.com/office/drawing/2014/main" id="{E9FB3E07-F15B-43F9-B96F-1FD1E37F9EA0}"/>
+                <a16:creationId xmlns="" xmlns:a16="http://schemas.microsoft.com/office/drawing/2014/main" id="{E9FB3E07-F15B-43F9-B96F-1FD1E37F9EA0}"/>
               </a:ext>
             </a:extLst>
           </p:cNvPr>
@@ -5560,7 +11390,7 @@
           <p:cNvPr id="19" name="직사각형 18">
             <a:extLst>
               <a:ext uri="{FF2B5EF4-FFF2-40B4-BE49-F238E27FC236}">
-                <a16:creationId xmlns:a16="http://schemas.microsoft.com/office/drawing/2014/main" id="{16FD03D6-A313-4D1B-966E-E34B12BC3C0A}"/>
+                <a16:creationId xmlns="" xmlns:a16="http://schemas.microsoft.com/office/drawing/2014/main" id="{16FD03D6-A313-4D1B-966E-E34B12BC3C0A}"/>
               </a:ext>
             </a:extLst>
           </p:cNvPr>
@@ -5613,7 +11443,7 @@
           <p:cNvPr id="20" name="모서리가 둥근 직사각형 19">
             <a:extLst>
               <a:ext uri="{FF2B5EF4-FFF2-40B4-BE49-F238E27FC236}">
-                <a16:creationId xmlns:a16="http://schemas.microsoft.com/office/drawing/2014/main" id="{53F28266-912F-4B36-BDC7-4EECDF11BD88}"/>
+                <a16:creationId xmlns="" xmlns:a16="http://schemas.microsoft.com/office/drawing/2014/main" id="{53F28266-912F-4B36-BDC7-4EECDF11BD88}"/>
               </a:ext>
             </a:extLst>
           </p:cNvPr>
@@ -5670,7 +11500,7 @@
           <p:cNvPr id="21" name="왼쪽 중괄호 20">
             <a:extLst>
               <a:ext uri="{FF2B5EF4-FFF2-40B4-BE49-F238E27FC236}">
-                <a16:creationId xmlns:a16="http://schemas.microsoft.com/office/drawing/2014/main" id="{BC640166-723D-4F9B-8BD7-1B87E875CFE4}"/>
+                <a16:creationId xmlns="" xmlns:a16="http://schemas.microsoft.com/office/drawing/2014/main" id="{BC640166-723D-4F9B-8BD7-1B87E875CFE4}"/>
               </a:ext>
             </a:extLst>
           </p:cNvPr>
@@ -5714,7 +11544,7 @@
           <p:cNvPr id="22" name="TextBox 21">
             <a:extLst>
               <a:ext uri="{FF2B5EF4-FFF2-40B4-BE49-F238E27FC236}">
-                <a16:creationId xmlns:a16="http://schemas.microsoft.com/office/drawing/2014/main" id="{BA33C493-F0B8-40AD-A063-EE7939C0DF74}"/>
+                <a16:creationId xmlns="" xmlns:a16="http://schemas.microsoft.com/office/drawing/2014/main" id="{BA33C493-F0B8-40AD-A063-EE7939C0DF74}"/>
               </a:ext>
             </a:extLst>
           </p:cNvPr>
@@ -5758,7 +11588,7 @@
           <p:cNvPr id="23" name="왼쪽 중괄호 22">
             <a:extLst>
               <a:ext uri="{FF2B5EF4-FFF2-40B4-BE49-F238E27FC236}">
-                <a16:creationId xmlns:a16="http://schemas.microsoft.com/office/drawing/2014/main" id="{4010495F-1DB9-4978-9A9E-3E51B3718167}"/>
+                <a16:creationId xmlns="" xmlns:a16="http://schemas.microsoft.com/office/drawing/2014/main" id="{4010495F-1DB9-4978-9A9E-3E51B3718167}"/>
               </a:ext>
             </a:extLst>
           </p:cNvPr>
@@ -5802,7 +11632,7 @@
           <p:cNvPr id="24" name="TextBox 23">
             <a:extLst>
               <a:ext uri="{FF2B5EF4-FFF2-40B4-BE49-F238E27FC236}">
-                <a16:creationId xmlns:a16="http://schemas.microsoft.com/office/drawing/2014/main" id="{FF6F0DDD-513E-4F5D-B55C-19C19A4D575A}"/>
+                <a16:creationId xmlns="" xmlns:a16="http://schemas.microsoft.com/office/drawing/2014/main" id="{FF6F0DDD-513E-4F5D-B55C-19C19A4D575A}"/>
               </a:ext>
             </a:extLst>
           </p:cNvPr>
@@ -5841,14 +11671,14 @@
           </a:p>
         </p:txBody>
       </p:sp>
-      <mc:AlternateContent xmlns:mc="http://schemas.openxmlformats.org/markup-compatibility/2006">
-        <mc:Choice xmlns:a14="http://schemas.microsoft.com/office/drawing/2010/main" Requires="a14">
+      <mc:AlternateContent xmlns:mc="http://schemas.openxmlformats.org/markup-compatibility/2006" xmlns:a14="http://schemas.microsoft.com/office/drawing/2010/main">
+        <mc:Choice Requires="a14">
           <p:sp>
             <p:nvSpPr>
               <p:cNvPr id="25" name="직사각형 24">
                 <a:extLst>
                   <a:ext uri="{FF2B5EF4-FFF2-40B4-BE49-F238E27FC236}">
-                    <a16:creationId xmlns:a16="http://schemas.microsoft.com/office/drawing/2014/main" id="{E917D278-CA9A-4B05-9BB5-EC87A26D92C3}"/>
+                    <a16:creationId xmlns="" xmlns:a16="http://schemas.microsoft.com/office/drawing/2014/main" id="{E917D278-CA9A-4B05-9BB5-EC87A26D92C3}"/>
                   </a:ext>
                 </a:extLst>
               </p:cNvPr>
@@ -5906,7 +11736,7 @@
                               <a:solidFill>
                                 <a:schemeClr val="tx1"/>
                               </a:solidFill>
-                              <a:latin typeface="Cambria Math" panose="02040503050406030204" pitchFamily="18" charset="0"/>
+                              <a:latin typeface="Cambria Math" charset="0"/>
                             </a:rPr>
                           </m:ctrlPr>
                         </m:accPr>
@@ -5937,7 +11767,7 @@
             </p:txBody>
           </p:sp>
         </mc:Choice>
-        <mc:Fallback>
+        <mc:Fallback xmlns="">
           <p:sp>
             <p:nvSpPr>
               <p:cNvPr id="25" name="직사각형 24">
@@ -5982,14 +11812,14 @@
           </p:sp>
         </mc:Fallback>
       </mc:AlternateContent>
-      <mc:AlternateContent xmlns:mc="http://schemas.openxmlformats.org/markup-compatibility/2006">
-        <mc:Choice xmlns:a14="http://schemas.microsoft.com/office/drawing/2010/main" Requires="a14">
+      <mc:AlternateContent xmlns:mc="http://schemas.openxmlformats.org/markup-compatibility/2006" xmlns:a14="http://schemas.microsoft.com/office/drawing/2010/main">
+        <mc:Choice Requires="a14">
           <p:sp>
             <p:nvSpPr>
               <p:cNvPr id="26" name="직사각형 25">
                 <a:extLst>
                   <a:ext uri="{FF2B5EF4-FFF2-40B4-BE49-F238E27FC236}">
-                    <a16:creationId xmlns:a16="http://schemas.microsoft.com/office/drawing/2014/main" id="{0719B9DF-8D94-4EBA-ACB6-CB296FAF71A8}"/>
+                    <a16:creationId xmlns="" xmlns:a16="http://schemas.microsoft.com/office/drawing/2014/main" id="{0719B9DF-8D94-4EBA-ACB6-CB296FAF71A8}"/>
                   </a:ext>
                 </a:extLst>
               </p:cNvPr>
@@ -6047,7 +11877,7 @@
                               <a:solidFill>
                                 <a:schemeClr val="tx1"/>
                               </a:solidFill>
-                              <a:latin typeface="Cambria Math" panose="02040503050406030204" pitchFamily="18" charset="0"/>
+                              <a:latin typeface="Cambria Math" charset="0"/>
                             </a:rPr>
                           </m:ctrlPr>
                         </m:accPr>
@@ -6078,7 +11908,7 @@
             </p:txBody>
           </p:sp>
         </mc:Choice>
-        <mc:Fallback>
+        <mc:Fallback xmlns="">
           <p:sp>
             <p:nvSpPr>
               <p:cNvPr id="26" name="직사각형 25">
@@ -6128,7 +11958,7 @@
           <p:cNvPr id="27" name="직선 화살표 연결선 26">
             <a:extLst>
               <a:ext uri="{FF2B5EF4-FFF2-40B4-BE49-F238E27FC236}">
-                <a16:creationId xmlns:a16="http://schemas.microsoft.com/office/drawing/2014/main" id="{16484792-8CF5-4D64-979A-7BB3E059DCDF}"/>
+                <a16:creationId xmlns="" xmlns:a16="http://schemas.microsoft.com/office/drawing/2014/main" id="{16484792-8CF5-4D64-979A-7BB3E059DCDF}"/>
               </a:ext>
             </a:extLst>
           </p:cNvPr>
@@ -6173,7 +12003,7 @@
           <p:cNvPr id="28" name="직선 화살표 연결선 27">
             <a:extLst>
               <a:ext uri="{FF2B5EF4-FFF2-40B4-BE49-F238E27FC236}">
-                <a16:creationId xmlns:a16="http://schemas.microsoft.com/office/drawing/2014/main" id="{E6ED2827-1E2A-468B-9505-55FE286EFD85}"/>
+                <a16:creationId xmlns="" xmlns:a16="http://schemas.microsoft.com/office/drawing/2014/main" id="{E6ED2827-1E2A-468B-9505-55FE286EFD85}"/>
               </a:ext>
             </a:extLst>
           </p:cNvPr>
@@ -6210,14 +12040,14 @@
           </a:fontRef>
         </p:style>
       </p:cxnSp>
-      <mc:AlternateContent xmlns:mc="http://schemas.openxmlformats.org/markup-compatibility/2006">
-        <mc:Choice xmlns:a14="http://schemas.microsoft.com/office/drawing/2010/main" Requires="a14">
+      <mc:AlternateContent xmlns:mc="http://schemas.openxmlformats.org/markup-compatibility/2006" xmlns:a14="http://schemas.microsoft.com/office/drawing/2010/main">
+        <mc:Choice Requires="a14">
           <p:sp>
             <p:nvSpPr>
               <p:cNvPr id="29" name="TextBox 28">
                 <a:extLst>
                   <a:ext uri="{FF2B5EF4-FFF2-40B4-BE49-F238E27FC236}">
-                    <a16:creationId xmlns:a16="http://schemas.microsoft.com/office/drawing/2014/main" id="{AC4DD482-29B1-4A2F-8E7A-ADB98860D17F}"/>
+                    <a16:creationId xmlns="" xmlns:a16="http://schemas.microsoft.com/office/drawing/2014/main" id="{AC4DD482-29B1-4A2F-8E7A-ADB98860D17F}"/>
                   </a:ext>
                 </a:extLst>
               </p:cNvPr>
@@ -6251,7 +12081,7 @@
                         <m:chr m:val="̂"/>
                         <m:ctrlPr>
                           <a:rPr lang="en-US" altLang="ko-KR" b="1" i="1" smtClean="0">
-                            <a:latin typeface="Cambria Math" panose="02040503050406030204" pitchFamily="18" charset="0"/>
+                            <a:latin typeface="Cambria Math" charset="0"/>
                           </a:rPr>
                         </m:ctrlPr>
                       </m:accPr>
@@ -6279,7 +12109,7 @@
             </p:txBody>
           </p:sp>
         </mc:Choice>
-        <mc:Fallback>
+        <mc:Fallback xmlns="">
           <p:sp>
             <p:nvSpPr>
               <p:cNvPr id="29" name="TextBox 28">
@@ -6324,14 +12154,14 @@
           </p:sp>
         </mc:Fallback>
       </mc:AlternateContent>
-      <mc:AlternateContent xmlns:mc="http://schemas.openxmlformats.org/markup-compatibility/2006">
-        <mc:Choice xmlns:a14="http://schemas.microsoft.com/office/drawing/2010/main" Requires="a14">
+      <mc:AlternateContent xmlns:mc="http://schemas.openxmlformats.org/markup-compatibility/2006" xmlns:a14="http://schemas.microsoft.com/office/drawing/2010/main">
+        <mc:Choice Requires="a14">
           <p:sp>
             <p:nvSpPr>
               <p:cNvPr id="30" name="TextBox 29">
                 <a:extLst>
                   <a:ext uri="{FF2B5EF4-FFF2-40B4-BE49-F238E27FC236}">
-                    <a16:creationId xmlns:a16="http://schemas.microsoft.com/office/drawing/2014/main" id="{172EBC91-0885-4829-81F1-F88A9DD798CD}"/>
+                    <a16:creationId xmlns="" xmlns:a16="http://schemas.microsoft.com/office/drawing/2014/main" id="{172EBC91-0885-4829-81F1-F88A9DD798CD}"/>
                   </a:ext>
                 </a:extLst>
               </p:cNvPr>
@@ -6365,7 +12195,7 @@
                         <m:chr m:val="̂"/>
                         <m:ctrlPr>
                           <a:rPr lang="en-US" altLang="ko-KR" b="1" i="1" smtClean="0">
-                            <a:latin typeface="Cambria Math" panose="02040503050406030204" pitchFamily="18" charset="0"/>
+                            <a:latin typeface="Cambria Math" charset="0"/>
                           </a:rPr>
                         </m:ctrlPr>
                       </m:accPr>
@@ -6393,7 +12223,7 @@
             </p:txBody>
           </p:sp>
         </mc:Choice>
-        <mc:Fallback>
+        <mc:Fallback xmlns="">
           <p:sp>
             <p:nvSpPr>
               <p:cNvPr id="30" name="TextBox 29">
@@ -6443,7 +12273,7 @@
           <p:cNvPr id="31" name="직사각형 30">
             <a:extLst>
               <a:ext uri="{FF2B5EF4-FFF2-40B4-BE49-F238E27FC236}">
-                <a16:creationId xmlns:a16="http://schemas.microsoft.com/office/drawing/2014/main" id="{C14B6DFE-FCD5-4AAD-AB88-E2D21D04A229}"/>
+                <a16:creationId xmlns="" xmlns:a16="http://schemas.microsoft.com/office/drawing/2014/main" id="{C14B6DFE-FCD5-4AAD-AB88-E2D21D04A229}"/>
               </a:ext>
             </a:extLst>
           </p:cNvPr>
@@ -6489,7 +12319,7 @@
           <p:cNvPr id="32" name="직사각형 31">
             <a:extLst>
               <a:ext uri="{FF2B5EF4-FFF2-40B4-BE49-F238E27FC236}">
-                <a16:creationId xmlns:a16="http://schemas.microsoft.com/office/drawing/2014/main" id="{6F531935-A853-4266-93C5-E7F216D9E257}"/>
+                <a16:creationId xmlns="" xmlns:a16="http://schemas.microsoft.com/office/drawing/2014/main" id="{6F531935-A853-4266-93C5-E7F216D9E257}"/>
               </a:ext>
             </a:extLst>
           </p:cNvPr>
@@ -6535,7 +12365,7 @@
           <p:cNvPr id="33" name="오른쪽 화살표 28">
             <a:extLst>
               <a:ext uri="{FF2B5EF4-FFF2-40B4-BE49-F238E27FC236}">
-                <a16:creationId xmlns:a16="http://schemas.microsoft.com/office/drawing/2014/main" id="{E6ACCA32-C17C-4C6C-930D-6F84395182BF}"/>
+                <a16:creationId xmlns="" xmlns:a16="http://schemas.microsoft.com/office/drawing/2014/main" id="{E6ACCA32-C17C-4C6C-930D-6F84395182BF}"/>
               </a:ext>
             </a:extLst>
           </p:cNvPr>
@@ -6579,7 +12409,7 @@
           <p:cNvPr id="34" name="오른쪽 화살표 29">
             <a:extLst>
               <a:ext uri="{FF2B5EF4-FFF2-40B4-BE49-F238E27FC236}">
-                <a16:creationId xmlns:a16="http://schemas.microsoft.com/office/drawing/2014/main" id="{DF502CFD-1C2E-4A82-9129-B000DBAD49D6}"/>
+                <a16:creationId xmlns="" xmlns:a16="http://schemas.microsoft.com/office/drawing/2014/main" id="{DF502CFD-1C2E-4A82-9129-B000DBAD49D6}"/>
               </a:ext>
             </a:extLst>
           </p:cNvPr>
@@ -6631,7 +12461,7 @@
 </p:sld>
 </file>
 
-<file path=ppt/slides/slide5.xml><?xml version="1.0" encoding="utf-8"?>
+<file path=ppt/slides/slide6.xml><?xml version="1.0" encoding="utf-8"?>
 <p:sld xmlns:a="http://schemas.openxmlformats.org/drawingml/2006/main" xmlns:r="http://schemas.openxmlformats.org/officeDocument/2006/relationships" xmlns:p="http://schemas.openxmlformats.org/presentationml/2006/main">
   <p:cSld>
     <p:spTree>
@@ -6653,7 +12483,7 @@
           <p:cNvPr id="2" name="제목 1">
             <a:extLst>
               <a:ext uri="{FF2B5EF4-FFF2-40B4-BE49-F238E27FC236}">
-                <a16:creationId xmlns:a16="http://schemas.microsoft.com/office/drawing/2014/main" id="{71DC6C88-1233-4F85-B42F-57F66042BEFD}"/>
+                <a16:creationId xmlns="" xmlns:a16="http://schemas.microsoft.com/office/drawing/2014/main" id="{71DC6C88-1233-4F85-B42F-57F66042BEFD}"/>
               </a:ext>
             </a:extLst>
           </p:cNvPr>
@@ -6670,7 +12500,19 @@
           <a:lstStyle/>
           <a:p>
             <a:r>
-              <a:rPr lang="en-US" altLang="ko-KR" dirty="0" err="1"/>
+              <a:rPr lang="en-US" altLang="ko-KR" dirty="0"/>
+              <a:t>Predictive </a:t>
+            </a:r>
+            <a:r>
+              <a:rPr lang="en-US" altLang="ko-KR" dirty="0" smtClean="0"/>
+              <a:t>modeling:</a:t>
+            </a:r>
+            <a:r>
+              <a:rPr lang="ko-KR" altLang="en-US" dirty="0" smtClean="0"/>
+              <a:t> </a:t>
+            </a:r>
+            <a:r>
+              <a:rPr lang="en-US" altLang="ko-KR" dirty="0" err="1" smtClean="0"/>
               <a:t>train_test_split</a:t>
             </a:r>
             <a:endParaRPr lang="ko-KR" altLang="en-US" dirty="0"/>
@@ -6682,7 +12524,7 @@
           <p:cNvPr id="4" name="슬라이드 번호 개체 틀 3">
             <a:extLst>
               <a:ext uri="{FF2B5EF4-FFF2-40B4-BE49-F238E27FC236}">
-                <a16:creationId xmlns:a16="http://schemas.microsoft.com/office/drawing/2014/main" id="{EFBCEDF2-E84E-4513-B734-3BE83A8669DD}"/>
+                <a16:creationId xmlns="" xmlns:a16="http://schemas.microsoft.com/office/drawing/2014/main" id="{EFBCEDF2-E84E-4513-B734-3BE83A8669DD}"/>
               </a:ext>
             </a:extLst>
           </p:cNvPr>
@@ -6700,7 +12542,7 @@
           <a:p>
             <a:fld id="{918A4F77-6F25-441A-99FF-4E0EAB37E818}" type="slidenum">
               <a:rPr lang="ko-KR" altLang="en-US" smtClean="0"/>
-              <a:t>5</a:t>
+              <a:t>6</a:t>
             </a:fld>
             <a:endParaRPr lang="ko-KR" altLang="en-US"/>
           </a:p>
@@ -6711,7 +12553,7 @@
           <p:cNvPr id="5" name="그림 4">
             <a:extLst>
               <a:ext uri="{FF2B5EF4-FFF2-40B4-BE49-F238E27FC236}">
-                <a16:creationId xmlns:a16="http://schemas.microsoft.com/office/drawing/2014/main" id="{BE6DBA7A-80CD-4521-9974-F21B4606EA69}"/>
+                <a16:creationId xmlns="" xmlns:a16="http://schemas.microsoft.com/office/drawing/2014/main" id="{BE6DBA7A-80CD-4521-9974-F21B4606EA69}"/>
               </a:ext>
             </a:extLst>
           </p:cNvPr>
@@ -6749,7 +12591,7 @@
 </p:sld>
 </file>
 
-<file path=ppt/slides/slide6.xml><?xml version="1.0" encoding="utf-8"?>
+<file path=ppt/slides/slide7.xml><?xml version="1.0" encoding="utf-8"?>
 <p:sld xmlns:a="http://schemas.openxmlformats.org/drawingml/2006/main" xmlns:r="http://schemas.openxmlformats.org/officeDocument/2006/relationships" xmlns:p="http://schemas.openxmlformats.org/presentationml/2006/main">
   <p:cSld>
     <p:spTree>
@@ -6771,7 +12613,7 @@
           <p:cNvPr id="2" name="제목 1">
             <a:extLst>
               <a:ext uri="{FF2B5EF4-FFF2-40B4-BE49-F238E27FC236}">
-                <a16:creationId xmlns:a16="http://schemas.microsoft.com/office/drawing/2014/main" id="{96BFEF57-E19A-4277-A440-9F43DE38E7DA}"/>
+                <a16:creationId xmlns="" xmlns:a16="http://schemas.microsoft.com/office/drawing/2014/main" id="{96BFEF57-E19A-4277-A440-9F43DE38E7DA}"/>
               </a:ext>
             </a:extLst>
           </p:cNvPr>
@@ -6784,26 +12626,40 @@
         </p:nvSpPr>
         <p:spPr/>
         <p:txBody>
-          <a:bodyPr/>
+          <a:bodyPr>
+            <a:normAutofit/>
+          </a:bodyPr>
           <a:lstStyle/>
           <a:p>
             <a:r>
-              <a:rPr lang="en-US" altLang="ko-KR" dirty="0"/>
+              <a:rPr lang="en-US" altLang="ko-KR" sz="2800" dirty="0"/>
+              <a:t>Predictive </a:t>
+            </a:r>
+            <a:r>
+              <a:rPr lang="en-US" altLang="ko-KR" sz="2800" dirty="0" smtClean="0"/>
+              <a:t>modeling:</a:t>
+            </a:r>
+            <a:r>
+              <a:rPr lang="ko-KR" altLang="en-US" sz="2800" dirty="0" smtClean="0"/>
+              <a:t> </a:t>
+            </a:r>
+            <a:r>
+              <a:rPr lang="en-US" altLang="ko-KR" sz="2800" dirty="0" smtClean="0"/>
               <a:t>Calculate </a:t>
             </a:r>
             <a:r>
-              <a:rPr lang="en-US" altLang="ko-KR" dirty="0" err="1"/>
+              <a:rPr lang="en-US" altLang="ko-KR" sz="2800" dirty="0" err="1"/>
               <a:t>train_error</a:t>
             </a:r>
             <a:r>
-              <a:rPr lang="en-US" altLang="ko-KR" dirty="0"/>
+              <a:rPr lang="en-US" altLang="ko-KR" sz="2800" dirty="0"/>
               <a:t> and </a:t>
             </a:r>
             <a:r>
-              <a:rPr lang="en-US" altLang="ko-KR" dirty="0" err="1"/>
+              <a:rPr lang="en-US" altLang="ko-KR" sz="2800" dirty="0" err="1"/>
               <a:t>test_error</a:t>
             </a:r>
-            <a:endParaRPr lang="ko-KR" altLang="en-US" dirty="0"/>
+            <a:endParaRPr lang="ko-KR" altLang="en-US" sz="2800" dirty="0"/>
           </a:p>
         </p:txBody>
       </p:sp>
@@ -6812,7 +12668,7 @@
           <p:cNvPr id="3" name="내용 개체 틀 2">
             <a:extLst>
               <a:ext uri="{FF2B5EF4-FFF2-40B4-BE49-F238E27FC236}">
-                <a16:creationId xmlns:a16="http://schemas.microsoft.com/office/drawing/2014/main" id="{C9E1BD22-6C1C-4EE8-91D9-C12143A47BA7}"/>
+                <a16:creationId xmlns="" xmlns:a16="http://schemas.microsoft.com/office/drawing/2014/main" id="{C9E1BD22-6C1C-4EE8-91D9-C12143A47BA7}"/>
               </a:ext>
             </a:extLst>
           </p:cNvPr>
@@ -6837,7 +12693,7 @@
           <p:cNvPr id="4" name="슬라이드 번호 개체 틀 3">
             <a:extLst>
               <a:ext uri="{FF2B5EF4-FFF2-40B4-BE49-F238E27FC236}">
-                <a16:creationId xmlns:a16="http://schemas.microsoft.com/office/drawing/2014/main" id="{06806A55-E0CA-47F9-B62A-159D1E04864A}"/>
+                <a16:creationId xmlns="" xmlns:a16="http://schemas.microsoft.com/office/drawing/2014/main" id="{06806A55-E0CA-47F9-B62A-159D1E04864A}"/>
               </a:ext>
             </a:extLst>
           </p:cNvPr>
@@ -6855,7 +12711,7 @@
           <a:p>
             <a:fld id="{918A4F77-6F25-441A-99FF-4E0EAB37E818}" type="slidenum">
               <a:rPr lang="ko-KR" altLang="en-US" smtClean="0"/>
-              <a:t>6</a:t>
+              <a:t>7</a:t>
             </a:fld>
             <a:endParaRPr lang="ko-KR" altLang="en-US"/>
           </a:p>
@@ -6866,7 +12722,7 @@
           <p:cNvPr id="5" name="그림 4">
             <a:extLst>
               <a:ext uri="{FF2B5EF4-FFF2-40B4-BE49-F238E27FC236}">
-                <a16:creationId xmlns:a16="http://schemas.microsoft.com/office/drawing/2014/main" id="{E24EAEBF-0C46-43FD-82BB-B8F870785A93}"/>
+                <a16:creationId xmlns="" xmlns:a16="http://schemas.microsoft.com/office/drawing/2014/main" id="{E24EAEBF-0C46-43FD-82BB-B8F870785A93}"/>
               </a:ext>
             </a:extLst>
           </p:cNvPr>
@@ -6904,7 +12760,7 @@
 </p:sld>
 </file>
 
-<file path=ppt/slides/slide7.xml><?xml version="1.0" encoding="utf-8"?>
+<file path=ppt/slides/slide8.xml><?xml version="1.0" encoding="utf-8"?>
 <p:sld xmlns:a="http://schemas.openxmlformats.org/drawingml/2006/main" xmlns:r="http://schemas.openxmlformats.org/officeDocument/2006/relationships" xmlns:p="http://schemas.openxmlformats.org/presentationml/2006/main">
   <p:cSld>
     <p:spTree>
@@ -6923,10 +12779,123 @@
       </p:grpSpPr>
       <p:sp>
         <p:nvSpPr>
+          <p:cNvPr id="4" name="슬라이드 번호 개체 틀 3"/>
+          <p:cNvSpPr>
+            <a:spLocks noGrp="1"/>
+          </p:cNvSpPr>
+          <p:nvPr>
+            <p:ph type="sldNum" sz="quarter" idx="12"/>
+          </p:nvPr>
+        </p:nvSpPr>
+        <p:spPr/>
+        <p:txBody>
+          <a:bodyPr/>
+          <a:lstStyle/>
+          <a:p>
+            <a:fld id="{918A4F77-6F25-441A-99FF-4E0EAB37E818}" type="slidenum">
+              <a:rPr lang="ko-KR" altLang="en-US" smtClean="0"/>
+              <a:t>8</a:t>
+            </a:fld>
+            <a:endParaRPr lang="ko-KR" altLang="en-US"/>
+          </a:p>
+        </p:txBody>
+      </p:sp>
+      <p:sp>
+        <p:nvSpPr>
+          <p:cNvPr id="6" name="제목 5"/>
+          <p:cNvSpPr>
+            <a:spLocks noGrp="1"/>
+          </p:cNvSpPr>
+          <p:nvPr>
+            <p:ph type="title"/>
+          </p:nvPr>
+        </p:nvSpPr>
+        <p:spPr/>
+        <p:txBody>
+          <a:bodyPr/>
+          <a:lstStyle/>
+          <a:p>
+            <a:r>
+              <a:rPr kumimoji="1" lang="en-US" altLang="ko-KR" dirty="0" smtClean="0"/>
+              <a:t>Parameter control</a:t>
+            </a:r>
+            <a:endParaRPr kumimoji="1" lang="ko-KR" altLang="en-US" dirty="0"/>
+          </a:p>
+        </p:txBody>
+      </p:sp>
+      <p:sp>
+        <p:nvSpPr>
+          <p:cNvPr id="7" name="텍스트 개체 틀 6"/>
+          <p:cNvSpPr>
+            <a:spLocks noGrp="1"/>
+          </p:cNvSpPr>
+          <p:nvPr>
+            <p:ph type="body" idx="1"/>
+          </p:nvPr>
+        </p:nvSpPr>
+        <p:spPr/>
+        <p:txBody>
+          <a:bodyPr/>
+          <a:lstStyle/>
+          <a:p>
+            <a:pPr marL="342900" indent="-342900">
+              <a:buFont typeface="Arial" charset="0"/>
+              <a:buChar char="•"/>
+            </a:pPr>
+            <a:r>
+              <a:rPr kumimoji="1" lang="en-US" altLang="ko-KR" dirty="0" smtClean="0"/>
+              <a:t>All estimators (or models) have parameters.</a:t>
+            </a:r>
+          </a:p>
+          <a:p>
+            <a:pPr marL="342900" indent="-342900">
+              <a:buFont typeface="Arial" charset="0"/>
+              <a:buChar char="•"/>
+            </a:pPr>
+            <a:r>
+              <a:rPr kumimoji="1" lang="en-US" altLang="ko-KR" dirty="0" smtClean="0"/>
+              <a:t>If you want to get good estimators, you have to control parameters!</a:t>
+            </a:r>
+            <a:endParaRPr kumimoji="1" lang="ko-KR" altLang="en-US" dirty="0"/>
+          </a:p>
+        </p:txBody>
+      </p:sp>
+    </p:spTree>
+    <p:extLst>
+      <p:ext uri="{BB962C8B-B14F-4D97-AF65-F5344CB8AC3E}">
+        <p14:creationId xmlns:p14="http://schemas.microsoft.com/office/powerpoint/2010/main" val="1694688254"/>
+      </p:ext>
+    </p:extLst>
+  </p:cSld>
+  <p:clrMapOvr>
+    <a:masterClrMapping/>
+  </p:clrMapOvr>
+</p:sld>
+</file>
+
+<file path=ppt/slides/slide9.xml><?xml version="1.0" encoding="utf-8"?>
+<p:sld xmlns:a="http://schemas.openxmlformats.org/drawingml/2006/main" xmlns:r="http://schemas.openxmlformats.org/officeDocument/2006/relationships" xmlns:p="http://schemas.openxmlformats.org/presentationml/2006/main">
+  <p:cSld>
+    <p:spTree>
+      <p:nvGrpSpPr>
+        <p:cNvPr id="1" name=""/>
+        <p:cNvGrpSpPr/>
+        <p:nvPr/>
+      </p:nvGrpSpPr>
+      <p:grpSpPr>
+        <a:xfrm>
+          <a:off x="0" y="0"/>
+          <a:ext cx="0" cy="0"/>
+          <a:chOff x="0" y="0"/>
+          <a:chExt cx="0" cy="0"/>
+        </a:xfrm>
+      </p:grpSpPr>
+      <p:sp>
+        <p:nvSpPr>
           <p:cNvPr id="2" name="제목 1">
             <a:extLst>
               <a:ext uri="{FF2B5EF4-FFF2-40B4-BE49-F238E27FC236}">
-                <a16:creationId xmlns:a16="http://schemas.microsoft.com/office/drawing/2014/main" id="{8693DC16-1432-4EC8-84B7-84471D4C5061}"/>
+                <a16:creationId xmlns="" xmlns:a16="http://schemas.microsoft.com/office/drawing/2014/main" id="{8693DC16-1432-4EC8-84B7-84471D4C5061}"/>
               </a:ext>
             </a:extLst>
           </p:cNvPr>
@@ -6955,7 +12924,7 @@
           <p:cNvPr id="3" name="내용 개체 틀 2">
             <a:extLst>
               <a:ext uri="{FF2B5EF4-FFF2-40B4-BE49-F238E27FC236}">
-                <a16:creationId xmlns:a16="http://schemas.microsoft.com/office/drawing/2014/main" id="{4EA4DBC7-D0C0-4C37-A195-E4EBB3AC9535}"/>
+                <a16:creationId xmlns="" xmlns:a16="http://schemas.microsoft.com/office/drawing/2014/main" id="{4EA4DBC7-D0C0-4C37-A195-E4EBB3AC9535}"/>
               </a:ext>
             </a:extLst>
           </p:cNvPr>
@@ -7014,7 +12983,7 @@
           <p:cNvPr id="4" name="슬라이드 번호 개체 틀 3">
             <a:extLst>
               <a:ext uri="{FF2B5EF4-FFF2-40B4-BE49-F238E27FC236}">
-                <a16:creationId xmlns:a16="http://schemas.microsoft.com/office/drawing/2014/main" id="{8BB2062B-B0D2-4D9B-83C8-AA54F1E52DB1}"/>
+                <a16:creationId xmlns="" xmlns:a16="http://schemas.microsoft.com/office/drawing/2014/main" id="{8BB2062B-B0D2-4D9B-83C8-AA54F1E52DB1}"/>
               </a:ext>
             </a:extLst>
           </p:cNvPr>
@@ -7032,7 +13001,7 @@
           <a:p>
             <a:fld id="{918A4F77-6F25-441A-99FF-4E0EAB37E818}" type="slidenum">
               <a:rPr lang="ko-KR" altLang="en-US" smtClean="0"/>
-              <a:t>7</a:t>
+              <a:t>9</a:t>
             </a:fld>
             <a:endParaRPr lang="ko-KR" altLang="en-US"/>
           </a:p>
@@ -7043,7 +13012,7 @@
           <p:cNvPr id="1026" name="Picture 2" descr="DJ set에 대한 이미지 검색결과">
             <a:extLst>
               <a:ext uri="{FF2B5EF4-FFF2-40B4-BE49-F238E27FC236}">
-                <a16:creationId xmlns:a16="http://schemas.microsoft.com/office/drawing/2014/main" id="{B4C9B0B9-F718-4AB7-82C4-2F8B8734FDCA}"/>
+                <a16:creationId xmlns="" xmlns:a16="http://schemas.microsoft.com/office/drawing/2014/main" id="{B4C9B0B9-F718-4AB7-82C4-2F8B8734FDCA}"/>
               </a:ext>
             </a:extLst>
           </p:cNvPr>
@@ -7090,7 +13059,7 @@
           <p:cNvPr id="1028" name="Picture 4" descr="air plane pilot에 대한 이미지 검색결과">
             <a:extLst>
               <a:ext uri="{FF2B5EF4-FFF2-40B4-BE49-F238E27FC236}">
-                <a16:creationId xmlns:a16="http://schemas.microsoft.com/office/drawing/2014/main" id="{DD565B17-1CF5-416C-AAEB-2818220E1014}"/>
+                <a16:creationId xmlns="" xmlns:a16="http://schemas.microsoft.com/office/drawing/2014/main" id="{DD565B17-1CF5-416C-AAEB-2818220E1014}"/>
               </a:ext>
             </a:extLst>
           </p:cNvPr>
@@ -7136,522 +13105,6 @@
     <p:extLst>
       <p:ext uri="{BB962C8B-B14F-4D97-AF65-F5344CB8AC3E}">
         <p14:creationId xmlns:p14="http://schemas.microsoft.com/office/powerpoint/2010/main" val="131439017"/>
-      </p:ext>
-    </p:extLst>
-  </p:cSld>
-  <p:clrMapOvr>
-    <a:masterClrMapping/>
-  </p:clrMapOvr>
-</p:sld>
-</file>
-
-<file path=ppt/slides/slide8.xml><?xml version="1.0" encoding="utf-8"?>
-<p:sld xmlns:a="http://schemas.openxmlformats.org/drawingml/2006/main" xmlns:r="http://schemas.openxmlformats.org/officeDocument/2006/relationships" xmlns:p="http://schemas.openxmlformats.org/presentationml/2006/main">
-  <p:cSld>
-    <p:spTree>
-      <p:nvGrpSpPr>
-        <p:cNvPr id="1" name=""/>
-        <p:cNvGrpSpPr/>
-        <p:nvPr/>
-      </p:nvGrpSpPr>
-      <p:grpSpPr>
-        <a:xfrm>
-          <a:off x="0" y="0"/>
-          <a:ext cx="0" cy="0"/>
-          <a:chOff x="0" y="0"/>
-          <a:chExt cx="0" cy="0"/>
-        </a:xfrm>
-      </p:grpSpPr>
-      <p:sp>
-        <p:nvSpPr>
-          <p:cNvPr id="2" name="제목 1">
-            <a:extLst>
-              <a:ext uri="{FF2B5EF4-FFF2-40B4-BE49-F238E27FC236}">
-                <a16:creationId xmlns:a16="http://schemas.microsoft.com/office/drawing/2014/main" id="{14550622-A21E-464A-BD56-1995B41B38ED}"/>
-              </a:ext>
-            </a:extLst>
-          </p:cNvPr>
-          <p:cNvSpPr>
-            <a:spLocks noGrp="1"/>
-          </p:cNvSpPr>
-          <p:nvPr>
-            <p:ph type="title"/>
-          </p:nvPr>
-        </p:nvSpPr>
-        <p:spPr/>
-        <p:txBody>
-          <a:bodyPr/>
-          <a:lstStyle/>
-          <a:p>
-            <a:r>
-              <a:rPr lang="en-US" altLang="ko-KR" dirty="0"/>
-              <a:t>Control parameters of the estimator</a:t>
-            </a:r>
-            <a:endParaRPr lang="ko-KR" altLang="en-US" dirty="0"/>
-          </a:p>
-        </p:txBody>
-      </p:sp>
-      <p:sp>
-        <p:nvSpPr>
-          <p:cNvPr id="3" name="내용 개체 틀 2">
-            <a:extLst>
-              <a:ext uri="{FF2B5EF4-FFF2-40B4-BE49-F238E27FC236}">
-                <a16:creationId xmlns:a16="http://schemas.microsoft.com/office/drawing/2014/main" id="{083E2283-62FA-4CD4-BD67-91E6B398AF6B}"/>
-              </a:ext>
-            </a:extLst>
-          </p:cNvPr>
-          <p:cNvSpPr>
-            <a:spLocks noGrp="1"/>
-          </p:cNvSpPr>
-          <p:nvPr>
-            <p:ph idx="1"/>
-          </p:nvPr>
-        </p:nvSpPr>
-        <p:spPr/>
-        <p:txBody>
-          <a:bodyPr/>
-          <a:lstStyle/>
-          <a:p>
-            <a:r>
-              <a:rPr lang="en-US" altLang="ko-KR" dirty="0"/>
-              <a:t>Example: Ridge</a:t>
-            </a:r>
-            <a:endParaRPr lang="ko-KR" altLang="en-US" dirty="0"/>
-          </a:p>
-        </p:txBody>
-      </p:sp>
-      <p:sp>
-        <p:nvSpPr>
-          <p:cNvPr id="4" name="슬라이드 번호 개체 틀 3">
-            <a:extLst>
-              <a:ext uri="{FF2B5EF4-FFF2-40B4-BE49-F238E27FC236}">
-                <a16:creationId xmlns:a16="http://schemas.microsoft.com/office/drawing/2014/main" id="{64CF7AB5-C47B-4F02-9B02-F754B436946D}"/>
-              </a:ext>
-            </a:extLst>
-          </p:cNvPr>
-          <p:cNvSpPr>
-            <a:spLocks noGrp="1"/>
-          </p:cNvSpPr>
-          <p:nvPr>
-            <p:ph type="sldNum" sz="quarter" idx="12"/>
-          </p:nvPr>
-        </p:nvSpPr>
-        <p:spPr/>
-        <p:txBody>
-          <a:bodyPr/>
-          <a:lstStyle/>
-          <a:p>
-            <a:fld id="{918A4F77-6F25-441A-99FF-4E0EAB37E818}" type="slidenum">
-              <a:rPr lang="ko-KR" altLang="en-US" smtClean="0"/>
-              <a:t>8</a:t>
-            </a:fld>
-            <a:endParaRPr lang="ko-KR" altLang="en-US"/>
-          </a:p>
-        </p:txBody>
-      </p:sp>
-      <p:sp>
-        <p:nvSpPr>
-          <p:cNvPr id="5" name="직사각형 4">
-            <a:extLst>
-              <a:ext uri="{FF2B5EF4-FFF2-40B4-BE49-F238E27FC236}">
-                <a16:creationId xmlns:a16="http://schemas.microsoft.com/office/drawing/2014/main" id="{15449AC0-91B0-411B-9329-C40FE732F96D}"/>
-              </a:ext>
-            </a:extLst>
-          </p:cNvPr>
-          <p:cNvSpPr/>
-          <p:nvPr/>
-        </p:nvSpPr>
-        <p:spPr>
-          <a:xfrm>
-            <a:off x="0" y="6520491"/>
-            <a:ext cx="6497053" cy="307777"/>
-          </a:xfrm>
-          <a:prstGeom prst="rect">
-            <a:avLst/>
-          </a:prstGeom>
-        </p:spPr>
-        <p:txBody>
-          <a:bodyPr wrap="square">
-            <a:spAutoFit/>
-          </a:bodyPr>
-          <a:lstStyle/>
-          <a:p>
-            <a:r>
-              <a:rPr lang="ko-KR" altLang="en-US" sz="1400" dirty="0"/>
-              <a:t>http://scikit-learn.org/stable/modules/generated/sklearn.linear_model.Ridge.html</a:t>
-            </a:r>
-          </a:p>
-        </p:txBody>
-      </p:sp>
-      <p:pic>
-        <p:nvPicPr>
-          <p:cNvPr id="6" name="그림 5">
-            <a:extLst>
-              <a:ext uri="{FF2B5EF4-FFF2-40B4-BE49-F238E27FC236}">
-                <a16:creationId xmlns:a16="http://schemas.microsoft.com/office/drawing/2014/main" id="{83743D9A-2FE5-4A2C-8D0E-6D5B496ADCF0}"/>
-              </a:ext>
-            </a:extLst>
-          </p:cNvPr>
-          <p:cNvPicPr>
-            <a:picLocks noChangeAspect="1"/>
-          </p:cNvPicPr>
-          <p:nvPr/>
-        </p:nvPicPr>
-        <p:blipFill>
-          <a:blip r:embed="rId2"/>
-          <a:stretch>
-            <a:fillRect/>
-          </a:stretch>
-        </p:blipFill>
-        <p:spPr>
-          <a:xfrm>
-            <a:off x="0" y="1956216"/>
-            <a:ext cx="9144000" cy="2945567"/>
-          </a:xfrm>
-          <a:prstGeom prst="rect">
-            <a:avLst/>
-          </a:prstGeom>
-        </p:spPr>
-      </p:pic>
-      <p:sp>
-        <p:nvSpPr>
-          <p:cNvPr id="7" name="직사각형 6">
-            <a:extLst>
-              <a:ext uri="{FF2B5EF4-FFF2-40B4-BE49-F238E27FC236}">
-                <a16:creationId xmlns:a16="http://schemas.microsoft.com/office/drawing/2014/main" id="{FD6F8624-6A63-4289-8B32-59425761E84B}"/>
-              </a:ext>
-            </a:extLst>
-          </p:cNvPr>
-          <p:cNvSpPr/>
-          <p:nvPr/>
-        </p:nvSpPr>
-        <p:spPr>
-          <a:xfrm>
-            <a:off x="36096" y="2719137"/>
-            <a:ext cx="9059779" cy="894679"/>
-          </a:xfrm>
-          <a:prstGeom prst="rect">
-            <a:avLst/>
-          </a:prstGeom>
-          <a:noFill/>
-          <a:ln>
-            <a:solidFill>
-              <a:srgbClr val="FF0000"/>
-            </a:solidFill>
-          </a:ln>
-        </p:spPr>
-        <p:style>
-          <a:lnRef idx="2">
-            <a:schemeClr val="accent1">
-              <a:shade val="50000"/>
-            </a:schemeClr>
-          </a:lnRef>
-          <a:fillRef idx="1">
-            <a:schemeClr val="accent1"/>
-          </a:fillRef>
-          <a:effectRef idx="0">
-            <a:schemeClr val="accent1"/>
-          </a:effectRef>
-          <a:fontRef idx="minor">
-            <a:schemeClr val="lt1"/>
-          </a:fontRef>
-        </p:style>
-        <p:txBody>
-          <a:bodyPr rtlCol="0" anchor="ctr"/>
-          <a:lstStyle/>
-          <a:p>
-            <a:pPr algn="ctr"/>
-            <a:endParaRPr lang="ko-KR" altLang="en-US"/>
-          </a:p>
-        </p:txBody>
-      </p:sp>
-      <p:sp>
-        <p:nvSpPr>
-          <p:cNvPr id="8" name="TextBox 7">
-            <a:extLst>
-              <a:ext uri="{FF2B5EF4-FFF2-40B4-BE49-F238E27FC236}">
-                <a16:creationId xmlns:a16="http://schemas.microsoft.com/office/drawing/2014/main" id="{25235C07-81A2-448B-A413-82172608CD55}"/>
-              </a:ext>
-            </a:extLst>
-          </p:cNvPr>
-          <p:cNvSpPr txBox="1"/>
-          <p:nvPr/>
-        </p:nvSpPr>
-        <p:spPr>
-          <a:xfrm>
-            <a:off x="7176622" y="3652311"/>
-            <a:ext cx="1836144" cy="369332"/>
-          </a:xfrm>
-          <a:prstGeom prst="rect">
-            <a:avLst/>
-          </a:prstGeom>
-          <a:noFill/>
-        </p:spPr>
-        <p:txBody>
-          <a:bodyPr wrap="none" rtlCol="0">
-            <a:spAutoFit/>
-          </a:bodyPr>
-          <a:lstStyle/>
-          <a:p>
-            <a:r>
-              <a:rPr lang="en-US" altLang="ko-KR" i="1" dirty="0">
-                <a:solidFill>
-                  <a:srgbClr val="FF0000"/>
-                </a:solidFill>
-              </a:rPr>
-              <a:t>Initial parameters</a:t>
-            </a:r>
-            <a:endParaRPr lang="ko-KR" altLang="en-US" i="1" dirty="0">
-              <a:solidFill>
-                <a:srgbClr val="FF0000"/>
-              </a:solidFill>
-            </a:endParaRPr>
-          </a:p>
-        </p:txBody>
-      </p:sp>
-    </p:spTree>
-    <p:extLst>
-      <p:ext uri="{BB962C8B-B14F-4D97-AF65-F5344CB8AC3E}">
-        <p14:creationId xmlns:p14="http://schemas.microsoft.com/office/powerpoint/2010/main" val="384255184"/>
-      </p:ext>
-    </p:extLst>
-  </p:cSld>
-  <p:clrMapOvr>
-    <a:masterClrMapping/>
-  </p:clrMapOvr>
-</p:sld>
-</file>
-
-<file path=ppt/slides/slide9.xml><?xml version="1.0" encoding="utf-8"?>
-<p:sld xmlns:a="http://schemas.openxmlformats.org/drawingml/2006/main" xmlns:r="http://schemas.openxmlformats.org/officeDocument/2006/relationships" xmlns:p="http://schemas.openxmlformats.org/presentationml/2006/main">
-  <p:cSld>
-    <p:spTree>
-      <p:nvGrpSpPr>
-        <p:cNvPr id="1" name=""/>
-        <p:cNvGrpSpPr/>
-        <p:nvPr/>
-      </p:nvGrpSpPr>
-      <p:grpSpPr>
-        <a:xfrm>
-          <a:off x="0" y="0"/>
-          <a:ext cx="0" cy="0"/>
-          <a:chOff x="0" y="0"/>
-          <a:chExt cx="0" cy="0"/>
-        </a:xfrm>
-      </p:grpSpPr>
-      <p:sp>
-        <p:nvSpPr>
-          <p:cNvPr id="2" name="제목 1">
-            <a:extLst>
-              <a:ext uri="{FF2B5EF4-FFF2-40B4-BE49-F238E27FC236}">
-                <a16:creationId xmlns:a16="http://schemas.microsoft.com/office/drawing/2014/main" id="{14550622-A21E-464A-BD56-1995B41B38ED}"/>
-              </a:ext>
-            </a:extLst>
-          </p:cNvPr>
-          <p:cNvSpPr>
-            <a:spLocks noGrp="1"/>
-          </p:cNvSpPr>
-          <p:nvPr>
-            <p:ph type="title"/>
-          </p:nvPr>
-        </p:nvSpPr>
-        <p:spPr/>
-        <p:txBody>
-          <a:bodyPr/>
-          <a:lstStyle/>
-          <a:p>
-            <a:r>
-              <a:rPr lang="en-US" altLang="ko-KR" dirty="0"/>
-              <a:t>Control parameters of the estimator</a:t>
-            </a:r>
-            <a:endParaRPr lang="ko-KR" altLang="en-US" dirty="0"/>
-          </a:p>
-        </p:txBody>
-      </p:sp>
-      <p:sp>
-        <p:nvSpPr>
-          <p:cNvPr id="3" name="내용 개체 틀 2">
-            <a:extLst>
-              <a:ext uri="{FF2B5EF4-FFF2-40B4-BE49-F238E27FC236}">
-                <a16:creationId xmlns:a16="http://schemas.microsoft.com/office/drawing/2014/main" id="{083E2283-62FA-4CD4-BD67-91E6B398AF6B}"/>
-              </a:ext>
-            </a:extLst>
-          </p:cNvPr>
-          <p:cNvSpPr>
-            <a:spLocks noGrp="1"/>
-          </p:cNvSpPr>
-          <p:nvPr>
-            <p:ph idx="1"/>
-          </p:nvPr>
-        </p:nvSpPr>
-        <p:spPr/>
-        <p:txBody>
-          <a:bodyPr/>
-          <a:lstStyle/>
-          <a:p>
-            <a:r>
-              <a:rPr lang="en-US" altLang="ko-KR" dirty="0"/>
-              <a:t>Example: Ridge</a:t>
-            </a:r>
-          </a:p>
-          <a:p>
-            <a:pPr lvl="1"/>
-            <a:r>
-              <a:rPr lang="en-US" altLang="ko-KR" dirty="0"/>
-              <a:t>You can see parameters and responding values</a:t>
-            </a:r>
-            <a:endParaRPr lang="ko-KR" altLang="en-US" dirty="0"/>
-          </a:p>
-        </p:txBody>
-      </p:sp>
-      <p:sp>
-        <p:nvSpPr>
-          <p:cNvPr id="4" name="슬라이드 번호 개체 틀 3">
-            <a:extLst>
-              <a:ext uri="{FF2B5EF4-FFF2-40B4-BE49-F238E27FC236}">
-                <a16:creationId xmlns:a16="http://schemas.microsoft.com/office/drawing/2014/main" id="{64CF7AB5-C47B-4F02-9B02-F754B436946D}"/>
-              </a:ext>
-            </a:extLst>
-          </p:cNvPr>
-          <p:cNvSpPr>
-            <a:spLocks noGrp="1"/>
-          </p:cNvSpPr>
-          <p:nvPr>
-            <p:ph type="sldNum" sz="quarter" idx="12"/>
-          </p:nvPr>
-        </p:nvSpPr>
-        <p:spPr/>
-        <p:txBody>
-          <a:bodyPr/>
-          <a:lstStyle/>
-          <a:p>
-            <a:fld id="{918A4F77-6F25-441A-99FF-4E0EAB37E818}" type="slidenum">
-              <a:rPr lang="ko-KR" altLang="en-US" smtClean="0"/>
-              <a:t>9</a:t>
-            </a:fld>
-            <a:endParaRPr lang="ko-KR" altLang="en-US"/>
-          </a:p>
-        </p:txBody>
-      </p:sp>
-      <p:sp>
-        <p:nvSpPr>
-          <p:cNvPr id="5" name="직사각형 4">
-            <a:extLst>
-              <a:ext uri="{FF2B5EF4-FFF2-40B4-BE49-F238E27FC236}">
-                <a16:creationId xmlns:a16="http://schemas.microsoft.com/office/drawing/2014/main" id="{15449AC0-91B0-411B-9329-C40FE732F96D}"/>
-              </a:ext>
-            </a:extLst>
-          </p:cNvPr>
-          <p:cNvSpPr/>
-          <p:nvPr/>
-        </p:nvSpPr>
-        <p:spPr>
-          <a:xfrm>
-            <a:off x="0" y="6520491"/>
-            <a:ext cx="6497053" cy="307777"/>
-          </a:xfrm>
-          <a:prstGeom prst="rect">
-            <a:avLst/>
-          </a:prstGeom>
-        </p:spPr>
-        <p:txBody>
-          <a:bodyPr wrap="square">
-            <a:spAutoFit/>
-          </a:bodyPr>
-          <a:lstStyle/>
-          <a:p>
-            <a:r>
-              <a:rPr lang="ko-KR" altLang="en-US" sz="1400" dirty="0"/>
-              <a:t>http://scikit-learn.org/stable/modules/generated/sklearn.linear_model.Ridge.html</a:t>
-            </a:r>
-          </a:p>
-        </p:txBody>
-      </p:sp>
-      <p:pic>
-        <p:nvPicPr>
-          <p:cNvPr id="9" name="그림 8">
-            <a:extLst>
-              <a:ext uri="{FF2B5EF4-FFF2-40B4-BE49-F238E27FC236}">
-                <a16:creationId xmlns:a16="http://schemas.microsoft.com/office/drawing/2014/main" id="{4CEC100C-031A-4901-96CF-4E0A212F0234}"/>
-              </a:ext>
-            </a:extLst>
-          </p:cNvPr>
-          <p:cNvPicPr>
-            <a:picLocks noChangeAspect="1"/>
-          </p:cNvPicPr>
-          <p:nvPr/>
-        </p:nvPicPr>
-        <p:blipFill>
-          <a:blip r:embed="rId2"/>
-          <a:stretch>
-            <a:fillRect/>
-          </a:stretch>
-        </p:blipFill>
-        <p:spPr>
-          <a:xfrm>
-            <a:off x="2951497" y="2234967"/>
-            <a:ext cx="5554830" cy="4099571"/>
-          </a:xfrm>
-          <a:prstGeom prst="rect">
-            <a:avLst/>
-          </a:prstGeom>
-        </p:spPr>
-      </p:pic>
-      <p:sp>
-        <p:nvSpPr>
-          <p:cNvPr id="10" name="TextBox 9">
-            <a:extLst>
-              <a:ext uri="{FF2B5EF4-FFF2-40B4-BE49-F238E27FC236}">
-                <a16:creationId xmlns:a16="http://schemas.microsoft.com/office/drawing/2014/main" id="{E64BE232-2992-43FD-8FA5-84BE04A8889E}"/>
-              </a:ext>
-            </a:extLst>
-          </p:cNvPr>
-          <p:cNvSpPr txBox="1"/>
-          <p:nvPr/>
-        </p:nvSpPr>
-        <p:spPr>
-          <a:xfrm>
-            <a:off x="565484" y="3068053"/>
-            <a:ext cx="2480487" cy="830997"/>
-          </a:xfrm>
-          <a:prstGeom prst="rect">
-            <a:avLst/>
-          </a:prstGeom>
-          <a:noFill/>
-        </p:spPr>
-        <p:txBody>
-          <a:bodyPr wrap="none" rtlCol="0">
-            <a:spAutoFit/>
-          </a:bodyPr>
-          <a:lstStyle/>
-          <a:p>
-            <a:r>
-              <a:rPr lang="en-US" altLang="ko-KR" sz="2400" i="1" dirty="0"/>
-              <a:t>‘solver’ </a:t>
-            </a:r>
-            <a:r>
-              <a:rPr lang="en-US" altLang="ko-KR" sz="2400" dirty="0"/>
-              <a:t>parameter</a:t>
-            </a:r>
-            <a:br>
-              <a:rPr lang="en-US" altLang="ko-KR" sz="2400" i="1" dirty="0"/>
-            </a:br>
-            <a:r>
-              <a:rPr lang="en-US" altLang="ko-KR" sz="2400" dirty="0"/>
-              <a:t>for</a:t>
-            </a:r>
-            <a:r>
-              <a:rPr lang="en-US" altLang="ko-KR" sz="2400" i="1" dirty="0"/>
-              <a:t> Ridge</a:t>
-            </a:r>
-            <a:endParaRPr lang="ko-KR" altLang="en-US" sz="2400" i="1" dirty="0"/>
-          </a:p>
-        </p:txBody>
-      </p:sp>
-    </p:spTree>
-    <p:extLst>
-      <p:ext uri="{BB962C8B-B14F-4D97-AF65-F5344CB8AC3E}">
-        <p14:creationId xmlns:p14="http://schemas.microsoft.com/office/powerpoint/2010/main" val="1174786628"/>
       </p:ext>
     </p:extLst>
   </p:cSld>

--- a/02_Linear_regression/Lab01_Linear_regression.pptx
+++ b/02_Linear_regression/Lab01_Linear_regression.pptx
@@ -238,7 +238,7 @@
           <a:p>
             <a:fld id="{5133A210-11CB-4406-AD69-106C78B08EF4}" type="datetimeFigureOut">
               <a:rPr lang="ko-KR" altLang="en-US" smtClean="0"/>
-              <a:t>2017. 7. 11.</a:t>
+              <a:t>2017. 7. 13.</a:t>
             </a:fld>
             <a:endParaRPr lang="ko-KR" altLang="en-US"/>
           </a:p>
@@ -403,7 +403,7 @@
           <a:p>
             <a:fld id="{990FF436-EE12-497A-A228-2A8D3D8D5F8A}" type="datetimeFigureOut">
               <a:rPr lang="ko-KR" altLang="en-US" smtClean="0"/>
-              <a:t>2017. 7. 11.</a:t>
+              <a:t>2017. 7. 13.</a:t>
             </a:fld>
             <a:endParaRPr lang="ko-KR" altLang="en-US"/>
           </a:p>
@@ -4049,7 +4049,7 @@
           <p:cNvPr id="2" name="제목 1">
             <a:extLst>
               <a:ext uri="{FF2B5EF4-FFF2-40B4-BE49-F238E27FC236}">
-                <a16:creationId xmlns:a16="http://schemas.microsoft.com/office/drawing/2014/main" xmlns="" id="{14550622-A21E-464A-BD56-1995B41B38ED}"/>
+                <a16:creationId xmlns="" xmlns:a16="http://schemas.microsoft.com/office/drawing/2014/main" id="{14550622-A21E-464A-BD56-1995B41B38ED}"/>
               </a:ext>
             </a:extLst>
           </p:cNvPr>
@@ -4078,7 +4078,7 @@
           <p:cNvPr id="3" name="내용 개체 틀 2">
             <a:extLst>
               <a:ext uri="{FF2B5EF4-FFF2-40B4-BE49-F238E27FC236}">
-                <a16:creationId xmlns:a16="http://schemas.microsoft.com/office/drawing/2014/main" xmlns="" id="{083E2283-62FA-4CD4-BD67-91E6B398AF6B}"/>
+                <a16:creationId xmlns="" xmlns:a16="http://schemas.microsoft.com/office/drawing/2014/main" id="{083E2283-62FA-4CD4-BD67-91E6B398AF6B}"/>
               </a:ext>
             </a:extLst>
           </p:cNvPr>
@@ -4111,7 +4111,7 @@
           <p:cNvPr id="4" name="슬라이드 번호 개체 틀 3">
             <a:extLst>
               <a:ext uri="{FF2B5EF4-FFF2-40B4-BE49-F238E27FC236}">
-                <a16:creationId xmlns:a16="http://schemas.microsoft.com/office/drawing/2014/main" xmlns="" id="{64CF7AB5-C47B-4F02-9B02-F754B436946D}"/>
+                <a16:creationId xmlns="" xmlns:a16="http://schemas.microsoft.com/office/drawing/2014/main" id="{64CF7AB5-C47B-4F02-9B02-F754B436946D}"/>
               </a:ext>
             </a:extLst>
           </p:cNvPr>
@@ -4140,7 +4140,7 @@
           <p:cNvPr id="5" name="직사각형 4">
             <a:extLst>
               <a:ext uri="{FF2B5EF4-FFF2-40B4-BE49-F238E27FC236}">
-                <a16:creationId xmlns:a16="http://schemas.microsoft.com/office/drawing/2014/main" xmlns="" id="{15449AC0-91B0-411B-9329-C40FE732F96D}"/>
+                <a16:creationId xmlns="" xmlns:a16="http://schemas.microsoft.com/office/drawing/2014/main" id="{15449AC0-91B0-411B-9329-C40FE732F96D}"/>
               </a:ext>
             </a:extLst>
           </p:cNvPr>
@@ -4183,7 +4183,7 @@
           <p:cNvPr id="6" name="그림 5">
             <a:extLst>
               <a:ext uri="{FF2B5EF4-FFF2-40B4-BE49-F238E27FC236}">
-                <a16:creationId xmlns:a16="http://schemas.microsoft.com/office/drawing/2014/main" xmlns="" id="{83743D9A-2FE5-4A2C-8D0E-6D5B496ADCF0}"/>
+                <a16:creationId xmlns="" xmlns:a16="http://schemas.microsoft.com/office/drawing/2014/main" id="{83743D9A-2FE5-4A2C-8D0E-6D5B496ADCF0}"/>
               </a:ext>
             </a:extLst>
           </p:cNvPr>
@@ -4213,7 +4213,7 @@
           <p:cNvPr id="7" name="직사각형 6">
             <a:extLst>
               <a:ext uri="{FF2B5EF4-FFF2-40B4-BE49-F238E27FC236}">
-                <a16:creationId xmlns:a16="http://schemas.microsoft.com/office/drawing/2014/main" xmlns="" id="{FD6F8624-6A63-4289-8B32-59425761E84B}"/>
+                <a16:creationId xmlns="" xmlns:a16="http://schemas.microsoft.com/office/drawing/2014/main" id="{FD6F8624-6A63-4289-8B32-59425761E84B}"/>
               </a:ext>
             </a:extLst>
           </p:cNvPr>
@@ -4265,7 +4265,7 @@
           <p:cNvPr id="8" name="TextBox 7">
             <a:extLst>
               <a:ext uri="{FF2B5EF4-FFF2-40B4-BE49-F238E27FC236}">
-                <a16:creationId xmlns:a16="http://schemas.microsoft.com/office/drawing/2014/main" xmlns="" id="{25235C07-81A2-448B-A413-82172608CD55}"/>
+                <a16:creationId xmlns="" xmlns:a16="http://schemas.microsoft.com/office/drawing/2014/main" id="{25235C07-81A2-448B-A413-82172608CD55}"/>
               </a:ext>
             </a:extLst>
           </p:cNvPr>
@@ -4346,7 +4346,7 @@
           <p:cNvPr id="2" name="제목 1">
             <a:extLst>
               <a:ext uri="{FF2B5EF4-FFF2-40B4-BE49-F238E27FC236}">
-                <a16:creationId xmlns:a16="http://schemas.microsoft.com/office/drawing/2014/main" xmlns="" id="{14550622-A21E-464A-BD56-1995B41B38ED}"/>
+                <a16:creationId xmlns="" xmlns:a16="http://schemas.microsoft.com/office/drawing/2014/main" id="{14550622-A21E-464A-BD56-1995B41B38ED}"/>
               </a:ext>
             </a:extLst>
           </p:cNvPr>
@@ -4375,7 +4375,7 @@
           <p:cNvPr id="3" name="내용 개체 틀 2">
             <a:extLst>
               <a:ext uri="{FF2B5EF4-FFF2-40B4-BE49-F238E27FC236}">
-                <a16:creationId xmlns:a16="http://schemas.microsoft.com/office/drawing/2014/main" xmlns="" id="{083E2283-62FA-4CD4-BD67-91E6B398AF6B}"/>
+                <a16:creationId xmlns="" xmlns:a16="http://schemas.microsoft.com/office/drawing/2014/main" id="{083E2283-62FA-4CD4-BD67-91E6B398AF6B}"/>
               </a:ext>
             </a:extLst>
           </p:cNvPr>
@@ -4411,7 +4411,7 @@
           <p:cNvPr id="4" name="슬라이드 번호 개체 틀 3">
             <a:extLst>
               <a:ext uri="{FF2B5EF4-FFF2-40B4-BE49-F238E27FC236}">
-                <a16:creationId xmlns:a16="http://schemas.microsoft.com/office/drawing/2014/main" xmlns="" id="{64CF7AB5-C47B-4F02-9B02-F754B436946D}"/>
+                <a16:creationId xmlns="" xmlns:a16="http://schemas.microsoft.com/office/drawing/2014/main" id="{64CF7AB5-C47B-4F02-9B02-F754B436946D}"/>
               </a:ext>
             </a:extLst>
           </p:cNvPr>
@@ -4440,7 +4440,7 @@
           <p:cNvPr id="5" name="직사각형 4">
             <a:extLst>
               <a:ext uri="{FF2B5EF4-FFF2-40B4-BE49-F238E27FC236}">
-                <a16:creationId xmlns:a16="http://schemas.microsoft.com/office/drawing/2014/main" xmlns="" id="{15449AC0-91B0-411B-9329-C40FE732F96D}"/>
+                <a16:creationId xmlns="" xmlns:a16="http://schemas.microsoft.com/office/drawing/2014/main" id="{15449AC0-91B0-411B-9329-C40FE732F96D}"/>
               </a:ext>
             </a:extLst>
           </p:cNvPr>
@@ -4483,7 +4483,7 @@
           <p:cNvPr id="9" name="그림 8">
             <a:extLst>
               <a:ext uri="{FF2B5EF4-FFF2-40B4-BE49-F238E27FC236}">
-                <a16:creationId xmlns:a16="http://schemas.microsoft.com/office/drawing/2014/main" xmlns="" id="{4CEC100C-031A-4901-96CF-4E0A212F0234}"/>
+                <a16:creationId xmlns="" xmlns:a16="http://schemas.microsoft.com/office/drawing/2014/main" id="{4CEC100C-031A-4901-96CF-4E0A212F0234}"/>
               </a:ext>
             </a:extLst>
           </p:cNvPr>
@@ -4513,7 +4513,7 @@
           <p:cNvPr id="10" name="TextBox 9">
             <a:extLst>
               <a:ext uri="{FF2B5EF4-FFF2-40B4-BE49-F238E27FC236}">
-                <a16:creationId xmlns:a16="http://schemas.microsoft.com/office/drawing/2014/main" xmlns="" id="{E64BE232-2992-43FD-8FA5-84BE04A8889E}"/>
+                <a16:creationId xmlns="" xmlns:a16="http://schemas.microsoft.com/office/drawing/2014/main" id="{E64BE232-2992-43FD-8FA5-84BE04A8889E}"/>
               </a:ext>
             </a:extLst>
           </p:cNvPr>
@@ -9027,7 +9027,7 @@
           <p:cNvPr id="6" name="직사각형 5">
             <a:extLst>
               <a:ext uri="{FF2B5EF4-FFF2-40B4-BE49-F238E27FC236}">
-                <a16:creationId xmlns:a16="http://schemas.microsoft.com/office/drawing/2014/main" xmlns="" id="{15449AC0-91B0-411B-9329-C40FE732F96D}"/>
+                <a16:creationId xmlns="" xmlns:a16="http://schemas.microsoft.com/office/drawing/2014/main" id="{15449AC0-91B0-411B-9329-C40FE732F96D}"/>
               </a:ext>
             </a:extLst>
           </p:cNvPr>
@@ -9313,7 +9313,7 @@
           <p:cNvPr id="6" name="직사각형 5">
             <a:extLst>
               <a:ext uri="{FF2B5EF4-FFF2-40B4-BE49-F238E27FC236}">
-                <a16:creationId xmlns:a16="http://schemas.microsoft.com/office/drawing/2014/main" xmlns="" id="{15449AC0-91B0-411B-9329-C40FE732F96D}"/>
+                <a16:creationId xmlns="" xmlns:a16="http://schemas.microsoft.com/office/drawing/2014/main" id="{15449AC0-91B0-411B-9329-C40FE732F96D}"/>
               </a:ext>
             </a:extLst>
           </p:cNvPr>
@@ -9557,7 +9557,7 @@
           <p:cNvPr id="7" name="직사각형 6">
             <a:extLst>
               <a:ext uri="{FF2B5EF4-FFF2-40B4-BE49-F238E27FC236}">
-                <a16:creationId xmlns:a16="http://schemas.microsoft.com/office/drawing/2014/main" xmlns="" id="{15449AC0-91B0-411B-9329-C40FE732F96D}"/>
+                <a16:creationId xmlns="" xmlns:a16="http://schemas.microsoft.com/office/drawing/2014/main" id="{15449AC0-91B0-411B-9329-C40FE732F96D}"/>
               </a:ext>
             </a:extLst>
           </p:cNvPr>
@@ -13979,7 +13979,7 @@
           <p:cNvPr id="7" name="직사각형 6">
             <a:extLst>
               <a:ext uri="{FF2B5EF4-FFF2-40B4-BE49-F238E27FC236}">
-                <a16:creationId xmlns:a16="http://schemas.microsoft.com/office/drawing/2014/main" xmlns="" id="{15449AC0-91B0-411B-9329-C40FE732F96D}"/>
+                <a16:creationId xmlns="" xmlns:a16="http://schemas.microsoft.com/office/drawing/2014/main" id="{15449AC0-91B0-411B-9329-C40FE732F96D}"/>
               </a:ext>
             </a:extLst>
           </p:cNvPr>
@@ -14532,7 +14532,7 @@
           <p:cNvPr id="6" name="직사각형 5">
             <a:extLst>
               <a:ext uri="{FF2B5EF4-FFF2-40B4-BE49-F238E27FC236}">
-                <a16:creationId xmlns:a16="http://schemas.microsoft.com/office/drawing/2014/main" xmlns="" id="{15449AC0-91B0-411B-9329-C40FE732F96D}"/>
+                <a16:creationId xmlns="" xmlns:a16="http://schemas.microsoft.com/office/drawing/2014/main" id="{15449AC0-91B0-411B-9329-C40FE732F96D}"/>
               </a:ext>
             </a:extLst>
           </p:cNvPr>
@@ -14723,8 +14723,8 @@
           </a:prstGeom>
         </p:spPr>
       </p:pic>
-      <mc:AlternateContent xmlns:mc="http://schemas.openxmlformats.org/markup-compatibility/2006">
-        <mc:Choice xmlns:a14="http://schemas.microsoft.com/office/drawing/2010/main" Requires="a14">
+      <mc:AlternateContent xmlns:mc="http://schemas.openxmlformats.org/markup-compatibility/2006" xmlns:a14="http://schemas.microsoft.com/office/drawing/2010/main">
+        <mc:Choice Requires="a14">
           <p:sp>
             <p:nvSpPr>
               <p:cNvPr id="8" name="텍스트 상자 7"/>
@@ -15257,7 +15257,7 @@
             </p:txBody>
           </p:sp>
         </mc:Choice>
-        <mc:Fallback>
+        <mc:Fallback xmlns="">
           <p:sp>
             <p:nvSpPr>
               <p:cNvPr id="8" name="텍스트 상자 7"/>
@@ -15296,8 +15296,8 @@
           </p:sp>
         </mc:Fallback>
       </mc:AlternateContent>
-      <mc:AlternateContent xmlns:mc="http://schemas.openxmlformats.org/markup-compatibility/2006">
-        <mc:Choice xmlns:a14="http://schemas.microsoft.com/office/drawing/2010/main" Requires="a14">
+      <mc:AlternateContent xmlns:mc="http://schemas.openxmlformats.org/markup-compatibility/2006" xmlns:a14="http://schemas.microsoft.com/office/drawing/2010/main">
+        <mc:Choice Requires="a14">
           <p:sp>
             <p:nvSpPr>
               <p:cNvPr id="9" name="텍스트 상자 8"/>
@@ -15475,7 +15475,7 @@
             </p:txBody>
           </p:sp>
         </mc:Choice>
-        <mc:Fallback>
+        <mc:Fallback xmlns="">
           <p:sp>
             <p:nvSpPr>
               <p:cNvPr id="9" name="텍스트 상자 8"/>
@@ -19512,7 +19512,7 @@
           <p:cNvPr id="6" name="제목 5">
             <a:extLst>
               <a:ext uri="{FF2B5EF4-FFF2-40B4-BE49-F238E27FC236}">
-                <a16:creationId xmlns:a16="http://schemas.microsoft.com/office/drawing/2014/main" xmlns="" id="{6DE3C140-0754-4C76-9911-77AE4C360AAD}"/>
+                <a16:creationId xmlns="" xmlns:a16="http://schemas.microsoft.com/office/drawing/2014/main" id="{6DE3C140-0754-4C76-9911-77AE4C360AAD}"/>
               </a:ext>
             </a:extLst>
           </p:cNvPr>
@@ -19541,7 +19541,7 @@
           <p:cNvPr id="4" name="슬라이드 번호 개체 틀 3">
             <a:extLst>
               <a:ext uri="{FF2B5EF4-FFF2-40B4-BE49-F238E27FC236}">
-                <a16:creationId xmlns:a16="http://schemas.microsoft.com/office/drawing/2014/main" xmlns="" id="{5720181F-2887-4E11-B306-C644A97CEB12}"/>
+                <a16:creationId xmlns="" xmlns:a16="http://schemas.microsoft.com/office/drawing/2014/main" id="{5720181F-2887-4E11-B306-C644A97CEB12}"/>
               </a:ext>
             </a:extLst>
           </p:cNvPr>
@@ -19570,7 +19570,7 @@
           <p:cNvPr id="8" name="직사각형 7">
             <a:extLst>
               <a:ext uri="{FF2B5EF4-FFF2-40B4-BE49-F238E27FC236}">
-                <a16:creationId xmlns:a16="http://schemas.microsoft.com/office/drawing/2014/main" xmlns="" id="{E1DF316C-1F60-413C-BC5B-20D987F76686}"/>
+                <a16:creationId xmlns="" xmlns:a16="http://schemas.microsoft.com/office/drawing/2014/main" id="{E1DF316C-1F60-413C-BC5B-20D987F76686}"/>
               </a:ext>
             </a:extLst>
           </p:cNvPr>
@@ -19623,7 +19623,7 @@
           <p:cNvPr id="9" name="직사각형 8">
             <a:extLst>
               <a:ext uri="{FF2B5EF4-FFF2-40B4-BE49-F238E27FC236}">
-                <a16:creationId xmlns:a16="http://schemas.microsoft.com/office/drawing/2014/main" xmlns="" id="{05FB6732-16E4-4C43-8268-B4F4C5B72219}"/>
+                <a16:creationId xmlns="" xmlns:a16="http://schemas.microsoft.com/office/drawing/2014/main" id="{05FB6732-16E4-4C43-8268-B4F4C5B72219}"/>
               </a:ext>
             </a:extLst>
           </p:cNvPr>
@@ -19676,7 +19676,7 @@
           <p:cNvPr id="10" name="왼쪽 중괄호 9">
             <a:extLst>
               <a:ext uri="{FF2B5EF4-FFF2-40B4-BE49-F238E27FC236}">
-                <a16:creationId xmlns:a16="http://schemas.microsoft.com/office/drawing/2014/main" xmlns="" id="{74F19603-DB98-44ED-A3A6-90259C8894C5}"/>
+                <a16:creationId xmlns="" xmlns:a16="http://schemas.microsoft.com/office/drawing/2014/main" id="{74F19603-DB98-44ED-A3A6-90259C8894C5}"/>
               </a:ext>
             </a:extLst>
           </p:cNvPr>
@@ -19720,7 +19720,7 @@
           <p:cNvPr id="11" name="TextBox 10">
             <a:extLst>
               <a:ext uri="{FF2B5EF4-FFF2-40B4-BE49-F238E27FC236}">
-                <a16:creationId xmlns:a16="http://schemas.microsoft.com/office/drawing/2014/main" xmlns="" id="{2C352AC6-38B9-4945-90EC-C1B0A3B36518}"/>
+                <a16:creationId xmlns="" xmlns:a16="http://schemas.microsoft.com/office/drawing/2014/main" id="{2C352AC6-38B9-4945-90EC-C1B0A3B36518}"/>
               </a:ext>
             </a:extLst>
           </p:cNvPr>
@@ -19757,7 +19757,7 @@
           <p:cNvPr id="12" name="오른쪽 화살표 9">
             <a:extLst>
               <a:ext uri="{FF2B5EF4-FFF2-40B4-BE49-F238E27FC236}">
-                <a16:creationId xmlns:a16="http://schemas.microsoft.com/office/drawing/2014/main" xmlns="" id="{29EE9C69-506C-47A8-8A8D-574AD790FDBF}"/>
+                <a16:creationId xmlns="" xmlns:a16="http://schemas.microsoft.com/office/drawing/2014/main" id="{29EE9C69-506C-47A8-8A8D-574AD790FDBF}"/>
               </a:ext>
             </a:extLst>
           </p:cNvPr>
@@ -19801,7 +19801,7 @@
           <p:cNvPr id="13" name="직사각형 12">
             <a:extLst>
               <a:ext uri="{FF2B5EF4-FFF2-40B4-BE49-F238E27FC236}">
-                <a16:creationId xmlns:a16="http://schemas.microsoft.com/office/drawing/2014/main" xmlns="" id="{CAFDCCBD-4E7B-46A6-8FCC-B20E57C63B24}"/>
+                <a16:creationId xmlns="" xmlns:a16="http://schemas.microsoft.com/office/drawing/2014/main" id="{CAFDCCBD-4E7B-46A6-8FCC-B20E57C63B24}"/>
               </a:ext>
             </a:extLst>
           </p:cNvPr>
@@ -19854,7 +19854,7 @@
           <p:cNvPr id="14" name="직사각형 13">
             <a:extLst>
               <a:ext uri="{FF2B5EF4-FFF2-40B4-BE49-F238E27FC236}">
-                <a16:creationId xmlns:a16="http://schemas.microsoft.com/office/drawing/2014/main" xmlns="" id="{FADCDDE8-8DBF-4BE5-A3CA-ED7F059FE11A}"/>
+                <a16:creationId xmlns="" xmlns:a16="http://schemas.microsoft.com/office/drawing/2014/main" id="{FADCDDE8-8DBF-4BE5-A3CA-ED7F059FE11A}"/>
               </a:ext>
             </a:extLst>
           </p:cNvPr>
@@ -19907,7 +19907,7 @@
           <p:cNvPr id="15" name="직사각형 14">
             <a:extLst>
               <a:ext uri="{FF2B5EF4-FFF2-40B4-BE49-F238E27FC236}">
-                <a16:creationId xmlns:a16="http://schemas.microsoft.com/office/drawing/2014/main" xmlns="" id="{23A03E79-A00A-4549-9728-10733CE3D1DC}"/>
+                <a16:creationId xmlns="" xmlns:a16="http://schemas.microsoft.com/office/drawing/2014/main" id="{23A03E79-A00A-4549-9728-10733CE3D1DC}"/>
               </a:ext>
             </a:extLst>
           </p:cNvPr>
@@ -19960,7 +19960,7 @@
           <p:cNvPr id="16" name="직사각형 15">
             <a:extLst>
               <a:ext uri="{FF2B5EF4-FFF2-40B4-BE49-F238E27FC236}">
-                <a16:creationId xmlns:a16="http://schemas.microsoft.com/office/drawing/2014/main" xmlns="" id="{96C4BC78-0F15-4F6F-863D-557AA942602C}"/>
+                <a16:creationId xmlns="" xmlns:a16="http://schemas.microsoft.com/office/drawing/2014/main" id="{96C4BC78-0F15-4F6F-863D-557AA942602C}"/>
               </a:ext>
             </a:extLst>
           </p:cNvPr>
@@ -20013,7 +20013,7 @@
           <p:cNvPr id="17" name="왼쪽 중괄호 16">
             <a:extLst>
               <a:ext uri="{FF2B5EF4-FFF2-40B4-BE49-F238E27FC236}">
-                <a16:creationId xmlns:a16="http://schemas.microsoft.com/office/drawing/2014/main" xmlns="" id="{F54CEA52-6B61-4485-A81A-1FF2E321D4BA}"/>
+                <a16:creationId xmlns="" xmlns:a16="http://schemas.microsoft.com/office/drawing/2014/main" id="{F54CEA52-6B61-4485-A81A-1FF2E321D4BA}"/>
               </a:ext>
             </a:extLst>
           </p:cNvPr>
@@ -20057,7 +20057,7 @@
           <p:cNvPr id="18" name="왼쪽 중괄호 17">
             <a:extLst>
               <a:ext uri="{FF2B5EF4-FFF2-40B4-BE49-F238E27FC236}">
-                <a16:creationId xmlns:a16="http://schemas.microsoft.com/office/drawing/2014/main" xmlns="" id="{DC6A8C0F-486C-4C60-A5B9-D03FEE3661A5}"/>
+                <a16:creationId xmlns="" xmlns:a16="http://schemas.microsoft.com/office/drawing/2014/main" id="{DC6A8C0F-486C-4C60-A5B9-D03FEE3661A5}"/>
               </a:ext>
             </a:extLst>
           </p:cNvPr>
@@ -20101,7 +20101,7 @@
           <p:cNvPr id="19" name="TextBox 18">
             <a:extLst>
               <a:ext uri="{FF2B5EF4-FFF2-40B4-BE49-F238E27FC236}">
-                <a16:creationId xmlns:a16="http://schemas.microsoft.com/office/drawing/2014/main" xmlns="" id="{941BE28D-8D46-402D-8305-831C707028CC}"/>
+                <a16:creationId xmlns="" xmlns:a16="http://schemas.microsoft.com/office/drawing/2014/main" id="{941BE28D-8D46-402D-8305-831C707028CC}"/>
               </a:ext>
             </a:extLst>
           </p:cNvPr>
@@ -20145,7 +20145,7 @@
           <p:cNvPr id="20" name="TextBox 19">
             <a:extLst>
               <a:ext uri="{FF2B5EF4-FFF2-40B4-BE49-F238E27FC236}">
-                <a16:creationId xmlns:a16="http://schemas.microsoft.com/office/drawing/2014/main" xmlns="" id="{907FC651-B860-4803-A885-0FFCC07AD3D2}"/>
+                <a16:creationId xmlns="" xmlns:a16="http://schemas.microsoft.com/office/drawing/2014/main" id="{907FC651-B860-4803-A885-0FFCC07AD3D2}"/>
               </a:ext>
             </a:extLst>
           </p:cNvPr>
@@ -20231,18 +20231,14 @@
           <a:p>
             <a:r>
               <a:rPr kumimoji="1" lang="en-US" altLang="ko-KR" dirty="0" smtClean="0"/>
-              <a:t>Polynomial </a:t>
-            </a:r>
-            <a:r>
-              <a:rPr kumimoji="1" lang="en-US" altLang="ko-KR" dirty="0" smtClean="0"/>
-              <a:t>regression</a:t>
+              <a:t>Polynomial regression</a:t>
             </a:r>
             <a:endParaRPr kumimoji="1" lang="ko-KR" altLang="en-US" dirty="0"/>
           </a:p>
         </p:txBody>
       </p:sp>
-      <mc:AlternateContent xmlns:mc="http://schemas.openxmlformats.org/markup-compatibility/2006">
-        <mc:Choice xmlns:a14="http://schemas.microsoft.com/office/drawing/2010/main" Requires="a14">
+      <mc:AlternateContent xmlns:mc="http://schemas.openxmlformats.org/markup-compatibility/2006" xmlns:a14="http://schemas.microsoft.com/office/drawing/2010/main">
+        <mc:Choice Requires="a14">
           <p:sp>
             <p:nvSpPr>
               <p:cNvPr id="6" name="내용 개체 틀 5"/>
@@ -20348,7 +20344,7 @@
             </p:txBody>
           </p:sp>
         </mc:Choice>
-        <mc:Fallback>
+        <mc:Fallback xmlns="">
           <p:sp>
             <p:nvSpPr>
               <p:cNvPr id="6" name="내용 개체 틀 5"/>
@@ -20405,8 +20401,8 @@
           </a:p>
         </p:txBody>
       </p:sp>
-      <mc:AlternateContent xmlns:mc="http://schemas.openxmlformats.org/markup-compatibility/2006">
-        <mc:Choice xmlns:a14="http://schemas.microsoft.com/office/drawing/2010/main" Requires="a14">
+      <mc:AlternateContent xmlns:mc="http://schemas.openxmlformats.org/markup-compatibility/2006" xmlns:a14="http://schemas.microsoft.com/office/drawing/2010/main">
+        <mc:Choice Requires="a14">
           <p:graphicFrame>
             <p:nvGraphicFramePr>
               <p:cNvPr id="3" name="표 2"/>
@@ -20857,7 +20853,7 @@
             </a:graphic>
           </p:graphicFrame>
         </mc:Choice>
-        <mc:Fallback>
+        <mc:Fallback xmlns="">
           <p:graphicFrame>
             <p:nvGraphicFramePr>
               <p:cNvPr id="3" name="표 2"/>
@@ -21224,8 +21220,8 @@
           </p:graphicFrame>
         </mc:Fallback>
       </mc:AlternateContent>
-      <mc:AlternateContent xmlns:mc="http://schemas.openxmlformats.org/markup-compatibility/2006">
-        <mc:Choice xmlns:a14="http://schemas.microsoft.com/office/drawing/2010/main" Requires="a14">
+      <mc:AlternateContent xmlns:mc="http://schemas.openxmlformats.org/markup-compatibility/2006" xmlns:a14="http://schemas.microsoft.com/office/drawing/2010/main">
+        <mc:Choice Requires="a14">
           <p:graphicFrame>
             <p:nvGraphicFramePr>
               <p:cNvPr id="7" name="표 6"/>
@@ -22219,7 +22215,7 @@
             </a:graphic>
           </p:graphicFrame>
         </mc:Choice>
-        <mc:Fallback>
+        <mc:Fallback xmlns="">
           <p:graphicFrame>
             <p:nvGraphicFramePr>
               <p:cNvPr id="7" name="표 6"/>
@@ -22910,8 +22906,8 @@
           </p:graphicFrame>
         </mc:Fallback>
       </mc:AlternateContent>
-      <mc:AlternateContent xmlns:mc="http://schemas.openxmlformats.org/markup-compatibility/2006">
-        <mc:Choice xmlns:a14="http://schemas.microsoft.com/office/drawing/2010/main" Requires="a14">
+      <mc:AlternateContent xmlns:mc="http://schemas.openxmlformats.org/markup-compatibility/2006" xmlns:a14="http://schemas.microsoft.com/office/drawing/2010/main">
+        <mc:Choice Requires="a14">
           <p:sp>
             <p:nvSpPr>
               <p:cNvPr id="4" name="텍스트 상자 3"/>
@@ -23098,7 +23094,7 @@
             </p:txBody>
           </p:sp>
         </mc:Choice>
-        <mc:Fallback>
+        <mc:Fallback xmlns="">
           <p:sp>
             <p:nvSpPr>
               <p:cNvPr id="4" name="텍스트 상자 3"/>
@@ -23137,8 +23133,8 @@
           </p:sp>
         </mc:Fallback>
       </mc:AlternateContent>
-      <mc:AlternateContent xmlns:mc="http://schemas.openxmlformats.org/markup-compatibility/2006">
-        <mc:Choice xmlns:a14="http://schemas.microsoft.com/office/drawing/2010/main" Requires="a14">
+      <mc:AlternateContent xmlns:mc="http://schemas.openxmlformats.org/markup-compatibility/2006" xmlns:a14="http://schemas.microsoft.com/office/drawing/2010/main">
+        <mc:Choice Requires="a14">
           <p:sp>
             <p:nvSpPr>
               <p:cNvPr id="8" name="텍스트 상자 7"/>
@@ -23609,7 +23605,7 @@
             </p:txBody>
           </p:sp>
         </mc:Choice>
-        <mc:Fallback>
+        <mc:Fallback xmlns="">
           <p:sp>
             <p:nvSpPr>
               <p:cNvPr id="8" name="텍스트 상자 7"/>
@@ -23901,7 +23897,7 @@
           <p:cNvPr id="6" name="직사각형 5">
             <a:extLst>
               <a:ext uri="{FF2B5EF4-FFF2-40B4-BE49-F238E27FC236}">
-                <a16:creationId xmlns:a16="http://schemas.microsoft.com/office/drawing/2014/main" xmlns="" id="{15449AC0-91B0-411B-9329-C40FE732F96D}"/>
+                <a16:creationId xmlns="" xmlns:a16="http://schemas.microsoft.com/office/drawing/2014/main" id="{15449AC0-91B0-411B-9329-C40FE732F96D}"/>
               </a:ext>
             </a:extLst>
           </p:cNvPr>
@@ -24089,8 +24085,17 @@
             <a:pPr lvl="3"/>
             <a:r>
               <a:rPr kumimoji="1" lang="en-US" altLang="ko-KR" dirty="0" smtClean="0"/>
-              <a:t>reduce the input dimension by selecting or extracting features (will be explained later)..</a:t>
-            </a:r>
+              <a:t>reduce the input dimension by selecting or extracting features (will be explained </a:t>
+            </a:r>
+            <a:r>
+              <a:rPr kumimoji="1" lang="en-US" altLang="ko-KR" smtClean="0"/>
+              <a:t>later</a:t>
+            </a:r>
+            <a:r>
+              <a:rPr kumimoji="1" lang="en-US" altLang="ko-KR" smtClean="0"/>
+              <a:t>).</a:t>
+            </a:r>
+            <a:endParaRPr kumimoji="1" lang="en-US" altLang="ko-KR" dirty="0" smtClean="0"/>
           </a:p>
           <a:p>
             <a:pPr lvl="1"/>
@@ -24156,7 +24161,7 @@
           <p:cNvPr id="2" name="제목 1">
             <a:extLst>
               <a:ext uri="{FF2B5EF4-FFF2-40B4-BE49-F238E27FC236}">
-                <a16:creationId xmlns:a16="http://schemas.microsoft.com/office/drawing/2014/main" xmlns="" id="{56560C22-0F33-446C-862A-5269DF72DDE8}"/>
+                <a16:creationId xmlns="" xmlns:a16="http://schemas.microsoft.com/office/drawing/2014/main" id="{56560C22-0F33-446C-862A-5269DF72DDE8}"/>
               </a:ext>
             </a:extLst>
           </p:cNvPr>
@@ -24185,7 +24190,7 @@
           <p:cNvPr id="4" name="슬라이드 번호 개체 틀 3">
             <a:extLst>
               <a:ext uri="{FF2B5EF4-FFF2-40B4-BE49-F238E27FC236}">
-                <a16:creationId xmlns:a16="http://schemas.microsoft.com/office/drawing/2014/main" xmlns="" id="{87BC4396-6A46-4D71-96EF-ED4BFFB07327}"/>
+                <a16:creationId xmlns="" xmlns:a16="http://schemas.microsoft.com/office/drawing/2014/main" id="{87BC4396-6A46-4D71-96EF-ED4BFFB07327}"/>
               </a:ext>
             </a:extLst>
           </p:cNvPr>
@@ -24214,7 +24219,7 @@
           <p:cNvPr id="5" name="직사각형 4">
             <a:extLst>
               <a:ext uri="{FF2B5EF4-FFF2-40B4-BE49-F238E27FC236}">
-                <a16:creationId xmlns:a16="http://schemas.microsoft.com/office/drawing/2014/main" xmlns="" id="{B2062616-B5C3-4A2C-9EAB-BBE1D98B78ED}"/>
+                <a16:creationId xmlns="" xmlns:a16="http://schemas.microsoft.com/office/drawing/2014/main" id="{B2062616-B5C3-4A2C-9EAB-BBE1D98B78ED}"/>
               </a:ext>
             </a:extLst>
           </p:cNvPr>
@@ -24267,7 +24272,7 @@
           <p:cNvPr id="6" name="직사각형 5">
             <a:extLst>
               <a:ext uri="{FF2B5EF4-FFF2-40B4-BE49-F238E27FC236}">
-                <a16:creationId xmlns:a16="http://schemas.microsoft.com/office/drawing/2014/main" xmlns="" id="{B7A90984-2E8D-4AA0-8AA9-32FC937B0BC5}"/>
+                <a16:creationId xmlns="" xmlns:a16="http://schemas.microsoft.com/office/drawing/2014/main" id="{B7A90984-2E8D-4AA0-8AA9-32FC937B0BC5}"/>
               </a:ext>
             </a:extLst>
           </p:cNvPr>
@@ -24320,7 +24325,7 @@
           <p:cNvPr id="7" name="직사각형 6">
             <a:extLst>
               <a:ext uri="{FF2B5EF4-FFF2-40B4-BE49-F238E27FC236}">
-                <a16:creationId xmlns:a16="http://schemas.microsoft.com/office/drawing/2014/main" xmlns="" id="{8B56094C-0108-476C-A7AF-98AF53766C30}"/>
+                <a16:creationId xmlns="" xmlns:a16="http://schemas.microsoft.com/office/drawing/2014/main" id="{8B56094C-0108-476C-A7AF-98AF53766C30}"/>
               </a:ext>
             </a:extLst>
           </p:cNvPr>
@@ -24373,7 +24378,7 @@
           <p:cNvPr id="8" name="직사각형 7">
             <a:extLst>
               <a:ext uri="{FF2B5EF4-FFF2-40B4-BE49-F238E27FC236}">
-                <a16:creationId xmlns:a16="http://schemas.microsoft.com/office/drawing/2014/main" xmlns="" id="{3E5FEE2F-F1C1-47AD-A756-73A62E43736D}"/>
+                <a16:creationId xmlns="" xmlns:a16="http://schemas.microsoft.com/office/drawing/2014/main" id="{3E5FEE2F-F1C1-47AD-A756-73A62E43736D}"/>
               </a:ext>
             </a:extLst>
           </p:cNvPr>
@@ -24426,7 +24431,7 @@
           <p:cNvPr id="9" name="오른쪽 화살표 18">
             <a:extLst>
               <a:ext uri="{FF2B5EF4-FFF2-40B4-BE49-F238E27FC236}">
-                <a16:creationId xmlns:a16="http://schemas.microsoft.com/office/drawing/2014/main" xmlns="" id="{20304591-AFA2-4663-93E6-6ED1024B23EF}"/>
+                <a16:creationId xmlns="" xmlns:a16="http://schemas.microsoft.com/office/drawing/2014/main" id="{20304591-AFA2-4663-93E6-6ED1024B23EF}"/>
               </a:ext>
             </a:extLst>
           </p:cNvPr>
@@ -24470,7 +24475,7 @@
           <p:cNvPr id="10" name="모서리가 둥근 직사각형 19">
             <a:extLst>
               <a:ext uri="{FF2B5EF4-FFF2-40B4-BE49-F238E27FC236}">
-                <a16:creationId xmlns:a16="http://schemas.microsoft.com/office/drawing/2014/main" xmlns="" id="{FA06A43C-0AB9-4B4B-B3EE-9508992D8FC5}"/>
+                <a16:creationId xmlns="" xmlns:a16="http://schemas.microsoft.com/office/drawing/2014/main" id="{FA06A43C-0AB9-4B4B-B3EE-9508992D8FC5}"/>
               </a:ext>
             </a:extLst>
           </p:cNvPr>
@@ -24527,7 +24532,7 @@
           <p:cNvPr id="11" name="TextBox 10">
             <a:extLst>
               <a:ext uri="{FF2B5EF4-FFF2-40B4-BE49-F238E27FC236}">
-                <a16:creationId xmlns:a16="http://schemas.microsoft.com/office/drawing/2014/main" xmlns="" id="{AA4B9B98-E631-4FBC-86CF-5423960B8A2A}"/>
+                <a16:creationId xmlns="" xmlns:a16="http://schemas.microsoft.com/office/drawing/2014/main" id="{AA4B9B98-E631-4FBC-86CF-5423960B8A2A}"/>
               </a:ext>
             </a:extLst>
           </p:cNvPr>
@@ -24571,7 +24576,7 @@
           <p:cNvPr id="12" name="왼쪽 중괄호 11">
             <a:extLst>
               <a:ext uri="{FF2B5EF4-FFF2-40B4-BE49-F238E27FC236}">
-                <a16:creationId xmlns:a16="http://schemas.microsoft.com/office/drawing/2014/main" xmlns="" id="{69D164AC-DC0E-48A6-8E42-2BEDFB35D4ED}"/>
+                <a16:creationId xmlns="" xmlns:a16="http://schemas.microsoft.com/office/drawing/2014/main" id="{69D164AC-DC0E-48A6-8E42-2BEDFB35D4ED}"/>
               </a:ext>
             </a:extLst>
           </p:cNvPr>
@@ -24615,7 +24620,7 @@
           <p:cNvPr id="13" name="TextBox 12">
             <a:extLst>
               <a:ext uri="{FF2B5EF4-FFF2-40B4-BE49-F238E27FC236}">
-                <a16:creationId xmlns:a16="http://schemas.microsoft.com/office/drawing/2014/main" xmlns="" id="{43FB9954-B4E6-476B-8128-0991DB06DFD3}"/>
+                <a16:creationId xmlns="" xmlns:a16="http://schemas.microsoft.com/office/drawing/2014/main" id="{43FB9954-B4E6-476B-8128-0991DB06DFD3}"/>
               </a:ext>
             </a:extLst>
           </p:cNvPr>
@@ -24659,7 +24664,7 @@
           <p:cNvPr id="14" name="왼쪽 중괄호 13">
             <a:extLst>
               <a:ext uri="{FF2B5EF4-FFF2-40B4-BE49-F238E27FC236}">
-                <a16:creationId xmlns:a16="http://schemas.microsoft.com/office/drawing/2014/main" xmlns="" id="{43E0812C-85F4-4875-A410-FE63714C04B1}"/>
+                <a16:creationId xmlns="" xmlns:a16="http://schemas.microsoft.com/office/drawing/2014/main" id="{43E0812C-85F4-4875-A410-FE63714C04B1}"/>
               </a:ext>
             </a:extLst>
           </p:cNvPr>
@@ -24703,7 +24708,7 @@
           <p:cNvPr id="15" name="TextBox 14">
             <a:extLst>
               <a:ext uri="{FF2B5EF4-FFF2-40B4-BE49-F238E27FC236}">
-                <a16:creationId xmlns:a16="http://schemas.microsoft.com/office/drawing/2014/main" xmlns="" id="{EB7E30FC-D08B-4CC1-8E9A-36ABFE436363}"/>
+                <a16:creationId xmlns="" xmlns:a16="http://schemas.microsoft.com/office/drawing/2014/main" id="{EB7E30FC-D08B-4CC1-8E9A-36ABFE436363}"/>
               </a:ext>
             </a:extLst>
           </p:cNvPr>
@@ -24777,7 +24782,7 @@
           <p:cNvPr id="2" name="제목 1">
             <a:extLst>
               <a:ext uri="{FF2B5EF4-FFF2-40B4-BE49-F238E27FC236}">
-                <a16:creationId xmlns:a16="http://schemas.microsoft.com/office/drawing/2014/main" xmlns="" id="{56560C22-0F33-446C-862A-5269DF72DDE8}"/>
+                <a16:creationId xmlns="" xmlns:a16="http://schemas.microsoft.com/office/drawing/2014/main" id="{56560C22-0F33-446C-862A-5269DF72DDE8}"/>
               </a:ext>
             </a:extLst>
           </p:cNvPr>
@@ -24806,7 +24811,7 @@
           <p:cNvPr id="4" name="슬라이드 번호 개체 틀 3">
             <a:extLst>
               <a:ext uri="{FF2B5EF4-FFF2-40B4-BE49-F238E27FC236}">
-                <a16:creationId xmlns:a16="http://schemas.microsoft.com/office/drawing/2014/main" xmlns="" id="{87BC4396-6A46-4D71-96EF-ED4BFFB07327}"/>
+                <a16:creationId xmlns="" xmlns:a16="http://schemas.microsoft.com/office/drawing/2014/main" id="{87BC4396-6A46-4D71-96EF-ED4BFFB07327}"/>
               </a:ext>
             </a:extLst>
           </p:cNvPr>
@@ -24835,7 +24840,7 @@
           <p:cNvPr id="16" name="직사각형 15">
             <a:extLst>
               <a:ext uri="{FF2B5EF4-FFF2-40B4-BE49-F238E27FC236}">
-                <a16:creationId xmlns:a16="http://schemas.microsoft.com/office/drawing/2014/main" xmlns="" id="{FB015417-9530-4480-9DE9-9F54E355105B}"/>
+                <a16:creationId xmlns="" xmlns:a16="http://schemas.microsoft.com/office/drawing/2014/main" id="{FB015417-9530-4480-9DE9-9F54E355105B}"/>
               </a:ext>
             </a:extLst>
           </p:cNvPr>
@@ -24888,7 +24893,7 @@
           <p:cNvPr id="17" name="직사각형 16">
             <a:extLst>
               <a:ext uri="{FF2B5EF4-FFF2-40B4-BE49-F238E27FC236}">
-                <a16:creationId xmlns:a16="http://schemas.microsoft.com/office/drawing/2014/main" xmlns="" id="{17AC9A89-7210-432B-86DF-60AD5ECD7039}"/>
+                <a16:creationId xmlns="" xmlns:a16="http://schemas.microsoft.com/office/drawing/2014/main" id="{17AC9A89-7210-432B-86DF-60AD5ECD7039}"/>
               </a:ext>
             </a:extLst>
           </p:cNvPr>
@@ -24941,7 +24946,7 @@
           <p:cNvPr id="18" name="직사각형 17">
             <a:extLst>
               <a:ext uri="{FF2B5EF4-FFF2-40B4-BE49-F238E27FC236}">
-                <a16:creationId xmlns:a16="http://schemas.microsoft.com/office/drawing/2014/main" xmlns="" id="{E9FB3E07-F15B-43F9-B96F-1FD1E37F9EA0}"/>
+                <a16:creationId xmlns="" xmlns:a16="http://schemas.microsoft.com/office/drawing/2014/main" id="{E9FB3E07-F15B-43F9-B96F-1FD1E37F9EA0}"/>
               </a:ext>
             </a:extLst>
           </p:cNvPr>
@@ -24994,7 +24999,7 @@
           <p:cNvPr id="19" name="직사각형 18">
             <a:extLst>
               <a:ext uri="{FF2B5EF4-FFF2-40B4-BE49-F238E27FC236}">
-                <a16:creationId xmlns:a16="http://schemas.microsoft.com/office/drawing/2014/main" xmlns="" id="{16FD03D6-A313-4D1B-966E-E34B12BC3C0A}"/>
+                <a16:creationId xmlns="" xmlns:a16="http://schemas.microsoft.com/office/drawing/2014/main" id="{16FD03D6-A313-4D1B-966E-E34B12BC3C0A}"/>
               </a:ext>
             </a:extLst>
           </p:cNvPr>
@@ -25047,7 +25052,7 @@
           <p:cNvPr id="20" name="모서리가 둥근 직사각형 19">
             <a:extLst>
               <a:ext uri="{FF2B5EF4-FFF2-40B4-BE49-F238E27FC236}">
-                <a16:creationId xmlns:a16="http://schemas.microsoft.com/office/drawing/2014/main" xmlns="" id="{53F28266-912F-4B36-BDC7-4EECDF11BD88}"/>
+                <a16:creationId xmlns="" xmlns:a16="http://schemas.microsoft.com/office/drawing/2014/main" id="{53F28266-912F-4B36-BDC7-4EECDF11BD88}"/>
               </a:ext>
             </a:extLst>
           </p:cNvPr>
@@ -25104,7 +25109,7 @@
           <p:cNvPr id="21" name="왼쪽 중괄호 20">
             <a:extLst>
               <a:ext uri="{FF2B5EF4-FFF2-40B4-BE49-F238E27FC236}">
-                <a16:creationId xmlns:a16="http://schemas.microsoft.com/office/drawing/2014/main" xmlns="" id="{BC640166-723D-4F9B-8BD7-1B87E875CFE4}"/>
+                <a16:creationId xmlns="" xmlns:a16="http://schemas.microsoft.com/office/drawing/2014/main" id="{BC640166-723D-4F9B-8BD7-1B87E875CFE4}"/>
               </a:ext>
             </a:extLst>
           </p:cNvPr>
@@ -25148,7 +25153,7 @@
           <p:cNvPr id="22" name="TextBox 21">
             <a:extLst>
               <a:ext uri="{FF2B5EF4-FFF2-40B4-BE49-F238E27FC236}">
-                <a16:creationId xmlns:a16="http://schemas.microsoft.com/office/drawing/2014/main" xmlns="" id="{BA33C493-F0B8-40AD-A063-EE7939C0DF74}"/>
+                <a16:creationId xmlns="" xmlns:a16="http://schemas.microsoft.com/office/drawing/2014/main" id="{BA33C493-F0B8-40AD-A063-EE7939C0DF74}"/>
               </a:ext>
             </a:extLst>
           </p:cNvPr>
@@ -25192,7 +25197,7 @@
           <p:cNvPr id="23" name="왼쪽 중괄호 22">
             <a:extLst>
               <a:ext uri="{FF2B5EF4-FFF2-40B4-BE49-F238E27FC236}">
-                <a16:creationId xmlns:a16="http://schemas.microsoft.com/office/drawing/2014/main" xmlns="" id="{4010495F-1DB9-4978-9A9E-3E51B3718167}"/>
+                <a16:creationId xmlns="" xmlns:a16="http://schemas.microsoft.com/office/drawing/2014/main" id="{4010495F-1DB9-4978-9A9E-3E51B3718167}"/>
               </a:ext>
             </a:extLst>
           </p:cNvPr>
@@ -25236,7 +25241,7 @@
           <p:cNvPr id="24" name="TextBox 23">
             <a:extLst>
               <a:ext uri="{FF2B5EF4-FFF2-40B4-BE49-F238E27FC236}">
-                <a16:creationId xmlns:a16="http://schemas.microsoft.com/office/drawing/2014/main" xmlns="" id="{FF6F0DDD-513E-4F5D-B55C-19C19A4D575A}"/>
+                <a16:creationId xmlns="" xmlns:a16="http://schemas.microsoft.com/office/drawing/2014/main" id="{FF6F0DDD-513E-4F5D-B55C-19C19A4D575A}"/>
               </a:ext>
             </a:extLst>
           </p:cNvPr>
@@ -25282,7 +25287,7 @@
               <p:cNvPr id="25" name="직사각형 24">
                 <a:extLst>
                   <a:ext uri="{FF2B5EF4-FFF2-40B4-BE49-F238E27FC236}">
-                    <a16:creationId xmlns:a16="http://schemas.microsoft.com/office/drawing/2014/main" xmlns="" id="{E917D278-CA9A-4B05-9BB5-EC87A26D92C3}"/>
+                    <a16:creationId xmlns="" xmlns:a16="http://schemas.microsoft.com/office/drawing/2014/main" id="{E917D278-CA9A-4B05-9BB5-EC87A26D92C3}"/>
                   </a:ext>
                 </a:extLst>
               </p:cNvPr>
@@ -25423,7 +25428,7 @@
               <p:cNvPr id="26" name="직사각형 25">
                 <a:extLst>
                   <a:ext uri="{FF2B5EF4-FFF2-40B4-BE49-F238E27FC236}">
-                    <a16:creationId xmlns:a16="http://schemas.microsoft.com/office/drawing/2014/main" xmlns="" id="{0719B9DF-8D94-4EBA-ACB6-CB296FAF71A8}"/>
+                    <a16:creationId xmlns="" xmlns:a16="http://schemas.microsoft.com/office/drawing/2014/main" id="{0719B9DF-8D94-4EBA-ACB6-CB296FAF71A8}"/>
                   </a:ext>
                 </a:extLst>
               </p:cNvPr>
@@ -25562,7 +25567,7 @@
           <p:cNvPr id="27" name="직선 화살표 연결선 26">
             <a:extLst>
               <a:ext uri="{FF2B5EF4-FFF2-40B4-BE49-F238E27FC236}">
-                <a16:creationId xmlns:a16="http://schemas.microsoft.com/office/drawing/2014/main" xmlns="" id="{16484792-8CF5-4D64-979A-7BB3E059DCDF}"/>
+                <a16:creationId xmlns="" xmlns:a16="http://schemas.microsoft.com/office/drawing/2014/main" id="{16484792-8CF5-4D64-979A-7BB3E059DCDF}"/>
               </a:ext>
             </a:extLst>
           </p:cNvPr>
@@ -25607,7 +25612,7 @@
           <p:cNvPr id="28" name="직선 화살표 연결선 27">
             <a:extLst>
               <a:ext uri="{FF2B5EF4-FFF2-40B4-BE49-F238E27FC236}">
-                <a16:creationId xmlns:a16="http://schemas.microsoft.com/office/drawing/2014/main" xmlns="" id="{E6ED2827-1E2A-468B-9505-55FE286EFD85}"/>
+                <a16:creationId xmlns="" xmlns:a16="http://schemas.microsoft.com/office/drawing/2014/main" id="{E6ED2827-1E2A-468B-9505-55FE286EFD85}"/>
               </a:ext>
             </a:extLst>
           </p:cNvPr>
@@ -25651,7 +25656,7 @@
               <p:cNvPr id="29" name="TextBox 28">
                 <a:extLst>
                   <a:ext uri="{FF2B5EF4-FFF2-40B4-BE49-F238E27FC236}">
-                    <a16:creationId xmlns:a16="http://schemas.microsoft.com/office/drawing/2014/main" xmlns="" id="{AC4DD482-29B1-4A2F-8E7A-ADB98860D17F}"/>
+                    <a16:creationId xmlns="" xmlns:a16="http://schemas.microsoft.com/office/drawing/2014/main" id="{AC4DD482-29B1-4A2F-8E7A-ADB98860D17F}"/>
                   </a:ext>
                 </a:extLst>
               </p:cNvPr>
@@ -25765,7 +25770,7 @@
               <p:cNvPr id="30" name="TextBox 29">
                 <a:extLst>
                   <a:ext uri="{FF2B5EF4-FFF2-40B4-BE49-F238E27FC236}">
-                    <a16:creationId xmlns:a16="http://schemas.microsoft.com/office/drawing/2014/main" xmlns="" id="{172EBC91-0885-4829-81F1-F88A9DD798CD}"/>
+                    <a16:creationId xmlns="" xmlns:a16="http://schemas.microsoft.com/office/drawing/2014/main" id="{172EBC91-0885-4829-81F1-F88A9DD798CD}"/>
                   </a:ext>
                 </a:extLst>
               </p:cNvPr>
@@ -25877,7 +25882,7 @@
           <p:cNvPr id="31" name="직사각형 30">
             <a:extLst>
               <a:ext uri="{FF2B5EF4-FFF2-40B4-BE49-F238E27FC236}">
-                <a16:creationId xmlns:a16="http://schemas.microsoft.com/office/drawing/2014/main" xmlns="" id="{C14B6DFE-FCD5-4AAD-AB88-E2D21D04A229}"/>
+                <a16:creationId xmlns="" xmlns:a16="http://schemas.microsoft.com/office/drawing/2014/main" id="{C14B6DFE-FCD5-4AAD-AB88-E2D21D04A229}"/>
               </a:ext>
             </a:extLst>
           </p:cNvPr>
@@ -25923,7 +25928,7 @@
           <p:cNvPr id="32" name="직사각형 31">
             <a:extLst>
               <a:ext uri="{FF2B5EF4-FFF2-40B4-BE49-F238E27FC236}">
-                <a16:creationId xmlns:a16="http://schemas.microsoft.com/office/drawing/2014/main" xmlns="" id="{6F531935-A853-4266-93C5-E7F216D9E257}"/>
+                <a16:creationId xmlns="" xmlns:a16="http://schemas.microsoft.com/office/drawing/2014/main" id="{6F531935-A853-4266-93C5-E7F216D9E257}"/>
               </a:ext>
             </a:extLst>
           </p:cNvPr>
@@ -25969,7 +25974,7 @@
           <p:cNvPr id="33" name="오른쪽 화살표 28">
             <a:extLst>
               <a:ext uri="{FF2B5EF4-FFF2-40B4-BE49-F238E27FC236}">
-                <a16:creationId xmlns:a16="http://schemas.microsoft.com/office/drawing/2014/main" xmlns="" id="{E6ACCA32-C17C-4C6C-930D-6F84395182BF}"/>
+                <a16:creationId xmlns="" xmlns:a16="http://schemas.microsoft.com/office/drawing/2014/main" id="{E6ACCA32-C17C-4C6C-930D-6F84395182BF}"/>
               </a:ext>
             </a:extLst>
           </p:cNvPr>
@@ -26013,7 +26018,7 @@
           <p:cNvPr id="34" name="오른쪽 화살표 29">
             <a:extLst>
               <a:ext uri="{FF2B5EF4-FFF2-40B4-BE49-F238E27FC236}">
-                <a16:creationId xmlns:a16="http://schemas.microsoft.com/office/drawing/2014/main" xmlns="" id="{DF502CFD-1C2E-4A82-9129-B000DBAD49D6}"/>
+                <a16:creationId xmlns="" xmlns:a16="http://schemas.microsoft.com/office/drawing/2014/main" id="{DF502CFD-1C2E-4A82-9129-B000DBAD49D6}"/>
               </a:ext>
             </a:extLst>
           </p:cNvPr>
@@ -26087,7 +26092,7 @@
           <p:cNvPr id="2" name="제목 1">
             <a:extLst>
               <a:ext uri="{FF2B5EF4-FFF2-40B4-BE49-F238E27FC236}">
-                <a16:creationId xmlns:a16="http://schemas.microsoft.com/office/drawing/2014/main" xmlns="" id="{71DC6C88-1233-4F85-B42F-57F66042BEFD}"/>
+                <a16:creationId xmlns="" xmlns:a16="http://schemas.microsoft.com/office/drawing/2014/main" id="{71DC6C88-1233-4F85-B42F-57F66042BEFD}"/>
               </a:ext>
             </a:extLst>
           </p:cNvPr>
@@ -26128,7 +26133,7 @@
           <p:cNvPr id="4" name="슬라이드 번호 개체 틀 3">
             <a:extLst>
               <a:ext uri="{FF2B5EF4-FFF2-40B4-BE49-F238E27FC236}">
-                <a16:creationId xmlns:a16="http://schemas.microsoft.com/office/drawing/2014/main" xmlns="" id="{EFBCEDF2-E84E-4513-B734-3BE83A8669DD}"/>
+                <a16:creationId xmlns="" xmlns:a16="http://schemas.microsoft.com/office/drawing/2014/main" id="{EFBCEDF2-E84E-4513-B734-3BE83A8669DD}"/>
               </a:ext>
             </a:extLst>
           </p:cNvPr>
@@ -26157,7 +26162,7 @@
           <p:cNvPr id="5" name="그림 4">
             <a:extLst>
               <a:ext uri="{FF2B5EF4-FFF2-40B4-BE49-F238E27FC236}">
-                <a16:creationId xmlns:a16="http://schemas.microsoft.com/office/drawing/2014/main" xmlns="" id="{BE6DBA7A-80CD-4521-9974-F21B4606EA69}"/>
+                <a16:creationId xmlns="" xmlns:a16="http://schemas.microsoft.com/office/drawing/2014/main" id="{BE6DBA7A-80CD-4521-9974-F21B4606EA69}"/>
               </a:ext>
             </a:extLst>
           </p:cNvPr>
@@ -26217,7 +26222,7 @@
           <p:cNvPr id="2" name="제목 1">
             <a:extLst>
               <a:ext uri="{FF2B5EF4-FFF2-40B4-BE49-F238E27FC236}">
-                <a16:creationId xmlns:a16="http://schemas.microsoft.com/office/drawing/2014/main" xmlns="" id="{96BFEF57-E19A-4277-A440-9F43DE38E7DA}"/>
+                <a16:creationId xmlns="" xmlns:a16="http://schemas.microsoft.com/office/drawing/2014/main" id="{96BFEF57-E19A-4277-A440-9F43DE38E7DA}"/>
               </a:ext>
             </a:extLst>
           </p:cNvPr>
@@ -26272,7 +26277,7 @@
           <p:cNvPr id="4" name="슬라이드 번호 개체 틀 3">
             <a:extLst>
               <a:ext uri="{FF2B5EF4-FFF2-40B4-BE49-F238E27FC236}">
-                <a16:creationId xmlns:a16="http://schemas.microsoft.com/office/drawing/2014/main" xmlns="" id="{06806A55-E0CA-47F9-B62A-159D1E04864A}"/>
+                <a16:creationId xmlns="" xmlns:a16="http://schemas.microsoft.com/office/drawing/2014/main" id="{06806A55-E0CA-47F9-B62A-159D1E04864A}"/>
               </a:ext>
             </a:extLst>
           </p:cNvPr>
@@ -26301,7 +26306,7 @@
           <p:cNvPr id="5" name="그림 4">
             <a:extLst>
               <a:ext uri="{FF2B5EF4-FFF2-40B4-BE49-F238E27FC236}">
-                <a16:creationId xmlns:a16="http://schemas.microsoft.com/office/drawing/2014/main" xmlns="" id="{E24EAEBF-0C46-43FD-82BB-B8F870785A93}"/>
+                <a16:creationId xmlns="" xmlns:a16="http://schemas.microsoft.com/office/drawing/2014/main" id="{E24EAEBF-0C46-43FD-82BB-B8F870785A93}"/>
               </a:ext>
             </a:extLst>
           </p:cNvPr>
@@ -26488,7 +26493,7 @@
           <p:cNvPr id="2" name="제목 1">
             <a:extLst>
               <a:ext uri="{FF2B5EF4-FFF2-40B4-BE49-F238E27FC236}">
-                <a16:creationId xmlns:a16="http://schemas.microsoft.com/office/drawing/2014/main" xmlns="" id="{8693DC16-1432-4EC8-84B7-84471D4C5061}"/>
+                <a16:creationId xmlns="" xmlns:a16="http://schemas.microsoft.com/office/drawing/2014/main" id="{8693DC16-1432-4EC8-84B7-84471D4C5061}"/>
               </a:ext>
             </a:extLst>
           </p:cNvPr>
@@ -26517,7 +26522,7 @@
           <p:cNvPr id="3" name="내용 개체 틀 2">
             <a:extLst>
               <a:ext uri="{FF2B5EF4-FFF2-40B4-BE49-F238E27FC236}">
-                <a16:creationId xmlns:a16="http://schemas.microsoft.com/office/drawing/2014/main" xmlns="" id="{4EA4DBC7-D0C0-4C37-A195-E4EBB3AC9535}"/>
+                <a16:creationId xmlns="" xmlns:a16="http://schemas.microsoft.com/office/drawing/2014/main" id="{4EA4DBC7-D0C0-4C37-A195-E4EBB3AC9535}"/>
               </a:ext>
             </a:extLst>
           </p:cNvPr>
@@ -26576,7 +26581,7 @@
           <p:cNvPr id="4" name="슬라이드 번호 개체 틀 3">
             <a:extLst>
               <a:ext uri="{FF2B5EF4-FFF2-40B4-BE49-F238E27FC236}">
-                <a16:creationId xmlns:a16="http://schemas.microsoft.com/office/drawing/2014/main" xmlns="" id="{8BB2062B-B0D2-4D9B-83C8-AA54F1E52DB1}"/>
+                <a16:creationId xmlns="" xmlns:a16="http://schemas.microsoft.com/office/drawing/2014/main" id="{8BB2062B-B0D2-4D9B-83C8-AA54F1E52DB1}"/>
               </a:ext>
             </a:extLst>
           </p:cNvPr>
@@ -26605,7 +26610,7 @@
           <p:cNvPr id="1026" name="Picture 2" descr="DJ set에 대한 이미지 검색결과">
             <a:extLst>
               <a:ext uri="{FF2B5EF4-FFF2-40B4-BE49-F238E27FC236}">
-                <a16:creationId xmlns:a16="http://schemas.microsoft.com/office/drawing/2014/main" xmlns="" id="{B4C9B0B9-F718-4AB7-82C4-2F8B8734FDCA}"/>
+                <a16:creationId xmlns="" xmlns:a16="http://schemas.microsoft.com/office/drawing/2014/main" id="{B4C9B0B9-F718-4AB7-82C4-2F8B8734FDCA}"/>
               </a:ext>
             </a:extLst>
           </p:cNvPr>
@@ -26652,7 +26657,7 @@
           <p:cNvPr id="1028" name="Picture 4" descr="air plane pilot에 대한 이미지 검색결과">
             <a:extLst>
               <a:ext uri="{FF2B5EF4-FFF2-40B4-BE49-F238E27FC236}">
-                <a16:creationId xmlns:a16="http://schemas.microsoft.com/office/drawing/2014/main" xmlns="" id="{DD565B17-1CF5-416C-AAEB-2818220E1014}"/>
+                <a16:creationId xmlns="" xmlns:a16="http://schemas.microsoft.com/office/drawing/2014/main" id="{DD565B17-1CF5-416C-AAEB-2818220E1014}"/>
               </a:ext>
             </a:extLst>
           </p:cNvPr>
